--- a/plc/ppts/14_15_17_18_parsing.pptx
+++ b/plc/ppts/14_15_17_18_parsing.pptx
@@ -94,8 +94,8 @@
         </p:nvSpPr>
         <p:spPr>
           <a:xfrm>
-            <a:off x="327960" y="893880"/>
-            <a:ext cx="7556040" cy="836640"/>
+            <a:off x="457200" y="205200"/>
+            <a:ext cx="8229240" cy="858600"/>
           </a:xfrm>
           <a:prstGeom prst="rect">
             <a:avLst/>
@@ -110,14 +110,14 @@
             <a:noAutofit/>
           </a:bodyPr>
           <a:p>
-            <a:pPr indent="0">
+            <a:pPr indent="0" algn="ctr">
               <a:buNone/>
             </a:pPr>
-            <a:endParaRPr b="0" lang="en-US" sz="3600" spc="-1" strike="noStrike">
-              <a:solidFill>
-                <a:srgbClr val="000000"/>
-              </a:solidFill>
-              <a:latin typeface="Rockwell"/>
+            <a:endParaRPr b="0" lang="en-US" sz="4400" spc="-1" strike="noStrike">
+              <a:solidFill>
+                <a:srgbClr val="000000"/>
+              </a:solidFill>
+              <a:latin typeface="Arial"/>
             </a:endParaRPr>
           </a:p>
         </p:txBody>
@@ -134,8 +134,8 @@
         </p:nvSpPr>
         <p:spPr>
           <a:xfrm>
-            <a:off x="327960" y="1730880"/>
-            <a:ext cx="7556040" cy="1465920"/>
+            <a:off x="457200" y="1203480"/>
+            <a:ext cx="8229240" cy="1422720"/>
           </a:xfrm>
           <a:prstGeom prst="rect">
             <a:avLst/>
@@ -156,11 +156,11 @@
               </a:spcBef>
               <a:buNone/>
             </a:pPr>
-            <a:endParaRPr b="0" lang="en-US" sz="2000" spc="-1" strike="noStrike">
-              <a:solidFill>
-                <a:schemeClr val="accent1"/>
-              </a:solidFill>
-              <a:latin typeface="Cambria"/>
+            <a:endParaRPr b="0" lang="en-US" sz="3200" spc="-1" strike="noStrike">
+              <a:solidFill>
+                <a:srgbClr val="000000"/>
+              </a:solidFill>
+              <a:latin typeface="Arial"/>
             </a:endParaRPr>
           </a:p>
         </p:txBody>
@@ -177,8 +177,8 @@
         </p:nvSpPr>
         <p:spPr>
           <a:xfrm>
-            <a:off x="327960" y="3336480"/>
-            <a:ext cx="7556040" cy="1465920"/>
+            <a:off x="457200" y="2761920"/>
+            <a:ext cx="8229240" cy="1422720"/>
           </a:xfrm>
           <a:prstGeom prst="rect">
             <a:avLst/>
@@ -199,11 +199,11 @@
               </a:spcBef>
               <a:buNone/>
             </a:pPr>
-            <a:endParaRPr b="0" lang="en-US" sz="2000" spc="-1" strike="noStrike">
-              <a:solidFill>
-                <a:schemeClr val="accent1"/>
-              </a:solidFill>
-              <a:latin typeface="Cambria"/>
+            <a:endParaRPr b="0" lang="en-US" sz="3200" spc="-1" strike="noStrike">
+              <a:solidFill>
+                <a:srgbClr val="000000"/>
+              </a:solidFill>
+              <a:latin typeface="Arial"/>
             </a:endParaRPr>
           </a:p>
         </p:txBody>
@@ -242,8 +242,8 @@
         </p:nvSpPr>
         <p:spPr>
           <a:xfrm>
-            <a:off x="327960" y="893880"/>
-            <a:ext cx="7556040" cy="836640"/>
+            <a:off x="457200" y="205200"/>
+            <a:ext cx="8229240" cy="858600"/>
           </a:xfrm>
           <a:prstGeom prst="rect">
             <a:avLst/>
@@ -258,14 +258,14 @@
             <a:noAutofit/>
           </a:bodyPr>
           <a:p>
-            <a:pPr indent="0">
+            <a:pPr indent="0" algn="ctr">
               <a:buNone/>
             </a:pPr>
-            <a:endParaRPr b="0" lang="en-US" sz="3600" spc="-1" strike="noStrike">
-              <a:solidFill>
-                <a:srgbClr val="000000"/>
-              </a:solidFill>
-              <a:latin typeface="Rockwell"/>
+            <a:endParaRPr b="0" lang="en-US" sz="4400" spc="-1" strike="noStrike">
+              <a:solidFill>
+                <a:srgbClr val="000000"/>
+              </a:solidFill>
+              <a:latin typeface="Arial"/>
             </a:endParaRPr>
           </a:p>
         </p:txBody>
@@ -282,8 +282,8 @@
         </p:nvSpPr>
         <p:spPr>
           <a:xfrm>
-            <a:off x="327960" y="1730880"/>
-            <a:ext cx="3687120" cy="1465920"/>
+            <a:off x="457200" y="1203480"/>
+            <a:ext cx="4015800" cy="1422720"/>
           </a:xfrm>
           <a:prstGeom prst="rect">
             <a:avLst/>
@@ -304,11 +304,11 @@
               </a:spcBef>
               <a:buNone/>
             </a:pPr>
-            <a:endParaRPr b="0" lang="en-US" sz="2000" spc="-1" strike="noStrike">
-              <a:solidFill>
-                <a:schemeClr val="accent1"/>
-              </a:solidFill>
-              <a:latin typeface="Cambria"/>
+            <a:endParaRPr b="0" lang="en-US" sz="3200" spc="-1" strike="noStrike">
+              <a:solidFill>
+                <a:srgbClr val="000000"/>
+              </a:solidFill>
+              <a:latin typeface="Arial"/>
             </a:endParaRPr>
           </a:p>
         </p:txBody>
@@ -325,8 +325,8 @@
         </p:nvSpPr>
         <p:spPr>
           <a:xfrm>
-            <a:off x="4199760" y="1730880"/>
-            <a:ext cx="3687120" cy="1465920"/>
+            <a:off x="4674240" y="1203480"/>
+            <a:ext cx="4015800" cy="1422720"/>
           </a:xfrm>
           <a:prstGeom prst="rect">
             <a:avLst/>
@@ -347,11 +347,11 @@
               </a:spcBef>
               <a:buNone/>
             </a:pPr>
-            <a:endParaRPr b="0" lang="en-US" sz="2000" spc="-1" strike="noStrike">
-              <a:solidFill>
-                <a:schemeClr val="accent1"/>
-              </a:solidFill>
-              <a:latin typeface="Cambria"/>
+            <a:endParaRPr b="0" lang="en-US" sz="3200" spc="-1" strike="noStrike">
+              <a:solidFill>
+                <a:srgbClr val="000000"/>
+              </a:solidFill>
+              <a:latin typeface="Arial"/>
             </a:endParaRPr>
           </a:p>
         </p:txBody>
@@ -368,8 +368,8 @@
         </p:nvSpPr>
         <p:spPr>
           <a:xfrm>
-            <a:off x="327960" y="3336480"/>
-            <a:ext cx="3687120" cy="1465920"/>
+            <a:off x="457200" y="2761920"/>
+            <a:ext cx="4015800" cy="1422720"/>
           </a:xfrm>
           <a:prstGeom prst="rect">
             <a:avLst/>
@@ -390,11 +390,11 @@
               </a:spcBef>
               <a:buNone/>
             </a:pPr>
-            <a:endParaRPr b="0" lang="en-US" sz="2000" spc="-1" strike="noStrike">
-              <a:solidFill>
-                <a:schemeClr val="accent1"/>
-              </a:solidFill>
-              <a:latin typeface="Cambria"/>
+            <a:endParaRPr b="0" lang="en-US" sz="3200" spc="-1" strike="noStrike">
+              <a:solidFill>
+                <a:srgbClr val="000000"/>
+              </a:solidFill>
+              <a:latin typeface="Arial"/>
             </a:endParaRPr>
           </a:p>
         </p:txBody>
@@ -411,8 +411,8 @@
         </p:nvSpPr>
         <p:spPr>
           <a:xfrm>
-            <a:off x="4199760" y="3336480"/>
-            <a:ext cx="3687120" cy="1465920"/>
+            <a:off x="4674240" y="2761920"/>
+            <a:ext cx="4015800" cy="1422720"/>
           </a:xfrm>
           <a:prstGeom prst="rect">
             <a:avLst/>
@@ -433,11 +433,11 @@
               </a:spcBef>
               <a:buNone/>
             </a:pPr>
-            <a:endParaRPr b="0" lang="en-US" sz="2000" spc="-1" strike="noStrike">
-              <a:solidFill>
-                <a:schemeClr val="accent1"/>
-              </a:solidFill>
-              <a:latin typeface="Cambria"/>
+            <a:endParaRPr b="0" lang="en-US" sz="3200" spc="-1" strike="noStrike">
+              <a:solidFill>
+                <a:srgbClr val="000000"/>
+              </a:solidFill>
+              <a:latin typeface="Arial"/>
             </a:endParaRPr>
           </a:p>
         </p:txBody>
@@ -476,8 +476,8 @@
         </p:nvSpPr>
         <p:spPr>
           <a:xfrm>
-            <a:off x="327960" y="893880"/>
-            <a:ext cx="7556040" cy="836640"/>
+            <a:off x="457200" y="205200"/>
+            <a:ext cx="8229240" cy="858600"/>
           </a:xfrm>
           <a:prstGeom prst="rect">
             <a:avLst/>
@@ -492,14 +492,14 @@
             <a:noAutofit/>
           </a:bodyPr>
           <a:p>
-            <a:pPr indent="0">
+            <a:pPr indent="0" algn="ctr">
               <a:buNone/>
             </a:pPr>
-            <a:endParaRPr b="0" lang="en-US" sz="3600" spc="-1" strike="noStrike">
-              <a:solidFill>
-                <a:srgbClr val="000000"/>
-              </a:solidFill>
-              <a:latin typeface="Rockwell"/>
+            <a:endParaRPr b="0" lang="en-US" sz="4400" spc="-1" strike="noStrike">
+              <a:solidFill>
+                <a:srgbClr val="000000"/>
+              </a:solidFill>
+              <a:latin typeface="Arial"/>
             </a:endParaRPr>
           </a:p>
         </p:txBody>
@@ -516,8 +516,8 @@
         </p:nvSpPr>
         <p:spPr>
           <a:xfrm>
-            <a:off x="327960" y="1730880"/>
-            <a:ext cx="2432880" cy="1465920"/>
+            <a:off x="457200" y="1203480"/>
+            <a:ext cx="2649600" cy="1422720"/>
           </a:xfrm>
           <a:prstGeom prst="rect">
             <a:avLst/>
@@ -538,11 +538,11 @@
               </a:spcBef>
               <a:buNone/>
             </a:pPr>
-            <a:endParaRPr b="0" lang="en-US" sz="2000" spc="-1" strike="noStrike">
-              <a:solidFill>
-                <a:schemeClr val="accent1"/>
-              </a:solidFill>
-              <a:latin typeface="Cambria"/>
+            <a:endParaRPr b="0" lang="en-US" sz="3200" spc="-1" strike="noStrike">
+              <a:solidFill>
+                <a:srgbClr val="000000"/>
+              </a:solidFill>
+              <a:latin typeface="Arial"/>
             </a:endParaRPr>
           </a:p>
         </p:txBody>
@@ -559,8 +559,8 @@
         </p:nvSpPr>
         <p:spPr>
           <a:xfrm>
-            <a:off x="2882880" y="1730880"/>
-            <a:ext cx="2432880" cy="1465920"/>
+            <a:off x="3239640" y="1203480"/>
+            <a:ext cx="2649600" cy="1422720"/>
           </a:xfrm>
           <a:prstGeom prst="rect">
             <a:avLst/>
@@ -581,11 +581,11 @@
               </a:spcBef>
               <a:buNone/>
             </a:pPr>
-            <a:endParaRPr b="0" lang="en-US" sz="2000" spc="-1" strike="noStrike">
-              <a:solidFill>
-                <a:schemeClr val="accent1"/>
-              </a:solidFill>
-              <a:latin typeface="Cambria"/>
+            <a:endParaRPr b="0" lang="en-US" sz="3200" spc="-1" strike="noStrike">
+              <a:solidFill>
+                <a:srgbClr val="000000"/>
+              </a:solidFill>
+              <a:latin typeface="Arial"/>
             </a:endParaRPr>
           </a:p>
         </p:txBody>
@@ -602,8 +602,8 @@
         </p:nvSpPr>
         <p:spPr>
           <a:xfrm>
-            <a:off x="5437800" y="1730880"/>
-            <a:ext cx="2432880" cy="1465920"/>
+            <a:off x="6022080" y="1203480"/>
+            <a:ext cx="2649600" cy="1422720"/>
           </a:xfrm>
           <a:prstGeom prst="rect">
             <a:avLst/>
@@ -624,11 +624,11 @@
               </a:spcBef>
               <a:buNone/>
             </a:pPr>
-            <a:endParaRPr b="0" lang="en-US" sz="2000" spc="-1" strike="noStrike">
-              <a:solidFill>
-                <a:schemeClr val="accent1"/>
-              </a:solidFill>
-              <a:latin typeface="Cambria"/>
+            <a:endParaRPr b="0" lang="en-US" sz="3200" spc="-1" strike="noStrike">
+              <a:solidFill>
+                <a:srgbClr val="000000"/>
+              </a:solidFill>
+              <a:latin typeface="Arial"/>
             </a:endParaRPr>
           </a:p>
         </p:txBody>
@@ -645,8 +645,8 @@
         </p:nvSpPr>
         <p:spPr>
           <a:xfrm>
-            <a:off x="327960" y="3336480"/>
-            <a:ext cx="2432880" cy="1465920"/>
+            <a:off x="457200" y="2761920"/>
+            <a:ext cx="2649600" cy="1422720"/>
           </a:xfrm>
           <a:prstGeom prst="rect">
             <a:avLst/>
@@ -667,11 +667,11 @@
               </a:spcBef>
               <a:buNone/>
             </a:pPr>
-            <a:endParaRPr b="0" lang="en-US" sz="2000" spc="-1" strike="noStrike">
-              <a:solidFill>
-                <a:schemeClr val="accent1"/>
-              </a:solidFill>
-              <a:latin typeface="Cambria"/>
+            <a:endParaRPr b="0" lang="en-US" sz="3200" spc="-1" strike="noStrike">
+              <a:solidFill>
+                <a:srgbClr val="000000"/>
+              </a:solidFill>
+              <a:latin typeface="Arial"/>
             </a:endParaRPr>
           </a:p>
         </p:txBody>
@@ -688,8 +688,8 @@
         </p:nvSpPr>
         <p:spPr>
           <a:xfrm>
-            <a:off x="2882880" y="3336480"/>
-            <a:ext cx="2432880" cy="1465920"/>
+            <a:off x="3239640" y="2761920"/>
+            <a:ext cx="2649600" cy="1422720"/>
           </a:xfrm>
           <a:prstGeom prst="rect">
             <a:avLst/>
@@ -710,11 +710,11 @@
               </a:spcBef>
               <a:buNone/>
             </a:pPr>
-            <a:endParaRPr b="0" lang="en-US" sz="2000" spc="-1" strike="noStrike">
-              <a:solidFill>
-                <a:schemeClr val="accent1"/>
-              </a:solidFill>
-              <a:latin typeface="Cambria"/>
+            <a:endParaRPr b="0" lang="en-US" sz="3200" spc="-1" strike="noStrike">
+              <a:solidFill>
+                <a:srgbClr val="000000"/>
+              </a:solidFill>
+              <a:latin typeface="Arial"/>
             </a:endParaRPr>
           </a:p>
         </p:txBody>
@@ -731,8 +731,8 @@
         </p:nvSpPr>
         <p:spPr>
           <a:xfrm>
-            <a:off x="5437800" y="3336480"/>
-            <a:ext cx="2432880" cy="1465920"/>
+            <a:off x="6022080" y="2761920"/>
+            <a:ext cx="2649600" cy="1422720"/>
           </a:xfrm>
           <a:prstGeom prst="rect">
             <a:avLst/>
@@ -753,11 +753,11 @@
               </a:spcBef>
               <a:buNone/>
             </a:pPr>
-            <a:endParaRPr b="0" lang="en-US" sz="2000" spc="-1" strike="noStrike">
-              <a:solidFill>
-                <a:schemeClr val="accent1"/>
-              </a:solidFill>
-              <a:latin typeface="Cambria"/>
+            <a:endParaRPr b="0" lang="en-US" sz="3200" spc="-1" strike="noStrike">
+              <a:solidFill>
+                <a:srgbClr val="000000"/>
+              </a:solidFill>
+              <a:latin typeface="Arial"/>
             </a:endParaRPr>
           </a:p>
         </p:txBody>
@@ -818,8 +818,8 @@
         </p:nvSpPr>
         <p:spPr>
           <a:xfrm>
-            <a:off x="327960" y="893880"/>
-            <a:ext cx="7556040" cy="836640"/>
+            <a:off x="457200" y="205200"/>
+            <a:ext cx="8229240" cy="858600"/>
           </a:xfrm>
           <a:prstGeom prst="rect">
             <a:avLst/>
@@ -834,14 +834,14 @@
             <a:noAutofit/>
           </a:bodyPr>
           <a:p>
-            <a:pPr indent="0">
+            <a:pPr indent="0" algn="ctr">
               <a:buNone/>
             </a:pPr>
-            <a:endParaRPr b="0" lang="en-US" sz="3600" spc="-1" strike="noStrike">
-              <a:solidFill>
-                <a:srgbClr val="000000"/>
-              </a:solidFill>
-              <a:latin typeface="Rockwell"/>
+            <a:endParaRPr b="0" lang="en-US" sz="4400" spc="-1" strike="noStrike">
+              <a:solidFill>
+                <a:srgbClr val="000000"/>
+              </a:solidFill>
+              <a:latin typeface="Arial"/>
             </a:endParaRPr>
           </a:p>
         </p:txBody>
@@ -858,8 +858,8 @@
         </p:nvSpPr>
         <p:spPr>
           <a:xfrm>
-            <a:off x="327960" y="1730880"/>
-            <a:ext cx="7556040" cy="3073680"/>
+            <a:off x="457200" y="1203480"/>
+            <a:ext cx="8229240" cy="2982960"/>
           </a:xfrm>
           <a:prstGeom prst="rect">
             <a:avLst/>
@@ -878,6 +878,9 @@
               <a:buNone/>
             </a:pPr>
             <a:endParaRPr b="0" lang="en-US" sz="3200" spc="-1" strike="noStrike">
+              <a:solidFill>
+                <a:srgbClr val="000000"/>
+              </a:solidFill>
               <a:latin typeface="Arial"/>
             </a:endParaRPr>
           </a:p>
@@ -917,8 +920,8 @@
         </p:nvSpPr>
         <p:spPr>
           <a:xfrm>
-            <a:off x="327960" y="893880"/>
-            <a:ext cx="7556040" cy="836640"/>
+            <a:off x="457200" y="205200"/>
+            <a:ext cx="8229240" cy="858600"/>
           </a:xfrm>
           <a:prstGeom prst="rect">
             <a:avLst/>
@@ -933,14 +936,14 @@
             <a:noAutofit/>
           </a:bodyPr>
           <a:p>
-            <a:pPr indent="0">
+            <a:pPr indent="0" algn="ctr">
               <a:buNone/>
             </a:pPr>
-            <a:endParaRPr b="0" lang="en-US" sz="3600" spc="-1" strike="noStrike">
-              <a:solidFill>
-                <a:srgbClr val="000000"/>
-              </a:solidFill>
-              <a:latin typeface="Rockwell"/>
+            <a:endParaRPr b="0" lang="en-US" sz="4400" spc="-1" strike="noStrike">
+              <a:solidFill>
+                <a:srgbClr val="000000"/>
+              </a:solidFill>
+              <a:latin typeface="Arial"/>
             </a:endParaRPr>
           </a:p>
         </p:txBody>
@@ -957,8 +960,8 @@
         </p:nvSpPr>
         <p:spPr>
           <a:xfrm>
-            <a:off x="327960" y="1730880"/>
-            <a:ext cx="7556040" cy="3073680"/>
+            <a:off x="457200" y="1203480"/>
+            <a:ext cx="8229240" cy="2982960"/>
           </a:xfrm>
           <a:prstGeom prst="rect">
             <a:avLst/>
@@ -979,11 +982,11 @@
               </a:spcBef>
               <a:buNone/>
             </a:pPr>
-            <a:endParaRPr b="0" lang="en-US" sz="2000" spc="-1" strike="noStrike">
-              <a:solidFill>
-                <a:schemeClr val="accent1"/>
-              </a:solidFill>
-              <a:latin typeface="Cambria"/>
+            <a:endParaRPr b="0" lang="en-US" sz="3200" spc="-1" strike="noStrike">
+              <a:solidFill>
+                <a:srgbClr val="000000"/>
+              </a:solidFill>
+              <a:latin typeface="Arial"/>
             </a:endParaRPr>
           </a:p>
         </p:txBody>
@@ -1022,8 +1025,8 @@
         </p:nvSpPr>
         <p:spPr>
           <a:xfrm>
-            <a:off x="327960" y="893880"/>
-            <a:ext cx="7556040" cy="836640"/>
+            <a:off x="457200" y="205200"/>
+            <a:ext cx="8229240" cy="858600"/>
           </a:xfrm>
           <a:prstGeom prst="rect">
             <a:avLst/>
@@ -1038,14 +1041,14 @@
             <a:noAutofit/>
           </a:bodyPr>
           <a:p>
-            <a:pPr indent="0">
+            <a:pPr indent="0" algn="ctr">
               <a:buNone/>
             </a:pPr>
-            <a:endParaRPr b="0" lang="en-US" sz="3600" spc="-1" strike="noStrike">
-              <a:solidFill>
-                <a:srgbClr val="000000"/>
-              </a:solidFill>
-              <a:latin typeface="Rockwell"/>
+            <a:endParaRPr b="0" lang="en-US" sz="4400" spc="-1" strike="noStrike">
+              <a:solidFill>
+                <a:srgbClr val="000000"/>
+              </a:solidFill>
+              <a:latin typeface="Arial"/>
             </a:endParaRPr>
           </a:p>
         </p:txBody>
@@ -1062,8 +1065,8 @@
         </p:nvSpPr>
         <p:spPr>
           <a:xfrm>
-            <a:off x="327960" y="1730880"/>
-            <a:ext cx="3687120" cy="3073680"/>
+            <a:off x="457200" y="1203480"/>
+            <a:ext cx="4015800" cy="2982960"/>
           </a:xfrm>
           <a:prstGeom prst="rect">
             <a:avLst/>
@@ -1084,11 +1087,11 @@
               </a:spcBef>
               <a:buNone/>
             </a:pPr>
-            <a:endParaRPr b="0" lang="en-US" sz="2000" spc="-1" strike="noStrike">
-              <a:solidFill>
-                <a:schemeClr val="accent1"/>
-              </a:solidFill>
-              <a:latin typeface="Cambria"/>
+            <a:endParaRPr b="0" lang="en-US" sz="3200" spc="-1" strike="noStrike">
+              <a:solidFill>
+                <a:srgbClr val="000000"/>
+              </a:solidFill>
+              <a:latin typeface="Arial"/>
             </a:endParaRPr>
           </a:p>
         </p:txBody>
@@ -1105,8 +1108,8 @@
         </p:nvSpPr>
         <p:spPr>
           <a:xfrm>
-            <a:off x="4199760" y="1730880"/>
-            <a:ext cx="3687120" cy="3073680"/>
+            <a:off x="4674240" y="1203480"/>
+            <a:ext cx="4015800" cy="2982960"/>
           </a:xfrm>
           <a:prstGeom prst="rect">
             <a:avLst/>
@@ -1127,11 +1130,11 @@
               </a:spcBef>
               <a:buNone/>
             </a:pPr>
-            <a:endParaRPr b="0" lang="en-US" sz="2000" spc="-1" strike="noStrike">
-              <a:solidFill>
-                <a:schemeClr val="accent1"/>
-              </a:solidFill>
-              <a:latin typeface="Cambria"/>
+            <a:endParaRPr b="0" lang="en-US" sz="3200" spc="-1" strike="noStrike">
+              <a:solidFill>
+                <a:srgbClr val="000000"/>
+              </a:solidFill>
+              <a:latin typeface="Arial"/>
             </a:endParaRPr>
           </a:p>
         </p:txBody>
@@ -1170,8 +1173,8 @@
         </p:nvSpPr>
         <p:spPr>
           <a:xfrm>
-            <a:off x="327960" y="893880"/>
-            <a:ext cx="7556040" cy="836640"/>
+            <a:off x="457200" y="205200"/>
+            <a:ext cx="8229240" cy="858600"/>
           </a:xfrm>
           <a:prstGeom prst="rect">
             <a:avLst/>
@@ -1186,14 +1189,14 @@
             <a:noAutofit/>
           </a:bodyPr>
           <a:p>
-            <a:pPr indent="0">
+            <a:pPr indent="0" algn="ctr">
               <a:buNone/>
             </a:pPr>
-            <a:endParaRPr b="0" lang="en-US" sz="3600" spc="-1" strike="noStrike">
-              <a:solidFill>
-                <a:srgbClr val="000000"/>
-              </a:solidFill>
-              <a:latin typeface="Rockwell"/>
+            <a:endParaRPr b="0" lang="en-US" sz="4400" spc="-1" strike="noStrike">
+              <a:solidFill>
+                <a:srgbClr val="000000"/>
+              </a:solidFill>
+              <a:latin typeface="Arial"/>
             </a:endParaRPr>
           </a:p>
         </p:txBody>
@@ -1232,8 +1235,8 @@
         </p:nvSpPr>
         <p:spPr>
           <a:xfrm>
-            <a:off x="327960" y="893880"/>
-            <a:ext cx="7556040" cy="3879360"/>
+            <a:off x="457200" y="205200"/>
+            <a:ext cx="8229240" cy="3981240"/>
           </a:xfrm>
           <a:prstGeom prst="rect">
             <a:avLst/>
@@ -1250,6 +1253,9 @@
           <a:p>
             <a:pPr algn="ctr"/>
             <a:endParaRPr b="0" lang="en-US" sz="3200" spc="-1" strike="noStrike">
+              <a:solidFill>
+                <a:srgbClr val="000000"/>
+              </a:solidFill>
               <a:latin typeface="Arial"/>
             </a:endParaRPr>
           </a:p>
@@ -1289,8 +1295,8 @@
         </p:nvSpPr>
         <p:spPr>
           <a:xfrm>
-            <a:off x="327960" y="893880"/>
-            <a:ext cx="7556040" cy="836640"/>
+            <a:off x="457200" y="205200"/>
+            <a:ext cx="8229240" cy="858600"/>
           </a:xfrm>
           <a:prstGeom prst="rect">
             <a:avLst/>
@@ -1305,14 +1311,14 @@
             <a:noAutofit/>
           </a:bodyPr>
           <a:p>
-            <a:pPr indent="0">
+            <a:pPr indent="0" algn="ctr">
               <a:buNone/>
             </a:pPr>
-            <a:endParaRPr b="0" lang="en-US" sz="3600" spc="-1" strike="noStrike">
-              <a:solidFill>
-                <a:srgbClr val="000000"/>
-              </a:solidFill>
-              <a:latin typeface="Rockwell"/>
+            <a:endParaRPr b="0" lang="en-US" sz="4400" spc="-1" strike="noStrike">
+              <a:solidFill>
+                <a:srgbClr val="000000"/>
+              </a:solidFill>
+              <a:latin typeface="Arial"/>
             </a:endParaRPr>
           </a:p>
         </p:txBody>
@@ -1329,8 +1335,8 @@
         </p:nvSpPr>
         <p:spPr>
           <a:xfrm>
-            <a:off x="327960" y="1730880"/>
-            <a:ext cx="3687120" cy="1465920"/>
+            <a:off x="457200" y="1203480"/>
+            <a:ext cx="4015800" cy="1422720"/>
           </a:xfrm>
           <a:prstGeom prst="rect">
             <a:avLst/>
@@ -1351,11 +1357,11 @@
               </a:spcBef>
               <a:buNone/>
             </a:pPr>
-            <a:endParaRPr b="0" lang="en-US" sz="2000" spc="-1" strike="noStrike">
-              <a:solidFill>
-                <a:schemeClr val="accent1"/>
-              </a:solidFill>
-              <a:latin typeface="Cambria"/>
+            <a:endParaRPr b="0" lang="en-US" sz="3200" spc="-1" strike="noStrike">
+              <a:solidFill>
+                <a:srgbClr val="000000"/>
+              </a:solidFill>
+              <a:latin typeface="Arial"/>
             </a:endParaRPr>
           </a:p>
         </p:txBody>
@@ -1372,8 +1378,8 @@
         </p:nvSpPr>
         <p:spPr>
           <a:xfrm>
-            <a:off x="4199760" y="1730880"/>
-            <a:ext cx="3687120" cy="3073680"/>
+            <a:off x="4674240" y="1203480"/>
+            <a:ext cx="4015800" cy="2982960"/>
           </a:xfrm>
           <a:prstGeom prst="rect">
             <a:avLst/>
@@ -1394,11 +1400,11 @@
               </a:spcBef>
               <a:buNone/>
             </a:pPr>
-            <a:endParaRPr b="0" lang="en-US" sz="2000" spc="-1" strike="noStrike">
-              <a:solidFill>
-                <a:schemeClr val="accent1"/>
-              </a:solidFill>
-              <a:latin typeface="Cambria"/>
+            <a:endParaRPr b="0" lang="en-US" sz="3200" spc="-1" strike="noStrike">
+              <a:solidFill>
+                <a:srgbClr val="000000"/>
+              </a:solidFill>
+              <a:latin typeface="Arial"/>
             </a:endParaRPr>
           </a:p>
         </p:txBody>
@@ -1415,8 +1421,8 @@
         </p:nvSpPr>
         <p:spPr>
           <a:xfrm>
-            <a:off x="327960" y="3336480"/>
-            <a:ext cx="3687120" cy="1465920"/>
+            <a:off x="457200" y="2761920"/>
+            <a:ext cx="4015800" cy="1422720"/>
           </a:xfrm>
           <a:prstGeom prst="rect">
             <a:avLst/>
@@ -1437,11 +1443,11 @@
               </a:spcBef>
               <a:buNone/>
             </a:pPr>
-            <a:endParaRPr b="0" lang="en-US" sz="2000" spc="-1" strike="noStrike">
-              <a:solidFill>
-                <a:schemeClr val="accent1"/>
-              </a:solidFill>
-              <a:latin typeface="Cambria"/>
+            <a:endParaRPr b="0" lang="en-US" sz="3200" spc="-1" strike="noStrike">
+              <a:solidFill>
+                <a:srgbClr val="000000"/>
+              </a:solidFill>
+              <a:latin typeface="Arial"/>
             </a:endParaRPr>
           </a:p>
         </p:txBody>
@@ -1480,8 +1486,8 @@
         </p:nvSpPr>
         <p:spPr>
           <a:xfrm>
-            <a:off x="327960" y="893880"/>
-            <a:ext cx="7556040" cy="836640"/>
+            <a:off x="457200" y="205200"/>
+            <a:ext cx="8229240" cy="858600"/>
           </a:xfrm>
           <a:prstGeom prst="rect">
             <a:avLst/>
@@ -1496,14 +1502,14 @@
             <a:noAutofit/>
           </a:bodyPr>
           <a:p>
-            <a:pPr indent="0">
+            <a:pPr indent="0" algn="ctr">
               <a:buNone/>
             </a:pPr>
-            <a:endParaRPr b="0" lang="en-US" sz="3600" spc="-1" strike="noStrike">
-              <a:solidFill>
-                <a:srgbClr val="000000"/>
-              </a:solidFill>
-              <a:latin typeface="Rockwell"/>
+            <a:endParaRPr b="0" lang="en-US" sz="4400" spc="-1" strike="noStrike">
+              <a:solidFill>
+                <a:srgbClr val="000000"/>
+              </a:solidFill>
+              <a:latin typeface="Arial"/>
             </a:endParaRPr>
           </a:p>
         </p:txBody>
@@ -1520,8 +1526,8 @@
         </p:nvSpPr>
         <p:spPr>
           <a:xfrm>
-            <a:off x="327960" y="1730880"/>
-            <a:ext cx="7556040" cy="3073680"/>
+            <a:off x="457200" y="1203480"/>
+            <a:ext cx="8229240" cy="2982960"/>
           </a:xfrm>
           <a:prstGeom prst="rect">
             <a:avLst/>
@@ -1540,6 +1546,9 @@
               <a:buNone/>
             </a:pPr>
             <a:endParaRPr b="0" lang="en-US" sz="3200" spc="-1" strike="noStrike">
+              <a:solidFill>
+                <a:srgbClr val="000000"/>
+              </a:solidFill>
               <a:latin typeface="Arial"/>
             </a:endParaRPr>
           </a:p>
@@ -1579,8 +1588,8 @@
         </p:nvSpPr>
         <p:spPr>
           <a:xfrm>
-            <a:off x="327960" y="893880"/>
-            <a:ext cx="7556040" cy="836640"/>
+            <a:off x="457200" y="205200"/>
+            <a:ext cx="8229240" cy="858600"/>
           </a:xfrm>
           <a:prstGeom prst="rect">
             <a:avLst/>
@@ -1595,14 +1604,14 @@
             <a:noAutofit/>
           </a:bodyPr>
           <a:p>
-            <a:pPr indent="0">
+            <a:pPr indent="0" algn="ctr">
               <a:buNone/>
             </a:pPr>
-            <a:endParaRPr b="0" lang="en-US" sz="3600" spc="-1" strike="noStrike">
-              <a:solidFill>
-                <a:srgbClr val="000000"/>
-              </a:solidFill>
-              <a:latin typeface="Rockwell"/>
+            <a:endParaRPr b="0" lang="en-US" sz="4400" spc="-1" strike="noStrike">
+              <a:solidFill>
+                <a:srgbClr val="000000"/>
+              </a:solidFill>
+              <a:latin typeface="Arial"/>
             </a:endParaRPr>
           </a:p>
         </p:txBody>
@@ -1619,8 +1628,8 @@
         </p:nvSpPr>
         <p:spPr>
           <a:xfrm>
-            <a:off x="327960" y="1730880"/>
-            <a:ext cx="3687120" cy="3073680"/>
+            <a:off x="457200" y="1203480"/>
+            <a:ext cx="4015800" cy="2982960"/>
           </a:xfrm>
           <a:prstGeom prst="rect">
             <a:avLst/>
@@ -1641,11 +1650,11 @@
               </a:spcBef>
               <a:buNone/>
             </a:pPr>
-            <a:endParaRPr b="0" lang="en-US" sz="2000" spc="-1" strike="noStrike">
-              <a:solidFill>
-                <a:schemeClr val="accent1"/>
-              </a:solidFill>
-              <a:latin typeface="Cambria"/>
+            <a:endParaRPr b="0" lang="en-US" sz="3200" spc="-1" strike="noStrike">
+              <a:solidFill>
+                <a:srgbClr val="000000"/>
+              </a:solidFill>
+              <a:latin typeface="Arial"/>
             </a:endParaRPr>
           </a:p>
         </p:txBody>
@@ -1662,8 +1671,8 @@
         </p:nvSpPr>
         <p:spPr>
           <a:xfrm>
-            <a:off x="4199760" y="1730880"/>
-            <a:ext cx="3687120" cy="1465920"/>
+            <a:off x="4674240" y="1203480"/>
+            <a:ext cx="4015800" cy="1422720"/>
           </a:xfrm>
           <a:prstGeom prst="rect">
             <a:avLst/>
@@ -1684,11 +1693,11 @@
               </a:spcBef>
               <a:buNone/>
             </a:pPr>
-            <a:endParaRPr b="0" lang="en-US" sz="2000" spc="-1" strike="noStrike">
-              <a:solidFill>
-                <a:schemeClr val="accent1"/>
-              </a:solidFill>
-              <a:latin typeface="Cambria"/>
+            <a:endParaRPr b="0" lang="en-US" sz="3200" spc="-1" strike="noStrike">
+              <a:solidFill>
+                <a:srgbClr val="000000"/>
+              </a:solidFill>
+              <a:latin typeface="Arial"/>
             </a:endParaRPr>
           </a:p>
         </p:txBody>
@@ -1705,8 +1714,8 @@
         </p:nvSpPr>
         <p:spPr>
           <a:xfrm>
-            <a:off x="4199760" y="3336480"/>
-            <a:ext cx="3687120" cy="1465920"/>
+            <a:off x="4674240" y="2761920"/>
+            <a:ext cx="4015800" cy="1422720"/>
           </a:xfrm>
           <a:prstGeom prst="rect">
             <a:avLst/>
@@ -1727,11 +1736,11 @@
               </a:spcBef>
               <a:buNone/>
             </a:pPr>
-            <a:endParaRPr b="0" lang="en-US" sz="2000" spc="-1" strike="noStrike">
-              <a:solidFill>
-                <a:schemeClr val="accent1"/>
-              </a:solidFill>
-              <a:latin typeface="Cambria"/>
+            <a:endParaRPr b="0" lang="en-US" sz="3200" spc="-1" strike="noStrike">
+              <a:solidFill>
+                <a:srgbClr val="000000"/>
+              </a:solidFill>
+              <a:latin typeface="Arial"/>
             </a:endParaRPr>
           </a:p>
         </p:txBody>
@@ -1770,8 +1779,8 @@
         </p:nvSpPr>
         <p:spPr>
           <a:xfrm>
-            <a:off x="327960" y="893880"/>
-            <a:ext cx="7556040" cy="836640"/>
+            <a:off x="457200" y="205200"/>
+            <a:ext cx="8229240" cy="858600"/>
           </a:xfrm>
           <a:prstGeom prst="rect">
             <a:avLst/>
@@ -1786,14 +1795,14 @@
             <a:noAutofit/>
           </a:bodyPr>
           <a:p>
-            <a:pPr indent="0">
+            <a:pPr indent="0" algn="ctr">
               <a:buNone/>
             </a:pPr>
-            <a:endParaRPr b="0" lang="en-US" sz="3600" spc="-1" strike="noStrike">
-              <a:solidFill>
-                <a:srgbClr val="000000"/>
-              </a:solidFill>
-              <a:latin typeface="Rockwell"/>
+            <a:endParaRPr b="0" lang="en-US" sz="4400" spc="-1" strike="noStrike">
+              <a:solidFill>
+                <a:srgbClr val="000000"/>
+              </a:solidFill>
+              <a:latin typeface="Arial"/>
             </a:endParaRPr>
           </a:p>
         </p:txBody>
@@ -1810,8 +1819,8 @@
         </p:nvSpPr>
         <p:spPr>
           <a:xfrm>
-            <a:off x="327960" y="1730880"/>
-            <a:ext cx="3687120" cy="1465920"/>
+            <a:off x="457200" y="1203480"/>
+            <a:ext cx="4015800" cy="1422720"/>
           </a:xfrm>
           <a:prstGeom prst="rect">
             <a:avLst/>
@@ -1832,11 +1841,11 @@
               </a:spcBef>
               <a:buNone/>
             </a:pPr>
-            <a:endParaRPr b="0" lang="en-US" sz="2000" spc="-1" strike="noStrike">
-              <a:solidFill>
-                <a:schemeClr val="accent1"/>
-              </a:solidFill>
-              <a:latin typeface="Cambria"/>
+            <a:endParaRPr b="0" lang="en-US" sz="3200" spc="-1" strike="noStrike">
+              <a:solidFill>
+                <a:srgbClr val="000000"/>
+              </a:solidFill>
+              <a:latin typeface="Arial"/>
             </a:endParaRPr>
           </a:p>
         </p:txBody>
@@ -1853,8 +1862,8 @@
         </p:nvSpPr>
         <p:spPr>
           <a:xfrm>
-            <a:off x="4199760" y="1730880"/>
-            <a:ext cx="3687120" cy="1465920"/>
+            <a:off x="4674240" y="1203480"/>
+            <a:ext cx="4015800" cy="1422720"/>
           </a:xfrm>
           <a:prstGeom prst="rect">
             <a:avLst/>
@@ -1875,11 +1884,11 @@
               </a:spcBef>
               <a:buNone/>
             </a:pPr>
-            <a:endParaRPr b="0" lang="en-US" sz="2000" spc="-1" strike="noStrike">
-              <a:solidFill>
-                <a:schemeClr val="accent1"/>
-              </a:solidFill>
-              <a:latin typeface="Cambria"/>
+            <a:endParaRPr b="0" lang="en-US" sz="3200" spc="-1" strike="noStrike">
+              <a:solidFill>
+                <a:srgbClr val="000000"/>
+              </a:solidFill>
+              <a:latin typeface="Arial"/>
             </a:endParaRPr>
           </a:p>
         </p:txBody>
@@ -1896,8 +1905,8 @@
         </p:nvSpPr>
         <p:spPr>
           <a:xfrm>
-            <a:off x="327960" y="3336480"/>
-            <a:ext cx="7556040" cy="1465920"/>
+            <a:off x="457200" y="2761920"/>
+            <a:ext cx="8229240" cy="1422720"/>
           </a:xfrm>
           <a:prstGeom prst="rect">
             <a:avLst/>
@@ -1918,11 +1927,11 @@
               </a:spcBef>
               <a:buNone/>
             </a:pPr>
-            <a:endParaRPr b="0" lang="en-US" sz="2000" spc="-1" strike="noStrike">
-              <a:solidFill>
-                <a:schemeClr val="accent1"/>
-              </a:solidFill>
-              <a:latin typeface="Cambria"/>
+            <a:endParaRPr b="0" lang="en-US" sz="3200" spc="-1" strike="noStrike">
+              <a:solidFill>
+                <a:srgbClr val="000000"/>
+              </a:solidFill>
+              <a:latin typeface="Arial"/>
             </a:endParaRPr>
           </a:p>
         </p:txBody>
@@ -1961,8 +1970,8 @@
         </p:nvSpPr>
         <p:spPr>
           <a:xfrm>
-            <a:off x="327960" y="893880"/>
-            <a:ext cx="7556040" cy="836640"/>
+            <a:off x="457200" y="205200"/>
+            <a:ext cx="8229240" cy="858600"/>
           </a:xfrm>
           <a:prstGeom prst="rect">
             <a:avLst/>
@@ -1977,14 +1986,14 @@
             <a:noAutofit/>
           </a:bodyPr>
           <a:p>
-            <a:pPr indent="0">
+            <a:pPr indent="0" algn="ctr">
               <a:buNone/>
             </a:pPr>
-            <a:endParaRPr b="0" lang="en-US" sz="3600" spc="-1" strike="noStrike">
-              <a:solidFill>
-                <a:srgbClr val="000000"/>
-              </a:solidFill>
-              <a:latin typeface="Rockwell"/>
+            <a:endParaRPr b="0" lang="en-US" sz="4400" spc="-1" strike="noStrike">
+              <a:solidFill>
+                <a:srgbClr val="000000"/>
+              </a:solidFill>
+              <a:latin typeface="Arial"/>
             </a:endParaRPr>
           </a:p>
         </p:txBody>
@@ -2001,8 +2010,8 @@
         </p:nvSpPr>
         <p:spPr>
           <a:xfrm>
-            <a:off x="327960" y="1730880"/>
-            <a:ext cx="7556040" cy="1465920"/>
+            <a:off x="457200" y="1203480"/>
+            <a:ext cx="8229240" cy="1422720"/>
           </a:xfrm>
           <a:prstGeom prst="rect">
             <a:avLst/>
@@ -2023,11 +2032,11 @@
               </a:spcBef>
               <a:buNone/>
             </a:pPr>
-            <a:endParaRPr b="0" lang="en-US" sz="2000" spc="-1" strike="noStrike">
-              <a:solidFill>
-                <a:schemeClr val="accent1"/>
-              </a:solidFill>
-              <a:latin typeface="Cambria"/>
+            <a:endParaRPr b="0" lang="en-US" sz="3200" spc="-1" strike="noStrike">
+              <a:solidFill>
+                <a:srgbClr val="000000"/>
+              </a:solidFill>
+              <a:latin typeface="Arial"/>
             </a:endParaRPr>
           </a:p>
         </p:txBody>
@@ -2044,8 +2053,8 @@
         </p:nvSpPr>
         <p:spPr>
           <a:xfrm>
-            <a:off x="327960" y="3336480"/>
-            <a:ext cx="7556040" cy="1465920"/>
+            <a:off x="457200" y="2761920"/>
+            <a:ext cx="8229240" cy="1422720"/>
           </a:xfrm>
           <a:prstGeom prst="rect">
             <a:avLst/>
@@ -2066,11 +2075,11 @@
               </a:spcBef>
               <a:buNone/>
             </a:pPr>
-            <a:endParaRPr b="0" lang="en-US" sz="2000" spc="-1" strike="noStrike">
-              <a:solidFill>
-                <a:schemeClr val="accent1"/>
-              </a:solidFill>
-              <a:latin typeface="Cambria"/>
+            <a:endParaRPr b="0" lang="en-US" sz="3200" spc="-1" strike="noStrike">
+              <a:solidFill>
+                <a:srgbClr val="000000"/>
+              </a:solidFill>
+              <a:latin typeface="Arial"/>
             </a:endParaRPr>
           </a:p>
         </p:txBody>
@@ -2109,8 +2118,8 @@
         </p:nvSpPr>
         <p:spPr>
           <a:xfrm>
-            <a:off x="327960" y="893880"/>
-            <a:ext cx="7556040" cy="836640"/>
+            <a:off x="457200" y="205200"/>
+            <a:ext cx="8229240" cy="858600"/>
           </a:xfrm>
           <a:prstGeom prst="rect">
             <a:avLst/>
@@ -2125,14 +2134,14 @@
             <a:noAutofit/>
           </a:bodyPr>
           <a:p>
-            <a:pPr indent="0">
+            <a:pPr indent="0" algn="ctr">
               <a:buNone/>
             </a:pPr>
-            <a:endParaRPr b="0" lang="en-US" sz="3600" spc="-1" strike="noStrike">
-              <a:solidFill>
-                <a:srgbClr val="000000"/>
-              </a:solidFill>
-              <a:latin typeface="Rockwell"/>
+            <a:endParaRPr b="0" lang="en-US" sz="4400" spc="-1" strike="noStrike">
+              <a:solidFill>
+                <a:srgbClr val="000000"/>
+              </a:solidFill>
+              <a:latin typeface="Arial"/>
             </a:endParaRPr>
           </a:p>
         </p:txBody>
@@ -2149,8 +2158,8 @@
         </p:nvSpPr>
         <p:spPr>
           <a:xfrm>
-            <a:off x="327960" y="1730880"/>
-            <a:ext cx="3687120" cy="1465920"/>
+            <a:off x="457200" y="1203480"/>
+            <a:ext cx="4015800" cy="1422720"/>
           </a:xfrm>
           <a:prstGeom prst="rect">
             <a:avLst/>
@@ -2171,11 +2180,11 @@
               </a:spcBef>
               <a:buNone/>
             </a:pPr>
-            <a:endParaRPr b="0" lang="en-US" sz="2000" spc="-1" strike="noStrike">
-              <a:solidFill>
-                <a:schemeClr val="accent1"/>
-              </a:solidFill>
-              <a:latin typeface="Cambria"/>
+            <a:endParaRPr b="0" lang="en-US" sz="3200" spc="-1" strike="noStrike">
+              <a:solidFill>
+                <a:srgbClr val="000000"/>
+              </a:solidFill>
+              <a:latin typeface="Arial"/>
             </a:endParaRPr>
           </a:p>
         </p:txBody>
@@ -2192,8 +2201,8 @@
         </p:nvSpPr>
         <p:spPr>
           <a:xfrm>
-            <a:off x="4199760" y="1730880"/>
-            <a:ext cx="3687120" cy="1465920"/>
+            <a:off x="4674240" y="1203480"/>
+            <a:ext cx="4015800" cy="1422720"/>
           </a:xfrm>
           <a:prstGeom prst="rect">
             <a:avLst/>
@@ -2214,11 +2223,11 @@
               </a:spcBef>
               <a:buNone/>
             </a:pPr>
-            <a:endParaRPr b="0" lang="en-US" sz="2000" spc="-1" strike="noStrike">
-              <a:solidFill>
-                <a:schemeClr val="accent1"/>
-              </a:solidFill>
-              <a:latin typeface="Cambria"/>
+            <a:endParaRPr b="0" lang="en-US" sz="3200" spc="-1" strike="noStrike">
+              <a:solidFill>
+                <a:srgbClr val="000000"/>
+              </a:solidFill>
+              <a:latin typeface="Arial"/>
             </a:endParaRPr>
           </a:p>
         </p:txBody>
@@ -2235,8 +2244,8 @@
         </p:nvSpPr>
         <p:spPr>
           <a:xfrm>
-            <a:off x="327960" y="3336480"/>
-            <a:ext cx="3687120" cy="1465920"/>
+            <a:off x="457200" y="2761920"/>
+            <a:ext cx="4015800" cy="1422720"/>
           </a:xfrm>
           <a:prstGeom prst="rect">
             <a:avLst/>
@@ -2257,11 +2266,11 @@
               </a:spcBef>
               <a:buNone/>
             </a:pPr>
-            <a:endParaRPr b="0" lang="en-US" sz="2000" spc="-1" strike="noStrike">
-              <a:solidFill>
-                <a:schemeClr val="accent1"/>
-              </a:solidFill>
-              <a:latin typeface="Cambria"/>
+            <a:endParaRPr b="0" lang="en-US" sz="3200" spc="-1" strike="noStrike">
+              <a:solidFill>
+                <a:srgbClr val="000000"/>
+              </a:solidFill>
+              <a:latin typeface="Arial"/>
             </a:endParaRPr>
           </a:p>
         </p:txBody>
@@ -2278,8 +2287,8 @@
         </p:nvSpPr>
         <p:spPr>
           <a:xfrm>
-            <a:off x="4199760" y="3336480"/>
-            <a:ext cx="3687120" cy="1465920"/>
+            <a:off x="4674240" y="2761920"/>
+            <a:ext cx="4015800" cy="1422720"/>
           </a:xfrm>
           <a:prstGeom prst="rect">
             <a:avLst/>
@@ -2300,11 +2309,11 @@
               </a:spcBef>
               <a:buNone/>
             </a:pPr>
-            <a:endParaRPr b="0" lang="en-US" sz="2000" spc="-1" strike="noStrike">
-              <a:solidFill>
-                <a:schemeClr val="accent1"/>
-              </a:solidFill>
-              <a:latin typeface="Cambria"/>
+            <a:endParaRPr b="0" lang="en-US" sz="3200" spc="-1" strike="noStrike">
+              <a:solidFill>
+                <a:srgbClr val="000000"/>
+              </a:solidFill>
+              <a:latin typeface="Arial"/>
             </a:endParaRPr>
           </a:p>
         </p:txBody>
@@ -2343,8 +2352,8 @@
         </p:nvSpPr>
         <p:spPr>
           <a:xfrm>
-            <a:off x="327960" y="893880"/>
-            <a:ext cx="7556040" cy="836640"/>
+            <a:off x="457200" y="205200"/>
+            <a:ext cx="8229240" cy="858600"/>
           </a:xfrm>
           <a:prstGeom prst="rect">
             <a:avLst/>
@@ -2359,14 +2368,14 @@
             <a:noAutofit/>
           </a:bodyPr>
           <a:p>
-            <a:pPr indent="0">
+            <a:pPr indent="0" algn="ctr">
               <a:buNone/>
             </a:pPr>
-            <a:endParaRPr b="0" lang="en-US" sz="3600" spc="-1" strike="noStrike">
-              <a:solidFill>
-                <a:srgbClr val="000000"/>
-              </a:solidFill>
-              <a:latin typeface="Rockwell"/>
+            <a:endParaRPr b="0" lang="en-US" sz="4400" spc="-1" strike="noStrike">
+              <a:solidFill>
+                <a:srgbClr val="000000"/>
+              </a:solidFill>
+              <a:latin typeface="Arial"/>
             </a:endParaRPr>
           </a:p>
         </p:txBody>
@@ -2383,8 +2392,8 @@
         </p:nvSpPr>
         <p:spPr>
           <a:xfrm>
-            <a:off x="327960" y="1730880"/>
-            <a:ext cx="2432880" cy="1465920"/>
+            <a:off x="457200" y="1203480"/>
+            <a:ext cx="2649600" cy="1422720"/>
           </a:xfrm>
           <a:prstGeom prst="rect">
             <a:avLst/>
@@ -2405,11 +2414,11 @@
               </a:spcBef>
               <a:buNone/>
             </a:pPr>
-            <a:endParaRPr b="0" lang="en-US" sz="2000" spc="-1" strike="noStrike">
-              <a:solidFill>
-                <a:schemeClr val="accent1"/>
-              </a:solidFill>
-              <a:latin typeface="Cambria"/>
+            <a:endParaRPr b="0" lang="en-US" sz="3200" spc="-1" strike="noStrike">
+              <a:solidFill>
+                <a:srgbClr val="000000"/>
+              </a:solidFill>
+              <a:latin typeface="Arial"/>
             </a:endParaRPr>
           </a:p>
         </p:txBody>
@@ -2426,8 +2435,8 @@
         </p:nvSpPr>
         <p:spPr>
           <a:xfrm>
-            <a:off x="2882880" y="1730880"/>
-            <a:ext cx="2432880" cy="1465920"/>
+            <a:off x="3239640" y="1203480"/>
+            <a:ext cx="2649600" cy="1422720"/>
           </a:xfrm>
           <a:prstGeom prst="rect">
             <a:avLst/>
@@ -2448,11 +2457,11 @@
               </a:spcBef>
               <a:buNone/>
             </a:pPr>
-            <a:endParaRPr b="0" lang="en-US" sz="2000" spc="-1" strike="noStrike">
-              <a:solidFill>
-                <a:schemeClr val="accent1"/>
-              </a:solidFill>
-              <a:latin typeface="Cambria"/>
+            <a:endParaRPr b="0" lang="en-US" sz="3200" spc="-1" strike="noStrike">
+              <a:solidFill>
+                <a:srgbClr val="000000"/>
+              </a:solidFill>
+              <a:latin typeface="Arial"/>
             </a:endParaRPr>
           </a:p>
         </p:txBody>
@@ -2469,8 +2478,8 @@
         </p:nvSpPr>
         <p:spPr>
           <a:xfrm>
-            <a:off x="5437800" y="1730880"/>
-            <a:ext cx="2432880" cy="1465920"/>
+            <a:off x="6022080" y="1203480"/>
+            <a:ext cx="2649600" cy="1422720"/>
           </a:xfrm>
           <a:prstGeom prst="rect">
             <a:avLst/>
@@ -2491,11 +2500,11 @@
               </a:spcBef>
               <a:buNone/>
             </a:pPr>
-            <a:endParaRPr b="0" lang="en-US" sz="2000" spc="-1" strike="noStrike">
-              <a:solidFill>
-                <a:schemeClr val="accent1"/>
-              </a:solidFill>
-              <a:latin typeface="Cambria"/>
+            <a:endParaRPr b="0" lang="en-US" sz="3200" spc="-1" strike="noStrike">
+              <a:solidFill>
+                <a:srgbClr val="000000"/>
+              </a:solidFill>
+              <a:latin typeface="Arial"/>
             </a:endParaRPr>
           </a:p>
         </p:txBody>
@@ -2512,8 +2521,8 @@
         </p:nvSpPr>
         <p:spPr>
           <a:xfrm>
-            <a:off x="327960" y="3336480"/>
-            <a:ext cx="2432880" cy="1465920"/>
+            <a:off x="457200" y="2761920"/>
+            <a:ext cx="2649600" cy="1422720"/>
           </a:xfrm>
           <a:prstGeom prst="rect">
             <a:avLst/>
@@ -2534,11 +2543,11 @@
               </a:spcBef>
               <a:buNone/>
             </a:pPr>
-            <a:endParaRPr b="0" lang="en-US" sz="2000" spc="-1" strike="noStrike">
-              <a:solidFill>
-                <a:schemeClr val="accent1"/>
-              </a:solidFill>
-              <a:latin typeface="Cambria"/>
+            <a:endParaRPr b="0" lang="en-US" sz="3200" spc="-1" strike="noStrike">
+              <a:solidFill>
+                <a:srgbClr val="000000"/>
+              </a:solidFill>
+              <a:latin typeface="Arial"/>
             </a:endParaRPr>
           </a:p>
         </p:txBody>
@@ -2555,8 +2564,8 @@
         </p:nvSpPr>
         <p:spPr>
           <a:xfrm>
-            <a:off x="2882880" y="3336480"/>
-            <a:ext cx="2432880" cy="1465920"/>
+            <a:off x="3239640" y="2761920"/>
+            <a:ext cx="2649600" cy="1422720"/>
           </a:xfrm>
           <a:prstGeom prst="rect">
             <a:avLst/>
@@ -2577,11 +2586,11 @@
               </a:spcBef>
               <a:buNone/>
             </a:pPr>
-            <a:endParaRPr b="0" lang="en-US" sz="2000" spc="-1" strike="noStrike">
-              <a:solidFill>
-                <a:schemeClr val="accent1"/>
-              </a:solidFill>
-              <a:latin typeface="Cambria"/>
+            <a:endParaRPr b="0" lang="en-US" sz="3200" spc="-1" strike="noStrike">
+              <a:solidFill>
+                <a:srgbClr val="000000"/>
+              </a:solidFill>
+              <a:latin typeface="Arial"/>
             </a:endParaRPr>
           </a:p>
         </p:txBody>
@@ -2598,8 +2607,8 @@
         </p:nvSpPr>
         <p:spPr>
           <a:xfrm>
-            <a:off x="5437800" y="3336480"/>
-            <a:ext cx="2432880" cy="1465920"/>
+            <a:off x="6022080" y="2761920"/>
+            <a:ext cx="2649600" cy="1422720"/>
           </a:xfrm>
           <a:prstGeom prst="rect">
             <a:avLst/>
@@ -2620,11 +2629,11 @@
               </a:spcBef>
               <a:buNone/>
             </a:pPr>
-            <a:endParaRPr b="0" lang="en-US" sz="2000" spc="-1" strike="noStrike">
-              <a:solidFill>
-                <a:schemeClr val="accent1"/>
-              </a:solidFill>
-              <a:latin typeface="Cambria"/>
+            <a:endParaRPr b="0" lang="en-US" sz="3200" spc="-1" strike="noStrike">
+              <a:solidFill>
+                <a:srgbClr val="000000"/>
+              </a:solidFill>
+              <a:latin typeface="Arial"/>
             </a:endParaRPr>
           </a:p>
         </p:txBody>
@@ -2663,8 +2672,8 @@
         </p:nvSpPr>
         <p:spPr>
           <a:xfrm>
-            <a:off x="327960" y="893880"/>
-            <a:ext cx="7556040" cy="836640"/>
+            <a:off x="457200" y="205200"/>
+            <a:ext cx="8229240" cy="858600"/>
           </a:xfrm>
           <a:prstGeom prst="rect">
             <a:avLst/>
@@ -2679,14 +2688,14 @@
             <a:noAutofit/>
           </a:bodyPr>
           <a:p>
-            <a:pPr indent="0">
+            <a:pPr indent="0" algn="ctr">
               <a:buNone/>
             </a:pPr>
-            <a:endParaRPr b="0" lang="en-US" sz="3600" spc="-1" strike="noStrike">
-              <a:solidFill>
-                <a:srgbClr val="000000"/>
-              </a:solidFill>
-              <a:latin typeface="Rockwell"/>
+            <a:endParaRPr b="0" lang="en-US" sz="4400" spc="-1" strike="noStrike">
+              <a:solidFill>
+                <a:srgbClr val="000000"/>
+              </a:solidFill>
+              <a:latin typeface="Arial"/>
             </a:endParaRPr>
           </a:p>
         </p:txBody>
@@ -2703,8 +2712,8 @@
         </p:nvSpPr>
         <p:spPr>
           <a:xfrm>
-            <a:off x="327960" y="1730880"/>
-            <a:ext cx="7556040" cy="3073680"/>
+            <a:off x="457200" y="1203480"/>
+            <a:ext cx="8229240" cy="2982960"/>
           </a:xfrm>
           <a:prstGeom prst="rect">
             <a:avLst/>
@@ -2725,11 +2734,11 @@
               </a:spcBef>
               <a:buNone/>
             </a:pPr>
-            <a:endParaRPr b="0" lang="en-US" sz="2000" spc="-1" strike="noStrike">
-              <a:solidFill>
-                <a:schemeClr val="accent1"/>
-              </a:solidFill>
-              <a:latin typeface="Cambria"/>
+            <a:endParaRPr b="0" lang="en-US" sz="3200" spc="-1" strike="noStrike">
+              <a:solidFill>
+                <a:srgbClr val="000000"/>
+              </a:solidFill>
+              <a:latin typeface="Arial"/>
             </a:endParaRPr>
           </a:p>
         </p:txBody>
@@ -2768,8 +2777,8 @@
         </p:nvSpPr>
         <p:spPr>
           <a:xfrm>
-            <a:off x="327960" y="893880"/>
-            <a:ext cx="7556040" cy="836640"/>
+            <a:off x="457200" y="205200"/>
+            <a:ext cx="8229240" cy="858600"/>
           </a:xfrm>
           <a:prstGeom prst="rect">
             <a:avLst/>
@@ -2784,14 +2793,14 @@
             <a:noAutofit/>
           </a:bodyPr>
           <a:p>
-            <a:pPr indent="0">
+            <a:pPr indent="0" algn="ctr">
               <a:buNone/>
             </a:pPr>
-            <a:endParaRPr b="0" lang="en-US" sz="3600" spc="-1" strike="noStrike">
-              <a:solidFill>
-                <a:srgbClr val="000000"/>
-              </a:solidFill>
-              <a:latin typeface="Rockwell"/>
+            <a:endParaRPr b="0" lang="en-US" sz="4400" spc="-1" strike="noStrike">
+              <a:solidFill>
+                <a:srgbClr val="000000"/>
+              </a:solidFill>
+              <a:latin typeface="Arial"/>
             </a:endParaRPr>
           </a:p>
         </p:txBody>
@@ -2808,8 +2817,8 @@
         </p:nvSpPr>
         <p:spPr>
           <a:xfrm>
-            <a:off x="327960" y="1730880"/>
-            <a:ext cx="3687120" cy="3073680"/>
+            <a:off x="457200" y="1203480"/>
+            <a:ext cx="4015800" cy="2982960"/>
           </a:xfrm>
           <a:prstGeom prst="rect">
             <a:avLst/>
@@ -2830,11 +2839,11 @@
               </a:spcBef>
               <a:buNone/>
             </a:pPr>
-            <a:endParaRPr b="0" lang="en-US" sz="2000" spc="-1" strike="noStrike">
-              <a:solidFill>
-                <a:schemeClr val="accent1"/>
-              </a:solidFill>
-              <a:latin typeface="Cambria"/>
+            <a:endParaRPr b="0" lang="en-US" sz="3200" spc="-1" strike="noStrike">
+              <a:solidFill>
+                <a:srgbClr val="000000"/>
+              </a:solidFill>
+              <a:latin typeface="Arial"/>
             </a:endParaRPr>
           </a:p>
         </p:txBody>
@@ -2851,8 +2860,8 @@
         </p:nvSpPr>
         <p:spPr>
           <a:xfrm>
-            <a:off x="4199760" y="1730880"/>
-            <a:ext cx="3687120" cy="3073680"/>
+            <a:off x="4674240" y="1203480"/>
+            <a:ext cx="4015800" cy="2982960"/>
           </a:xfrm>
           <a:prstGeom prst="rect">
             <a:avLst/>
@@ -2873,11 +2882,11 @@
               </a:spcBef>
               <a:buNone/>
             </a:pPr>
-            <a:endParaRPr b="0" lang="en-US" sz="2000" spc="-1" strike="noStrike">
-              <a:solidFill>
-                <a:schemeClr val="accent1"/>
-              </a:solidFill>
-              <a:latin typeface="Cambria"/>
+            <a:endParaRPr b="0" lang="en-US" sz="3200" spc="-1" strike="noStrike">
+              <a:solidFill>
+                <a:srgbClr val="000000"/>
+              </a:solidFill>
+              <a:latin typeface="Arial"/>
             </a:endParaRPr>
           </a:p>
         </p:txBody>
@@ -2916,8 +2925,8 @@
         </p:nvSpPr>
         <p:spPr>
           <a:xfrm>
-            <a:off x="327960" y="893880"/>
-            <a:ext cx="7556040" cy="836640"/>
+            <a:off x="457200" y="205200"/>
+            <a:ext cx="8229240" cy="858600"/>
           </a:xfrm>
           <a:prstGeom prst="rect">
             <a:avLst/>
@@ -2932,14 +2941,14 @@
             <a:noAutofit/>
           </a:bodyPr>
           <a:p>
-            <a:pPr indent="0">
+            <a:pPr indent="0" algn="ctr">
               <a:buNone/>
             </a:pPr>
-            <a:endParaRPr b="0" lang="en-US" sz="3600" spc="-1" strike="noStrike">
-              <a:solidFill>
-                <a:srgbClr val="000000"/>
-              </a:solidFill>
-              <a:latin typeface="Rockwell"/>
+            <a:endParaRPr b="0" lang="en-US" sz="4400" spc="-1" strike="noStrike">
+              <a:solidFill>
+                <a:srgbClr val="000000"/>
+              </a:solidFill>
+              <a:latin typeface="Arial"/>
             </a:endParaRPr>
           </a:p>
         </p:txBody>
@@ -2978,8 +2987,8 @@
         </p:nvSpPr>
         <p:spPr>
           <a:xfrm>
-            <a:off x="327960" y="893880"/>
-            <a:ext cx="7556040" cy="3879360"/>
+            <a:off x="457200" y="205200"/>
+            <a:ext cx="8229240" cy="3981240"/>
           </a:xfrm>
           <a:prstGeom prst="rect">
             <a:avLst/>
@@ -2996,6 +3005,9 @@
           <a:p>
             <a:pPr algn="ctr"/>
             <a:endParaRPr b="0" lang="en-US" sz="3200" spc="-1" strike="noStrike">
+              <a:solidFill>
+                <a:srgbClr val="000000"/>
+              </a:solidFill>
               <a:latin typeface="Arial"/>
             </a:endParaRPr>
           </a:p>
@@ -3035,8 +3047,8 @@
         </p:nvSpPr>
         <p:spPr>
           <a:xfrm>
-            <a:off x="327960" y="893880"/>
-            <a:ext cx="7556040" cy="836640"/>
+            <a:off x="457200" y="205200"/>
+            <a:ext cx="8229240" cy="858600"/>
           </a:xfrm>
           <a:prstGeom prst="rect">
             <a:avLst/>
@@ -3051,14 +3063,14 @@
             <a:noAutofit/>
           </a:bodyPr>
           <a:p>
-            <a:pPr indent="0">
+            <a:pPr indent="0" algn="ctr">
               <a:buNone/>
             </a:pPr>
-            <a:endParaRPr b="0" lang="en-US" sz="3600" spc="-1" strike="noStrike">
-              <a:solidFill>
-                <a:srgbClr val="000000"/>
-              </a:solidFill>
-              <a:latin typeface="Rockwell"/>
+            <a:endParaRPr b="0" lang="en-US" sz="4400" spc="-1" strike="noStrike">
+              <a:solidFill>
+                <a:srgbClr val="000000"/>
+              </a:solidFill>
+              <a:latin typeface="Arial"/>
             </a:endParaRPr>
           </a:p>
         </p:txBody>
@@ -3075,8 +3087,8 @@
         </p:nvSpPr>
         <p:spPr>
           <a:xfrm>
-            <a:off x="327960" y="1730880"/>
-            <a:ext cx="3687120" cy="1465920"/>
+            <a:off x="457200" y="1203480"/>
+            <a:ext cx="4015800" cy="1422720"/>
           </a:xfrm>
           <a:prstGeom prst="rect">
             <a:avLst/>
@@ -3097,11 +3109,11 @@
               </a:spcBef>
               <a:buNone/>
             </a:pPr>
-            <a:endParaRPr b="0" lang="en-US" sz="2000" spc="-1" strike="noStrike">
-              <a:solidFill>
-                <a:schemeClr val="accent1"/>
-              </a:solidFill>
-              <a:latin typeface="Cambria"/>
+            <a:endParaRPr b="0" lang="en-US" sz="3200" spc="-1" strike="noStrike">
+              <a:solidFill>
+                <a:srgbClr val="000000"/>
+              </a:solidFill>
+              <a:latin typeface="Arial"/>
             </a:endParaRPr>
           </a:p>
         </p:txBody>
@@ -3118,8 +3130,8 @@
         </p:nvSpPr>
         <p:spPr>
           <a:xfrm>
-            <a:off x="4199760" y="1730880"/>
-            <a:ext cx="3687120" cy="3073680"/>
+            <a:off x="4674240" y="1203480"/>
+            <a:ext cx="4015800" cy="2982960"/>
           </a:xfrm>
           <a:prstGeom prst="rect">
             <a:avLst/>
@@ -3140,11 +3152,11 @@
               </a:spcBef>
               <a:buNone/>
             </a:pPr>
-            <a:endParaRPr b="0" lang="en-US" sz="2000" spc="-1" strike="noStrike">
-              <a:solidFill>
-                <a:schemeClr val="accent1"/>
-              </a:solidFill>
-              <a:latin typeface="Cambria"/>
+            <a:endParaRPr b="0" lang="en-US" sz="3200" spc="-1" strike="noStrike">
+              <a:solidFill>
+                <a:srgbClr val="000000"/>
+              </a:solidFill>
+              <a:latin typeface="Arial"/>
             </a:endParaRPr>
           </a:p>
         </p:txBody>
@@ -3161,8 +3173,8 @@
         </p:nvSpPr>
         <p:spPr>
           <a:xfrm>
-            <a:off x="327960" y="3336480"/>
-            <a:ext cx="3687120" cy="1465920"/>
+            <a:off x="457200" y="2761920"/>
+            <a:ext cx="4015800" cy="1422720"/>
           </a:xfrm>
           <a:prstGeom prst="rect">
             <a:avLst/>
@@ -3183,11 +3195,11 @@
               </a:spcBef>
               <a:buNone/>
             </a:pPr>
-            <a:endParaRPr b="0" lang="en-US" sz="2000" spc="-1" strike="noStrike">
-              <a:solidFill>
-                <a:schemeClr val="accent1"/>
-              </a:solidFill>
-              <a:latin typeface="Cambria"/>
+            <a:endParaRPr b="0" lang="en-US" sz="3200" spc="-1" strike="noStrike">
+              <a:solidFill>
+                <a:srgbClr val="000000"/>
+              </a:solidFill>
+              <a:latin typeface="Arial"/>
             </a:endParaRPr>
           </a:p>
         </p:txBody>
@@ -3226,8 +3238,8 @@
         </p:nvSpPr>
         <p:spPr>
           <a:xfrm>
-            <a:off x="327960" y="893880"/>
-            <a:ext cx="7556040" cy="836640"/>
+            <a:off x="457200" y="205200"/>
+            <a:ext cx="8229240" cy="858600"/>
           </a:xfrm>
           <a:prstGeom prst="rect">
             <a:avLst/>
@@ -3242,14 +3254,14 @@
             <a:noAutofit/>
           </a:bodyPr>
           <a:p>
-            <a:pPr indent="0">
+            <a:pPr indent="0" algn="ctr">
               <a:buNone/>
             </a:pPr>
-            <a:endParaRPr b="0" lang="en-US" sz="3600" spc="-1" strike="noStrike">
-              <a:solidFill>
-                <a:srgbClr val="000000"/>
-              </a:solidFill>
-              <a:latin typeface="Rockwell"/>
+            <a:endParaRPr b="0" lang="en-US" sz="4400" spc="-1" strike="noStrike">
+              <a:solidFill>
+                <a:srgbClr val="000000"/>
+              </a:solidFill>
+              <a:latin typeface="Arial"/>
             </a:endParaRPr>
           </a:p>
         </p:txBody>
@@ -3266,8 +3278,8 @@
         </p:nvSpPr>
         <p:spPr>
           <a:xfrm>
-            <a:off x="327960" y="1730880"/>
-            <a:ext cx="3687120" cy="3073680"/>
+            <a:off x="457200" y="1203480"/>
+            <a:ext cx="4015800" cy="2982960"/>
           </a:xfrm>
           <a:prstGeom prst="rect">
             <a:avLst/>
@@ -3288,11 +3300,11 @@
               </a:spcBef>
               <a:buNone/>
             </a:pPr>
-            <a:endParaRPr b="0" lang="en-US" sz="2000" spc="-1" strike="noStrike">
-              <a:solidFill>
-                <a:schemeClr val="accent1"/>
-              </a:solidFill>
-              <a:latin typeface="Cambria"/>
+            <a:endParaRPr b="0" lang="en-US" sz="3200" spc="-1" strike="noStrike">
+              <a:solidFill>
+                <a:srgbClr val="000000"/>
+              </a:solidFill>
+              <a:latin typeface="Arial"/>
             </a:endParaRPr>
           </a:p>
         </p:txBody>
@@ -3309,8 +3321,8 @@
         </p:nvSpPr>
         <p:spPr>
           <a:xfrm>
-            <a:off x="4199760" y="1730880"/>
-            <a:ext cx="3687120" cy="1465920"/>
+            <a:off x="4674240" y="1203480"/>
+            <a:ext cx="4015800" cy="1422720"/>
           </a:xfrm>
           <a:prstGeom prst="rect">
             <a:avLst/>
@@ -3331,11 +3343,11 @@
               </a:spcBef>
               <a:buNone/>
             </a:pPr>
-            <a:endParaRPr b="0" lang="en-US" sz="2000" spc="-1" strike="noStrike">
-              <a:solidFill>
-                <a:schemeClr val="accent1"/>
-              </a:solidFill>
-              <a:latin typeface="Cambria"/>
+            <a:endParaRPr b="0" lang="en-US" sz="3200" spc="-1" strike="noStrike">
+              <a:solidFill>
+                <a:srgbClr val="000000"/>
+              </a:solidFill>
+              <a:latin typeface="Arial"/>
             </a:endParaRPr>
           </a:p>
         </p:txBody>
@@ -3352,8 +3364,8 @@
         </p:nvSpPr>
         <p:spPr>
           <a:xfrm>
-            <a:off x="4199760" y="3336480"/>
-            <a:ext cx="3687120" cy="1465920"/>
+            <a:off x="4674240" y="2761920"/>
+            <a:ext cx="4015800" cy="1422720"/>
           </a:xfrm>
           <a:prstGeom prst="rect">
             <a:avLst/>
@@ -3374,11 +3386,11 @@
               </a:spcBef>
               <a:buNone/>
             </a:pPr>
-            <a:endParaRPr b="0" lang="en-US" sz="2000" spc="-1" strike="noStrike">
-              <a:solidFill>
-                <a:schemeClr val="accent1"/>
-              </a:solidFill>
-              <a:latin typeface="Cambria"/>
+            <a:endParaRPr b="0" lang="en-US" sz="3200" spc="-1" strike="noStrike">
+              <a:solidFill>
+                <a:srgbClr val="000000"/>
+              </a:solidFill>
+              <a:latin typeface="Arial"/>
             </a:endParaRPr>
           </a:p>
         </p:txBody>
@@ -3417,8 +3429,8 @@
         </p:nvSpPr>
         <p:spPr>
           <a:xfrm>
-            <a:off x="327960" y="893880"/>
-            <a:ext cx="7556040" cy="836640"/>
+            <a:off x="457200" y="205200"/>
+            <a:ext cx="8229240" cy="858600"/>
           </a:xfrm>
           <a:prstGeom prst="rect">
             <a:avLst/>
@@ -3433,14 +3445,14 @@
             <a:noAutofit/>
           </a:bodyPr>
           <a:p>
-            <a:pPr indent="0">
+            <a:pPr indent="0" algn="ctr">
               <a:buNone/>
             </a:pPr>
-            <a:endParaRPr b="0" lang="en-US" sz="3600" spc="-1" strike="noStrike">
-              <a:solidFill>
-                <a:srgbClr val="000000"/>
-              </a:solidFill>
-              <a:latin typeface="Rockwell"/>
+            <a:endParaRPr b="0" lang="en-US" sz="4400" spc="-1" strike="noStrike">
+              <a:solidFill>
+                <a:srgbClr val="000000"/>
+              </a:solidFill>
+              <a:latin typeface="Arial"/>
             </a:endParaRPr>
           </a:p>
         </p:txBody>
@@ -3457,8 +3469,8 @@
         </p:nvSpPr>
         <p:spPr>
           <a:xfrm>
-            <a:off x="327960" y="1730880"/>
-            <a:ext cx="3687120" cy="1465920"/>
+            <a:off x="457200" y="1203480"/>
+            <a:ext cx="4015800" cy="1422720"/>
           </a:xfrm>
           <a:prstGeom prst="rect">
             <a:avLst/>
@@ -3479,11 +3491,11 @@
               </a:spcBef>
               <a:buNone/>
             </a:pPr>
-            <a:endParaRPr b="0" lang="en-US" sz="2000" spc="-1" strike="noStrike">
-              <a:solidFill>
-                <a:schemeClr val="accent1"/>
-              </a:solidFill>
-              <a:latin typeface="Cambria"/>
+            <a:endParaRPr b="0" lang="en-US" sz="3200" spc="-1" strike="noStrike">
+              <a:solidFill>
+                <a:srgbClr val="000000"/>
+              </a:solidFill>
+              <a:latin typeface="Arial"/>
             </a:endParaRPr>
           </a:p>
         </p:txBody>
@@ -3500,8 +3512,8 @@
         </p:nvSpPr>
         <p:spPr>
           <a:xfrm>
-            <a:off x="4199760" y="1730880"/>
-            <a:ext cx="3687120" cy="1465920"/>
+            <a:off x="4674240" y="1203480"/>
+            <a:ext cx="4015800" cy="1422720"/>
           </a:xfrm>
           <a:prstGeom prst="rect">
             <a:avLst/>
@@ -3522,11 +3534,11 @@
               </a:spcBef>
               <a:buNone/>
             </a:pPr>
-            <a:endParaRPr b="0" lang="en-US" sz="2000" spc="-1" strike="noStrike">
-              <a:solidFill>
-                <a:schemeClr val="accent1"/>
-              </a:solidFill>
-              <a:latin typeface="Cambria"/>
+            <a:endParaRPr b="0" lang="en-US" sz="3200" spc="-1" strike="noStrike">
+              <a:solidFill>
+                <a:srgbClr val="000000"/>
+              </a:solidFill>
+              <a:latin typeface="Arial"/>
             </a:endParaRPr>
           </a:p>
         </p:txBody>
@@ -3543,8 +3555,8 @@
         </p:nvSpPr>
         <p:spPr>
           <a:xfrm>
-            <a:off x="327960" y="3336480"/>
-            <a:ext cx="7556040" cy="1465920"/>
+            <a:off x="457200" y="2761920"/>
+            <a:ext cx="8229240" cy="1422720"/>
           </a:xfrm>
           <a:prstGeom prst="rect">
             <a:avLst/>
@@ -3565,11 +3577,11 @@
               </a:spcBef>
               <a:buNone/>
             </a:pPr>
-            <a:endParaRPr b="0" lang="en-US" sz="2000" spc="-1" strike="noStrike">
-              <a:solidFill>
-                <a:schemeClr val="accent1"/>
-              </a:solidFill>
-              <a:latin typeface="Cambria"/>
+            <a:endParaRPr b="0" lang="en-US" sz="3200" spc="-1" strike="noStrike">
+              <a:solidFill>
+                <a:srgbClr val="000000"/>
+              </a:solidFill>
+              <a:latin typeface="Arial"/>
             </a:endParaRPr>
           </a:p>
         </p:txBody>
@@ -3616,7 +3628,7 @@
         <p:spPr>
           <a:xfrm>
             <a:off x="0" y="0"/>
-            <a:ext cx="9143640" cy="527040"/>
+            <a:ext cx="9143280" cy="526680"/>
           </a:xfrm>
           <a:prstGeom prst="rect">
             <a:avLst/>
@@ -3635,7 +3647,7 @@
         <p:spPr>
           <a:xfrm>
             <a:off x="0" y="0"/>
-            <a:ext cx="9143640" cy="5143320"/>
+            <a:ext cx="9143280" cy="5142960"/>
           </a:xfrm>
           <a:prstGeom prst="rect">
             <a:avLst/>
@@ -3671,6 +3683,19 @@
           </a:effectRef>
           <a:fontRef idx="minor"/>
         </p:style>
+        <p:txBody>
+          <a:bodyPr lIns="90000" rIns="90000" tIns="45000" bIns="45000" anchor="t">
+            <a:noAutofit/>
+          </a:bodyPr>
+          <a:p>
+            <a:endParaRPr b="0" lang="en-US" sz="1800" spc="-1" strike="noStrike">
+              <a:solidFill>
+                <a:srgbClr val="000000"/>
+              </a:solidFill>
+              <a:latin typeface="Arial"/>
+            </a:endParaRPr>
+          </a:p>
+        </p:txBody>
       </p:sp>
       <p:pic>
         <p:nvPicPr>
@@ -3685,7 +3710,7 @@
         <p:spPr>
           <a:xfrm>
             <a:off x="0" y="0"/>
-            <a:ext cx="9140760" cy="5143320"/>
+            <a:ext cx="9140400" cy="5142960"/>
           </a:xfrm>
           <a:prstGeom prst="rect">
             <a:avLst/>
@@ -3707,8 +3732,8 @@
         </p:nvSpPr>
         <p:spPr>
           <a:xfrm>
-            <a:off x="871200" y="1676160"/>
-            <a:ext cx="8272440" cy="1333800"/>
+            <a:off x="457200" y="205200"/>
+            <a:ext cx="8229240" cy="858600"/>
           </a:xfrm>
           <a:prstGeom prst="rect">
             <a:avLst/>
@@ -3719,44 +3744,36 @@
           </a:ln>
         </p:spPr>
         <p:txBody>
-          <a:bodyPr numCol="1" spcCol="0" anchor="t">
+          <a:bodyPr lIns="0" rIns="0" tIns="0" bIns="0" anchor="ctr">
             <a:noAutofit/>
           </a:bodyPr>
           <a:p>
-            <a:pPr indent="0">
-              <a:lnSpc>
-                <a:spcPct val="80000"/>
-              </a:lnSpc>
+            <a:pPr indent="0" algn="ctr">
               <a:buNone/>
             </a:pPr>
             <a:r>
-              <a:rPr b="0" lang="en-US" sz="4800" spc="-1" strike="noStrike">
-                <a:solidFill>
-                  <a:srgbClr val="ffffff"/>
+              <a:rPr b="0" lang="en-US" sz="4400" spc="-1" strike="noStrike">
+                <a:solidFill>
+                  <a:srgbClr val="000000"/>
                 </a:solidFill>
                 <a:latin typeface="Arial"/>
-                <a:ea typeface="MS PGothic"/>
-              </a:rPr>
-              <a:t>Presentation Title</a:t>
-            </a:r>
-            <a:br>
-              <a:rPr sz="4800"/>
-            </a:br>
-            <a:r>
-              <a:rPr b="0" lang="en-US" sz="4800" spc="-1" strike="noStrike">
-                <a:solidFill>
-                  <a:srgbClr val="ffffff"/>
+              </a:rPr>
+              <a:t>Click to edit the </a:t>
+            </a:r>
+            <a:r>
+              <a:rPr b="0" lang="en-US" sz="4400" spc="-1" strike="noStrike">
+                <a:solidFill>
+                  <a:srgbClr val="000000"/>
                 </a:solidFill>
                 <a:latin typeface="Arial"/>
-                <a:ea typeface="MS PGothic"/>
-              </a:rPr>
-              <a:t>With Two Lines</a:t>
-            </a:r>
-            <a:endParaRPr b="0" lang="en-US" sz="4800" spc="-1" strike="noStrike">
-              <a:solidFill>
-                <a:srgbClr val="000000"/>
-              </a:solidFill>
-              <a:latin typeface="Rockwell"/>
+              </a:rPr>
+              <a:t>title text format</a:t>
+            </a:r>
+            <a:endParaRPr b="0" lang="en-US" sz="4400" spc="-1" strike="noStrike">
+              <a:solidFill>
+                <a:srgbClr val="000000"/>
+              </a:solidFill>
+              <a:latin typeface="Arial"/>
             </a:endParaRPr>
           </a:p>
         </p:txBody>
@@ -3773,8 +3790,8 @@
         </p:nvSpPr>
         <p:spPr>
           <a:xfrm>
-            <a:off x="871200" y="3095640"/>
-            <a:ext cx="8681040" cy="580680"/>
+            <a:off x="457200" y="1203480"/>
+            <a:ext cx="8229240" cy="2982960"/>
           </a:xfrm>
           <a:prstGeom prst="rect">
             <a:avLst/>
@@ -3785,36 +3802,203 @@
           </a:ln>
         </p:spPr>
         <p:txBody>
-          <a:bodyPr numCol="1" spcCol="0" anchor="t">
-            <a:noAutofit/>
+          <a:bodyPr lIns="0" rIns="0" tIns="0" bIns="0" anchor="t">
+            <a:normAutofit/>
           </a:bodyPr>
           <a:p>
-            <a:pPr indent="0">
-              <a:lnSpc>
-                <a:spcPct val="100000"/>
-              </a:lnSpc>
+            <a:pPr marL="432000" indent="-324000">
               <a:spcBef>
-                <a:spcPts val="2001"/>
+                <a:spcPts val="1417"/>
               </a:spcBef>
-              <a:buNone/>
-              <a:tabLst>
-                <a:tab algn="l" pos="0"/>
-              </a:tabLst>
+              <a:buClr>
+                <a:srgbClr val="000000"/>
+              </a:buClr>
+              <a:buSzPct val="45000"/>
+              <a:buFont typeface="Wingdings" charset="2"/>
+              <a:buChar char=""/>
+            </a:pPr>
+            <a:r>
+              <a:rPr b="0" lang="en-US" sz="3200" spc="-1" strike="noStrike">
+                <a:solidFill>
+                  <a:srgbClr val="000000"/>
+                </a:solidFill>
+                <a:latin typeface="Arial"/>
+              </a:rPr>
+              <a:t>Click to edit the outline text format</a:t>
+            </a:r>
+            <a:endParaRPr b="0" lang="en-US" sz="3200" spc="-1" strike="noStrike">
+              <a:solidFill>
+                <a:srgbClr val="000000"/>
+              </a:solidFill>
+              <a:latin typeface="Arial"/>
+            </a:endParaRPr>
+          </a:p>
+          <a:p>
+            <a:pPr lvl="1" marL="864000" indent="-324000">
+              <a:spcBef>
+                <a:spcPts val="1134"/>
+              </a:spcBef>
+              <a:buClr>
+                <a:srgbClr val="000000"/>
+              </a:buClr>
+              <a:buSzPct val="75000"/>
+              <a:buFont typeface="Symbol" charset="2"/>
+              <a:buChar char=""/>
+            </a:pPr>
+            <a:r>
+              <a:rPr b="0" lang="en-US" sz="2800" spc="-1" strike="noStrike">
+                <a:solidFill>
+                  <a:srgbClr val="000000"/>
+                </a:solidFill>
+                <a:latin typeface="Arial"/>
+              </a:rPr>
+              <a:t>Second Outline Level</a:t>
+            </a:r>
+            <a:endParaRPr b="0" lang="en-US" sz="2800" spc="-1" strike="noStrike">
+              <a:solidFill>
+                <a:srgbClr val="000000"/>
+              </a:solidFill>
+              <a:latin typeface="Arial"/>
+            </a:endParaRPr>
+          </a:p>
+          <a:p>
+            <a:pPr lvl="2" marL="1296000" indent="-288000">
+              <a:spcBef>
+                <a:spcPts val="850"/>
+              </a:spcBef>
+              <a:buClr>
+                <a:srgbClr val="000000"/>
+              </a:buClr>
+              <a:buSzPct val="45000"/>
+              <a:buFont typeface="Wingdings" charset="2"/>
+              <a:buChar char=""/>
             </a:pPr>
             <a:r>
               <a:rPr b="0" lang="en-US" sz="2400" spc="-1" strike="noStrike">
                 <a:solidFill>
-                  <a:srgbClr val="ffffff"/>
+                  <a:srgbClr val="000000"/>
                 </a:solidFill>
                 <a:latin typeface="Arial"/>
               </a:rPr>
-              <a:t>Presentation Subtitle</a:t>
+              <a:t>Third Outline Level</a:t>
             </a:r>
             <a:endParaRPr b="0" lang="en-US" sz="2400" spc="-1" strike="noStrike">
               <a:solidFill>
-                <a:schemeClr val="accent1"/>
-              </a:solidFill>
-              <a:latin typeface="Cambria"/>
+                <a:srgbClr val="000000"/>
+              </a:solidFill>
+              <a:latin typeface="Arial"/>
+            </a:endParaRPr>
+          </a:p>
+          <a:p>
+            <a:pPr lvl="3" marL="1728000" indent="-216000">
+              <a:spcBef>
+                <a:spcPts val="567"/>
+              </a:spcBef>
+              <a:buClr>
+                <a:srgbClr val="000000"/>
+              </a:buClr>
+              <a:buSzPct val="75000"/>
+              <a:buFont typeface="Symbol" charset="2"/>
+              <a:buChar char=""/>
+            </a:pPr>
+            <a:r>
+              <a:rPr b="0" lang="en-US" sz="2000" spc="-1" strike="noStrike">
+                <a:solidFill>
+                  <a:srgbClr val="000000"/>
+                </a:solidFill>
+                <a:latin typeface="Arial"/>
+              </a:rPr>
+              <a:t>Fourth Outline Level</a:t>
+            </a:r>
+            <a:endParaRPr b="0" lang="en-US" sz="2000" spc="-1" strike="noStrike">
+              <a:solidFill>
+                <a:srgbClr val="000000"/>
+              </a:solidFill>
+              <a:latin typeface="Arial"/>
+            </a:endParaRPr>
+          </a:p>
+          <a:p>
+            <a:pPr lvl="4" marL="2160000" indent="-216000">
+              <a:spcBef>
+                <a:spcPts val="283"/>
+              </a:spcBef>
+              <a:buClr>
+                <a:srgbClr val="000000"/>
+              </a:buClr>
+              <a:buSzPct val="45000"/>
+              <a:buFont typeface="Wingdings" charset="2"/>
+              <a:buChar char=""/>
+            </a:pPr>
+            <a:r>
+              <a:rPr b="0" lang="en-US" sz="2000" spc="-1" strike="noStrike">
+                <a:solidFill>
+                  <a:srgbClr val="000000"/>
+                </a:solidFill>
+                <a:latin typeface="Arial"/>
+              </a:rPr>
+              <a:t>Fifth Outline Level</a:t>
+            </a:r>
+            <a:endParaRPr b="0" lang="en-US" sz="2000" spc="-1" strike="noStrike">
+              <a:solidFill>
+                <a:srgbClr val="000000"/>
+              </a:solidFill>
+              <a:latin typeface="Arial"/>
+            </a:endParaRPr>
+          </a:p>
+          <a:p>
+            <a:pPr lvl="5" marL="2592000" indent="-216000">
+              <a:spcBef>
+                <a:spcPts val="283"/>
+              </a:spcBef>
+              <a:buClr>
+                <a:srgbClr val="000000"/>
+              </a:buClr>
+              <a:buSzPct val="45000"/>
+              <a:buFont typeface="Wingdings" charset="2"/>
+              <a:buChar char=""/>
+            </a:pPr>
+            <a:r>
+              <a:rPr b="0" lang="en-US" sz="2000" spc="-1" strike="noStrike">
+                <a:solidFill>
+                  <a:srgbClr val="000000"/>
+                </a:solidFill>
+                <a:latin typeface="Arial"/>
+              </a:rPr>
+              <a:t>Sixth Outline Level</a:t>
+            </a:r>
+            <a:endParaRPr b="0" lang="en-US" sz="2000" spc="-1" strike="noStrike">
+              <a:solidFill>
+                <a:srgbClr val="000000"/>
+              </a:solidFill>
+              <a:latin typeface="Arial"/>
+            </a:endParaRPr>
+          </a:p>
+          <a:p>
+            <a:pPr lvl="6" marL="3024000" indent="-216000">
+              <a:spcBef>
+                <a:spcPts val="283"/>
+              </a:spcBef>
+              <a:buClr>
+                <a:srgbClr val="000000"/>
+              </a:buClr>
+              <a:buSzPct val="45000"/>
+              <a:buFont typeface="Wingdings" charset="2"/>
+              <a:buChar char=""/>
+            </a:pPr>
+            <a:r>
+              <a:rPr b="0" lang="en-US" sz="2000" spc="-1" strike="noStrike">
+                <a:solidFill>
+                  <a:srgbClr val="000000"/>
+                </a:solidFill>
+                <a:latin typeface="Arial"/>
+              </a:rPr>
+              <a:t>Seventh Outline Level</a:t>
+            </a:r>
+            <a:endParaRPr b="0" lang="en-US" sz="2000" spc="-1" strike="noStrike">
+              <a:solidFill>
+                <a:srgbClr val="000000"/>
+              </a:solidFill>
+              <a:latin typeface="Arial"/>
             </a:endParaRPr>
           </a:p>
         </p:txBody>
@@ -3876,7 +4060,7 @@
         <p:spPr>
           <a:xfrm>
             <a:off x="0" y="0"/>
-            <a:ext cx="9143640" cy="527040"/>
+            <a:ext cx="9143280" cy="526680"/>
           </a:xfrm>
           <a:prstGeom prst="rect">
             <a:avLst/>
@@ -3898,8 +4082,8 @@
         </p:nvSpPr>
         <p:spPr>
           <a:xfrm>
-            <a:off x="327960" y="893880"/>
-            <a:ext cx="7556040" cy="836640"/>
+            <a:off x="457200" y="205200"/>
+            <a:ext cx="8229240" cy="858600"/>
           </a:xfrm>
           <a:prstGeom prst="rect">
             <a:avLst/>
@@ -3910,31 +4094,36 @@
           </a:ln>
         </p:spPr>
         <p:txBody>
-          <a:bodyPr numCol="1" spcCol="0" anchor="t">
+          <a:bodyPr lIns="0" rIns="0" tIns="0" bIns="0" anchor="ctr">
             <a:noAutofit/>
           </a:bodyPr>
           <a:p>
-            <a:pPr indent="0">
-              <a:lnSpc>
-                <a:spcPct val="100000"/>
-              </a:lnSpc>
+            <a:pPr indent="0" algn="ctr">
               <a:buNone/>
             </a:pPr>
             <a:r>
-              <a:rPr b="0" lang="en-US" sz="3600" spc="-1" strike="noStrike">
-                <a:solidFill>
-                  <a:schemeClr val="accent1"/>
+              <a:rPr b="0" lang="en-US" sz="4400" spc="-1" strike="noStrike">
+                <a:solidFill>
+                  <a:srgbClr val="000000"/>
                 </a:solidFill>
                 <a:latin typeface="Arial"/>
-                <a:ea typeface="MS PGothic"/>
-              </a:rPr>
-              <a:t>Click to edit Master title style</a:t>
-            </a:r>
-            <a:endParaRPr b="0" lang="en-US" sz="3600" spc="-1" strike="noStrike">
-              <a:solidFill>
-                <a:srgbClr val="000000"/>
-              </a:solidFill>
-              <a:latin typeface="Rockwell"/>
+              </a:rPr>
+              <a:t>Click to edit the </a:t>
+            </a:r>
+            <a:r>
+              <a:rPr b="0" lang="en-US" sz="4400" spc="-1" strike="noStrike">
+                <a:solidFill>
+                  <a:srgbClr val="000000"/>
+                </a:solidFill>
+                <a:latin typeface="Arial"/>
+              </a:rPr>
+              <a:t>title text format</a:t>
+            </a:r>
+            <a:endParaRPr b="0" lang="en-US" sz="4400" spc="-1" strike="noStrike">
+              <a:solidFill>
+                <a:srgbClr val="000000"/>
+              </a:solidFill>
+              <a:latin typeface="Arial"/>
             </a:endParaRPr>
           </a:p>
         </p:txBody>
@@ -3951,8 +4140,8 @@
         </p:nvSpPr>
         <p:spPr>
           <a:xfrm>
-            <a:off x="327960" y="1730880"/>
-            <a:ext cx="7556040" cy="3073680"/>
+            <a:off x="457200" y="1203480"/>
+            <a:ext cx="8229240" cy="2982960"/>
           </a:xfrm>
           <a:prstGeom prst="rect">
             <a:avLst/>
@@ -3963,167 +4152,203 @@
           </a:ln>
         </p:spPr>
         <p:txBody>
-          <a:bodyPr numCol="1" spcCol="0" anchor="t">
-            <a:noAutofit/>
+          <a:bodyPr lIns="0" rIns="0" tIns="0" bIns="0" anchor="t">
+            <a:normAutofit/>
           </a:bodyPr>
           <a:p>
-            <a:pPr marL="228600" indent="-228600">
-              <a:lnSpc>
-                <a:spcPct val="100000"/>
-              </a:lnSpc>
+            <a:pPr marL="432000" indent="-324000">
               <a:spcBef>
-                <a:spcPts val="2001"/>
+                <a:spcPts val="1417"/>
               </a:spcBef>
               <a:buClr>
-                <a:srgbClr val="edb286"/>
+                <a:srgbClr val="000000"/>
+              </a:buClr>
+              <a:buSzPct val="45000"/>
+              <a:buFont typeface="Wingdings" charset="2"/>
+              <a:buChar char=""/>
+            </a:pPr>
+            <a:r>
+              <a:rPr b="0" lang="en-US" sz="3200" spc="-1" strike="noStrike">
+                <a:solidFill>
+                  <a:srgbClr val="000000"/>
+                </a:solidFill>
+                <a:latin typeface="Arial"/>
+              </a:rPr>
+              <a:t>Click to edit the outline text format</a:t>
+            </a:r>
+            <a:endParaRPr b="0" lang="en-US" sz="3200" spc="-1" strike="noStrike">
+              <a:solidFill>
+                <a:srgbClr val="000000"/>
+              </a:solidFill>
+              <a:latin typeface="Arial"/>
+            </a:endParaRPr>
+          </a:p>
+          <a:p>
+            <a:pPr lvl="1" marL="864000" indent="-324000">
+              <a:spcBef>
+                <a:spcPts val="1134"/>
+              </a:spcBef>
+              <a:buClr>
+                <a:srgbClr val="000000"/>
               </a:buClr>
               <a:buSzPct val="75000"/>
-              <a:buFont typeface="Wingdings" charset="2"/>
-              <a:buChar char=""/>
-            </a:pPr>
-            <a:r>
-              <a:rPr b="0" lang="en-US" sz="2000" spc="-1" strike="noStrike">
-                <a:solidFill>
-                  <a:schemeClr val="accent1"/>
-                </a:solidFill>
-                <a:latin typeface="Cambria"/>
-                <a:ea typeface="MS PGothic"/>
-              </a:rPr>
-              <a:t>Click to edit Master text styles</a:t>
-            </a:r>
-            <a:endParaRPr b="0" lang="en-US" sz="2000" spc="-1" strike="noStrike">
-              <a:solidFill>
-                <a:schemeClr val="accent1"/>
-              </a:solidFill>
-              <a:latin typeface="Cambria"/>
-            </a:endParaRPr>
-          </a:p>
-          <a:p>
-            <a:pPr lvl="1" marL="457200" indent="-228600">
-              <a:lnSpc>
-                <a:spcPct val="100000"/>
-              </a:lnSpc>
+              <a:buFont typeface="Symbol" charset="2"/>
+              <a:buChar char=""/>
+            </a:pPr>
+            <a:r>
+              <a:rPr b="0" lang="en-US" sz="2800" spc="-1" strike="noStrike">
+                <a:solidFill>
+                  <a:srgbClr val="000000"/>
+                </a:solidFill>
+                <a:latin typeface="Arial"/>
+              </a:rPr>
+              <a:t>Second Outline Level</a:t>
+            </a:r>
+            <a:endParaRPr b="0" lang="en-US" sz="2800" spc="-1" strike="noStrike">
+              <a:solidFill>
+                <a:srgbClr val="000000"/>
+              </a:solidFill>
+              <a:latin typeface="Arial"/>
+            </a:endParaRPr>
+          </a:p>
+          <a:p>
+            <a:pPr lvl="2" marL="1296000" indent="-288000">
               <a:spcBef>
-                <a:spcPts val="601"/>
+                <a:spcPts val="850"/>
               </a:spcBef>
               <a:buClr>
-                <a:srgbClr val="e17f35"/>
+                <a:srgbClr val="000000"/>
+              </a:buClr>
+              <a:buSzPct val="45000"/>
+              <a:buFont typeface="Wingdings" charset="2"/>
+              <a:buChar char=""/>
+            </a:pPr>
+            <a:r>
+              <a:rPr b="0" lang="en-US" sz="2400" spc="-1" strike="noStrike">
+                <a:solidFill>
+                  <a:srgbClr val="000000"/>
+                </a:solidFill>
+                <a:latin typeface="Arial"/>
+              </a:rPr>
+              <a:t>Third Outline Level</a:t>
+            </a:r>
+            <a:endParaRPr b="0" lang="en-US" sz="2400" spc="-1" strike="noStrike">
+              <a:solidFill>
+                <a:srgbClr val="000000"/>
+              </a:solidFill>
+              <a:latin typeface="Arial"/>
+            </a:endParaRPr>
+          </a:p>
+          <a:p>
+            <a:pPr lvl="3" marL="1728000" indent="-216000">
+              <a:spcBef>
+                <a:spcPts val="567"/>
+              </a:spcBef>
+              <a:buClr>
+                <a:srgbClr val="000000"/>
               </a:buClr>
               <a:buSzPct val="75000"/>
-              <a:buFont typeface="Wingdings" charset="2"/>
-              <a:buChar char=""/>
-            </a:pPr>
-            <a:r>
-              <a:rPr b="0" lang="en-US" sz="1800" spc="-1" strike="noStrike">
-                <a:solidFill>
-                  <a:schemeClr val="accent1"/>
-                </a:solidFill>
-                <a:latin typeface="Cambria"/>
-                <a:ea typeface="MS PGothic"/>
-              </a:rPr>
-              <a:t>Second level</a:t>
-            </a:r>
-            <a:endParaRPr b="0" lang="en-US" sz="1800" spc="-1" strike="noStrike">
-              <a:solidFill>
-                <a:schemeClr val="accent1"/>
-              </a:solidFill>
-              <a:latin typeface="Cambria"/>
-            </a:endParaRPr>
-          </a:p>
-          <a:p>
-            <a:pPr lvl="2" marL="685800" indent="-228600">
-              <a:lnSpc>
-                <a:spcPct val="100000"/>
-              </a:lnSpc>
+              <a:buFont typeface="Symbol" charset="2"/>
+              <a:buChar char=""/>
+            </a:pPr>
+            <a:r>
+              <a:rPr b="0" lang="en-US" sz="2000" spc="-1" strike="noStrike">
+                <a:solidFill>
+                  <a:srgbClr val="000000"/>
+                </a:solidFill>
+                <a:latin typeface="Arial"/>
+              </a:rPr>
+              <a:t>Fourth Outline Level</a:t>
+            </a:r>
+            <a:endParaRPr b="0" lang="en-US" sz="2000" spc="-1" strike="noStrike">
+              <a:solidFill>
+                <a:srgbClr val="000000"/>
+              </a:solidFill>
+              <a:latin typeface="Arial"/>
+            </a:endParaRPr>
+          </a:p>
+          <a:p>
+            <a:pPr lvl="4" marL="2160000" indent="-216000">
               <a:spcBef>
-                <a:spcPts val="601"/>
+                <a:spcPts val="283"/>
               </a:spcBef>
               <a:buClr>
-                <a:srgbClr val="edb286"/>
+                <a:srgbClr val="000000"/>
               </a:buClr>
-              <a:buSzPct val="75000"/>
+              <a:buSzPct val="45000"/>
               <a:buFont typeface="Wingdings" charset="2"/>
-              <a:buChar char=""/>
-            </a:pPr>
-            <a:r>
-              <a:rPr b="0" lang="en-US" sz="1800" spc="-1" strike="noStrike">
-                <a:solidFill>
-                  <a:schemeClr val="accent1"/>
-                </a:solidFill>
-                <a:latin typeface="Cambria"/>
-                <a:ea typeface="MS PGothic"/>
-              </a:rPr>
-              <a:t>Third level</a:t>
-            </a:r>
-            <a:endParaRPr b="0" lang="en-US" sz="1800" spc="-1" strike="noStrike">
-              <a:solidFill>
-                <a:schemeClr val="accent1"/>
-              </a:solidFill>
-              <a:latin typeface="Cambria"/>
-            </a:endParaRPr>
-          </a:p>
-          <a:p>
-            <a:pPr lvl="3" marL="914400" indent="-228600">
-              <a:lnSpc>
-                <a:spcPct val="100000"/>
-              </a:lnSpc>
+              <a:buChar char=""/>
+            </a:pPr>
+            <a:r>
+              <a:rPr b="0" lang="en-US" sz="2000" spc="-1" strike="noStrike">
+                <a:solidFill>
+                  <a:srgbClr val="000000"/>
+                </a:solidFill>
+                <a:latin typeface="Arial"/>
+              </a:rPr>
+              <a:t>Fifth Outline Level</a:t>
+            </a:r>
+            <a:endParaRPr b="0" lang="en-US" sz="2000" spc="-1" strike="noStrike">
+              <a:solidFill>
+                <a:srgbClr val="000000"/>
+              </a:solidFill>
+              <a:latin typeface="Arial"/>
+            </a:endParaRPr>
+          </a:p>
+          <a:p>
+            <a:pPr lvl="5" marL="2592000" indent="-216000">
               <a:spcBef>
-                <a:spcPts val="601"/>
+                <a:spcPts val="283"/>
               </a:spcBef>
               <a:buClr>
-                <a:srgbClr val="e17f35"/>
+                <a:srgbClr val="000000"/>
               </a:buClr>
-              <a:buSzPct val="75000"/>
+              <a:buSzPct val="45000"/>
               <a:buFont typeface="Wingdings" charset="2"/>
-              <a:buChar char=""/>
-            </a:pPr>
-            <a:r>
-              <a:rPr b="0" lang="en-US" sz="1800" spc="-1" strike="noStrike">
-                <a:solidFill>
-                  <a:schemeClr val="accent1"/>
-                </a:solidFill>
-                <a:latin typeface="Cambria"/>
-                <a:ea typeface="MS PGothic"/>
-              </a:rPr>
-              <a:t>Fourth level</a:t>
-            </a:r>
-            <a:endParaRPr b="0" lang="en-US" sz="1800" spc="-1" strike="noStrike">
-              <a:solidFill>
-                <a:schemeClr val="accent1"/>
-              </a:solidFill>
-              <a:latin typeface="Cambria"/>
-            </a:endParaRPr>
-          </a:p>
-          <a:p>
-            <a:pPr lvl="4" marL="1143000" indent="-228600">
-              <a:lnSpc>
-                <a:spcPct val="100000"/>
-              </a:lnSpc>
+              <a:buChar char=""/>
+            </a:pPr>
+            <a:r>
+              <a:rPr b="0" lang="en-US" sz="2000" spc="-1" strike="noStrike">
+                <a:solidFill>
+                  <a:srgbClr val="000000"/>
+                </a:solidFill>
+                <a:latin typeface="Arial"/>
+              </a:rPr>
+              <a:t>Sixth Outline Level</a:t>
+            </a:r>
+            <a:endParaRPr b="0" lang="en-US" sz="2000" spc="-1" strike="noStrike">
+              <a:solidFill>
+                <a:srgbClr val="000000"/>
+              </a:solidFill>
+              <a:latin typeface="Arial"/>
+            </a:endParaRPr>
+          </a:p>
+          <a:p>
+            <a:pPr lvl="6" marL="3024000" indent="-216000">
               <a:spcBef>
-                <a:spcPts val="601"/>
+                <a:spcPts val="283"/>
               </a:spcBef>
               <a:buClr>
-                <a:srgbClr val="edb286"/>
+                <a:srgbClr val="000000"/>
               </a:buClr>
-              <a:buSzPct val="75000"/>
+              <a:buSzPct val="45000"/>
               <a:buFont typeface="Wingdings" charset="2"/>
-              <a:buChar char=""/>
-            </a:pPr>
-            <a:r>
-              <a:rPr b="0" lang="en-US" sz="1800" spc="-1" strike="noStrike">
-                <a:solidFill>
-                  <a:schemeClr val="accent1"/>
-                </a:solidFill>
-                <a:latin typeface="Cambria"/>
-                <a:ea typeface="MS PGothic"/>
-              </a:rPr>
-              <a:t>Fifth level</a:t>
-            </a:r>
-            <a:endParaRPr b="0" lang="en-US" sz="1800" spc="-1" strike="noStrike">
-              <a:solidFill>
-                <a:schemeClr val="accent1"/>
-              </a:solidFill>
-              <a:latin typeface="Cambria"/>
+              <a:buChar char=""/>
+            </a:pPr>
+            <a:r>
+              <a:rPr b="0" lang="en-US" sz="2000" spc="-1" strike="noStrike">
+                <a:solidFill>
+                  <a:srgbClr val="000000"/>
+                </a:solidFill>
+                <a:latin typeface="Arial"/>
+              </a:rPr>
+              <a:t>Seventh Outline Level</a:t>
+            </a:r>
+            <a:endParaRPr b="0" lang="en-US" sz="2000" spc="-1" strike="noStrike">
+              <a:solidFill>
+                <a:srgbClr val="000000"/>
+              </a:solidFill>
+              <a:latin typeface="Arial"/>
             </a:endParaRPr>
           </a:p>
         </p:txBody>
@@ -4178,7 +4403,7 @@
         <p:spPr>
           <a:xfrm>
             <a:off x="871200" y="1676160"/>
-            <a:ext cx="8272440" cy="1333800"/>
+            <a:ext cx="8272080" cy="1333440"/>
           </a:xfrm>
           <a:prstGeom prst="rect">
             <a:avLst/>
@@ -4189,7 +4414,7 @@
           </a:ln>
         </p:spPr>
         <p:txBody>
-          <a:bodyPr numCol="1" spcCol="0" anchor="t">
+          <a:bodyPr numCol="1" spcCol="0" lIns="90000" rIns="90000" tIns="45000" bIns="45000" anchor="t">
             <a:noAutofit/>
           </a:bodyPr>
           <a:p>
@@ -4198,6 +4423,9 @@
                 <a:spcPct val="80000"/>
               </a:lnSpc>
               <a:buNone/>
+              <a:tabLst>
+                <a:tab algn="l" pos="0"/>
+              </a:tabLst>
             </a:pPr>
             <a:r>
               <a:rPr b="0" lang="en-US" sz="4800" spc="-1" strike="noStrike">
@@ -4213,7 +4441,7 @@
               <a:solidFill>
                 <a:srgbClr val="000000"/>
               </a:solidFill>
-              <a:latin typeface="Rockwell"/>
+              <a:latin typeface="Arial"/>
             </a:endParaRPr>
           </a:p>
         </p:txBody>
@@ -4231,7 +4459,7 @@
         <p:spPr>
           <a:xfrm>
             <a:off x="871200" y="3095640"/>
-            <a:ext cx="8681040" cy="1156320"/>
+            <a:ext cx="8680680" cy="1155960"/>
           </a:xfrm>
           <a:prstGeom prst="rect">
             <a:avLst/>
@@ -4242,7 +4470,7 @@
           </a:ln>
         </p:spPr>
         <p:txBody>
-          <a:bodyPr numCol="1" spcCol="0" anchor="t">
+          <a:bodyPr numCol="1" spcCol="0" lIns="90000" rIns="90000" tIns="45000" bIns="45000" anchor="t">
             <a:noAutofit/>
           </a:bodyPr>
           <a:p>
@@ -4269,9 +4497,9 @@
             </a:r>
             <a:endParaRPr b="0" lang="en-US" sz="2400" spc="-1" strike="noStrike">
               <a:solidFill>
-                <a:schemeClr val="accent1"/>
-              </a:solidFill>
-              <a:latin typeface="Cambria"/>
+                <a:srgbClr val="000000"/>
+              </a:solidFill>
+              <a:latin typeface="Arial"/>
             </a:endParaRPr>
           </a:p>
         </p:txBody>
@@ -4315,7 +4543,7 @@
         <p:spPr>
           <a:xfrm>
             <a:off x="215640" y="555480"/>
-            <a:ext cx="8722440" cy="4755960"/>
+            <a:ext cx="8722080" cy="4755600"/>
           </a:xfrm>
           <a:prstGeom prst="horizontalScroll">
             <a:avLst>
@@ -4327,10 +4555,7 @@
           </a:solidFill>
           <a:ln>
             <a:solidFill>
-              <a:srgbClr val="00529b">
-                <a:shade val="95000"/>
-                <a:satMod val="105000"/>
-              </a:srgbClr>
+              <a:srgbClr val="005097"/>
             </a:solidFill>
             <a:round/>
           </a:ln>
@@ -4390,6 +4615,9 @@
               <a:t>// … continued</a:t>
             </a:r>
             <a:endParaRPr b="0" lang="en-US" sz="1800" spc="-1" strike="noStrike">
+              <a:solidFill>
+                <a:srgbClr val="000000"/>
+              </a:solidFill>
               <a:latin typeface="Arial"/>
             </a:endParaRPr>
           </a:p>
@@ -4420,6 +4648,9 @@
               <a:t>public void term() {</a:t>
             </a:r>
             <a:endParaRPr b="0" lang="en-US" sz="1800" spc="-1" strike="noStrike">
+              <a:solidFill>
+                <a:srgbClr val="000000"/>
+              </a:solidFill>
               <a:latin typeface="Arial"/>
             </a:endParaRPr>
           </a:p>
@@ -4450,6 +4681,9 @@
               <a:t>factor();</a:t>
             </a:r>
             <a:endParaRPr b="0" lang="en-US" sz="1800" spc="-1" strike="noStrike">
+              <a:solidFill>
+                <a:srgbClr val="000000"/>
+              </a:solidFill>
               <a:latin typeface="Arial"/>
             </a:endParaRPr>
           </a:p>
@@ -4480,6 +4714,9 @@
               <a:t>while ( token.isType(TIMES) || token.isType(DIV) ) {</a:t>
             </a:r>
             <a:endParaRPr b="0" lang="en-US" sz="1800" spc="-1" strike="noStrike">
+              <a:solidFill>
+                <a:srgbClr val="000000"/>
+              </a:solidFill>
               <a:latin typeface="Arial"/>
             </a:endParaRPr>
           </a:p>
@@ -4510,6 +4747,9 @@
               <a:t>switch ( token.type ) {</a:t>
             </a:r>
             <a:endParaRPr b="0" lang="en-US" sz="1800" spc="-1" strike="noStrike">
+              <a:solidFill>
+                <a:srgbClr val="000000"/>
+              </a:solidFill>
               <a:latin typeface="Arial"/>
             </a:endParaRPr>
           </a:p>
@@ -4540,6 +4780,9 @@
               <a:t>case TIMES:  process(TIMES);  </a:t>
             </a:r>
             <a:endParaRPr b="0" lang="en-US" sz="1800" spc="-1" strike="noStrike">
+              <a:solidFill>
+                <a:srgbClr val="000000"/>
+              </a:solidFill>
               <a:latin typeface="Arial"/>
             </a:endParaRPr>
           </a:p>
@@ -4570,6 +4813,9 @@
               <a:t>break;</a:t>
             </a:r>
             <a:endParaRPr b="0" lang="en-US" sz="1800" spc="-1" strike="noStrike">
+              <a:solidFill>
+                <a:srgbClr val="000000"/>
+              </a:solidFill>
               <a:latin typeface="Arial"/>
             </a:endParaRPr>
           </a:p>
@@ -4600,6 +4846,9 @@
               <a:t>case DIV:  process(DIV);  </a:t>
             </a:r>
             <a:endParaRPr b="0" lang="en-US" sz="1800" spc="-1" strike="noStrike">
+              <a:solidFill>
+                <a:srgbClr val="000000"/>
+              </a:solidFill>
               <a:latin typeface="Arial"/>
             </a:endParaRPr>
           </a:p>
@@ -4630,6 +4879,9 @@
               <a:t>break;</a:t>
             </a:r>
             <a:endParaRPr b="0" lang="en-US" sz="1800" spc="-1" strike="noStrike">
+              <a:solidFill>
+                <a:srgbClr val="000000"/>
+              </a:solidFill>
               <a:latin typeface="Arial"/>
             </a:endParaRPr>
           </a:p>
@@ -4660,6 +4912,9 @@
               <a:t>}</a:t>
             </a:r>
             <a:endParaRPr b="0" lang="en-US" sz="1800" spc="-1" strike="noStrike">
+              <a:solidFill>
+                <a:srgbClr val="000000"/>
+              </a:solidFill>
               <a:latin typeface="Arial"/>
             </a:endParaRPr>
           </a:p>
@@ -4690,6 +4945,9 @@
               <a:t>factor();</a:t>
             </a:r>
             <a:endParaRPr b="0" lang="en-US" sz="1800" spc="-1" strike="noStrike">
+              <a:solidFill>
+                <a:srgbClr val="000000"/>
+              </a:solidFill>
               <a:latin typeface="Arial"/>
             </a:endParaRPr>
           </a:p>
@@ -4720,6 +4978,9 @@
               <a:t>}</a:t>
             </a:r>
             <a:endParaRPr b="0" lang="en-US" sz="1800" spc="-1" strike="noStrike">
+              <a:solidFill>
+                <a:srgbClr val="000000"/>
+              </a:solidFill>
               <a:latin typeface="Arial"/>
             </a:endParaRPr>
           </a:p>
@@ -4750,6 +5011,9 @@
               <a:t>}</a:t>
             </a:r>
             <a:endParaRPr b="0" lang="en-US" sz="1800" spc="-1" strike="noStrike">
+              <a:solidFill>
+                <a:srgbClr val="000000"/>
+              </a:solidFill>
               <a:latin typeface="Arial"/>
             </a:endParaRPr>
           </a:p>
@@ -4768,7 +5032,7 @@
         <p:spPr>
           <a:xfrm>
             <a:off x="327960" y="524520"/>
-            <a:ext cx="8290080" cy="836640"/>
+            <a:ext cx="8289720" cy="836280"/>
           </a:xfrm>
           <a:prstGeom prst="rect">
             <a:avLst/>
@@ -4779,7 +5043,7 @@
           </a:ln>
         </p:spPr>
         <p:txBody>
-          <a:bodyPr numCol="1" spcCol="0" anchor="t">
+          <a:bodyPr numCol="1" spcCol="0" lIns="90000" rIns="90000" tIns="45000" bIns="45000" anchor="t">
             <a:noAutofit/>
           </a:bodyPr>
           <a:p>
@@ -4788,6 +5052,9 @@
                 <a:spcPct val="100000"/>
               </a:lnSpc>
               <a:buNone/>
+              <a:tabLst>
+                <a:tab algn="l" pos="0"/>
+              </a:tabLst>
             </a:pPr>
             <a:r>
               <a:rPr b="0" lang="en-US" sz="3600" spc="-1" strike="noStrike">
@@ -4803,7 +5070,7 @@
               <a:solidFill>
                 <a:srgbClr val="000000"/>
               </a:solidFill>
-              <a:latin typeface="Rockwell"/>
+              <a:latin typeface="Arial"/>
             </a:endParaRPr>
           </a:p>
         </p:txBody>
@@ -4821,7 +5088,7 @@
         <p:spPr>
           <a:xfrm>
             <a:off x="1150560" y="4731840"/>
-            <a:ext cx="6688080" cy="517680"/>
+            <a:ext cx="6687720" cy="517320"/>
           </a:xfrm>
           <a:prstGeom prst="rect">
             <a:avLst/>
@@ -4832,7 +5099,7 @@
           </a:ln>
         </p:spPr>
         <p:txBody>
-          <a:bodyPr numCol="1" spcCol="0" anchor="t">
+          <a:bodyPr numCol="1" spcCol="0" lIns="90000" rIns="90000" tIns="45000" bIns="45000" anchor="t">
             <a:noAutofit/>
           </a:bodyPr>
           <a:p>
@@ -4930,9 +5197,9 @@
             </a:r>
             <a:endParaRPr b="0" lang="en-US" sz="2000" spc="-1" strike="noStrike">
               <a:solidFill>
-                <a:schemeClr val="accent1"/>
-              </a:solidFill>
-              <a:latin typeface="Cambria"/>
+                <a:srgbClr val="000000"/>
+              </a:solidFill>
+              <a:latin typeface="Arial"/>
             </a:endParaRPr>
           </a:p>
         </p:txBody>
@@ -4976,7 +5243,7 @@
         <p:spPr>
           <a:xfrm>
             <a:off x="215640" y="555480"/>
-            <a:ext cx="8763480" cy="4755960"/>
+            <a:ext cx="8763120" cy="4755600"/>
           </a:xfrm>
           <a:prstGeom prst="horizontalScroll">
             <a:avLst>
@@ -4988,10 +5255,7 @@
           </a:solidFill>
           <a:ln>
             <a:solidFill>
-              <a:srgbClr val="00529b">
-                <a:shade val="95000"/>
-                <a:satMod val="105000"/>
-              </a:srgbClr>
+              <a:srgbClr val="005097"/>
             </a:solidFill>
             <a:round/>
           </a:ln>
@@ -5051,6 +5315,9 @@
               <a:t>// … continued</a:t>
             </a:r>
             <a:endParaRPr b="0" lang="en-US" sz="1800" spc="-1" strike="noStrike">
+              <a:solidFill>
+                <a:srgbClr val="000000"/>
+              </a:solidFill>
               <a:latin typeface="Arial"/>
             </a:endParaRPr>
           </a:p>
@@ -5081,6 +5348,9 @@
               <a:t>public void term() {</a:t>
             </a:r>
             <a:endParaRPr b="0" lang="en-US" sz="1800" spc="-1" strike="noStrike">
+              <a:solidFill>
+                <a:srgbClr val="000000"/>
+              </a:solidFill>
               <a:latin typeface="Arial"/>
             </a:endParaRPr>
           </a:p>
@@ -5111,6 +5381,9 @@
               <a:t>factor();</a:t>
             </a:r>
             <a:endParaRPr b="0" lang="en-US" sz="1800" spc="-1" strike="noStrike">
+              <a:solidFill>
+                <a:srgbClr val="000000"/>
+              </a:solidFill>
               <a:latin typeface="Arial"/>
             </a:endParaRPr>
           </a:p>
@@ -5141,6 +5414,9 @@
               <a:t>while ( token.isType(TIMES) || token.isType(DIV) ) {</a:t>
             </a:r>
             <a:endParaRPr b="0" lang="en-US" sz="1800" spc="-1" strike="noStrike">
+              <a:solidFill>
+                <a:srgbClr val="000000"/>
+              </a:solidFill>
               <a:latin typeface="Arial"/>
             </a:endParaRPr>
           </a:p>
@@ -5171,6 +5447,9 @@
               <a:t>switch ( token.type ) {</a:t>
             </a:r>
             <a:endParaRPr b="0" lang="en-US" sz="1800" spc="-1" strike="noStrike">
+              <a:solidFill>
+                <a:srgbClr val="000000"/>
+              </a:solidFill>
               <a:latin typeface="Arial"/>
             </a:endParaRPr>
           </a:p>
@@ -5201,6 +5480,9 @@
               <a:t>case TIMES:  consume();</a:t>
             </a:r>
             <a:endParaRPr b="0" lang="en-US" sz="1800" spc="-1" strike="noStrike">
+              <a:solidFill>
+                <a:srgbClr val="000000"/>
+              </a:solidFill>
               <a:latin typeface="Arial"/>
             </a:endParaRPr>
           </a:p>
@@ -5231,6 +5513,9 @@
               <a:t>break;</a:t>
             </a:r>
             <a:endParaRPr b="0" lang="en-US" sz="1800" spc="-1" strike="noStrike">
+              <a:solidFill>
+                <a:srgbClr val="000000"/>
+              </a:solidFill>
               <a:latin typeface="Arial"/>
             </a:endParaRPr>
           </a:p>
@@ -5261,6 +5546,9 @@
               <a:t>case DIV:  consume();</a:t>
             </a:r>
             <a:endParaRPr b="0" lang="en-US" sz="1800" spc="-1" strike="noStrike">
+              <a:solidFill>
+                <a:srgbClr val="000000"/>
+              </a:solidFill>
               <a:latin typeface="Arial"/>
             </a:endParaRPr>
           </a:p>
@@ -5291,6 +5579,9 @@
               <a:t>break;</a:t>
             </a:r>
             <a:endParaRPr b="0" lang="en-US" sz="1800" spc="-1" strike="noStrike">
+              <a:solidFill>
+                <a:srgbClr val="000000"/>
+              </a:solidFill>
               <a:latin typeface="Arial"/>
             </a:endParaRPr>
           </a:p>
@@ -5321,6 +5612,9 @@
               <a:t>}</a:t>
             </a:r>
             <a:endParaRPr b="0" lang="en-US" sz="1800" spc="-1" strike="noStrike">
+              <a:solidFill>
+                <a:srgbClr val="000000"/>
+              </a:solidFill>
               <a:latin typeface="Arial"/>
             </a:endParaRPr>
           </a:p>
@@ -5351,6 +5645,9 @@
               <a:t>factor();</a:t>
             </a:r>
             <a:endParaRPr b="0" lang="en-US" sz="1800" spc="-1" strike="noStrike">
+              <a:solidFill>
+                <a:srgbClr val="000000"/>
+              </a:solidFill>
               <a:latin typeface="Arial"/>
             </a:endParaRPr>
           </a:p>
@@ -5381,6 +5678,9 @@
               <a:t>}</a:t>
             </a:r>
             <a:endParaRPr b="0" lang="en-US" sz="1800" spc="-1" strike="noStrike">
+              <a:solidFill>
+                <a:srgbClr val="000000"/>
+              </a:solidFill>
               <a:latin typeface="Arial"/>
             </a:endParaRPr>
           </a:p>
@@ -5411,6 +5711,9 @@
               <a:t>}</a:t>
             </a:r>
             <a:endParaRPr b="0" lang="en-US" sz="1800" spc="-1" strike="noStrike">
+              <a:solidFill>
+                <a:srgbClr val="000000"/>
+              </a:solidFill>
               <a:latin typeface="Arial"/>
             </a:endParaRPr>
           </a:p>
@@ -5429,7 +5732,7 @@
         <p:spPr>
           <a:xfrm>
             <a:off x="327960" y="524520"/>
-            <a:ext cx="8290080" cy="836640"/>
+            <a:ext cx="8289720" cy="836280"/>
           </a:xfrm>
           <a:prstGeom prst="rect">
             <a:avLst/>
@@ -5440,7 +5743,7 @@
           </a:ln>
         </p:spPr>
         <p:txBody>
-          <a:bodyPr numCol="1" spcCol="0" anchor="t">
+          <a:bodyPr numCol="1" spcCol="0" lIns="90000" rIns="90000" tIns="45000" bIns="45000" anchor="t">
             <a:noAutofit/>
           </a:bodyPr>
           <a:p>
@@ -5449,6 +5752,9 @@
                 <a:spcPct val="100000"/>
               </a:lnSpc>
               <a:buNone/>
+              <a:tabLst>
+                <a:tab algn="l" pos="0"/>
+              </a:tabLst>
             </a:pPr>
             <a:r>
               <a:rPr b="0" lang="en-US" sz="3600" spc="-1" strike="noStrike">
@@ -5464,7 +5770,7 @@
               <a:solidFill>
                 <a:srgbClr val="000000"/>
               </a:solidFill>
-              <a:latin typeface="Rockwell"/>
+              <a:latin typeface="Arial"/>
             </a:endParaRPr>
           </a:p>
         </p:txBody>
@@ -5482,7 +5788,7 @@
         <p:spPr>
           <a:xfrm>
             <a:off x="1150560" y="4742280"/>
-            <a:ext cx="6688080" cy="517680"/>
+            <a:ext cx="6687720" cy="517320"/>
           </a:xfrm>
           <a:prstGeom prst="rect">
             <a:avLst/>
@@ -5493,7 +5799,7 @@
           </a:ln>
         </p:spPr>
         <p:txBody>
-          <a:bodyPr numCol="1" spcCol="0" anchor="t">
+          <a:bodyPr numCol="1" spcCol="0" lIns="90000" rIns="90000" tIns="45000" bIns="45000" anchor="t">
             <a:noAutofit/>
           </a:bodyPr>
           <a:p>
@@ -5591,9 +5897,9 @@
             </a:r>
             <a:endParaRPr b="0" lang="en-US" sz="2000" spc="-1" strike="noStrike">
               <a:solidFill>
-                <a:schemeClr val="accent1"/>
-              </a:solidFill>
-              <a:latin typeface="Cambria"/>
+                <a:srgbClr val="000000"/>
+              </a:solidFill>
+              <a:latin typeface="Arial"/>
             </a:endParaRPr>
           </a:p>
         </p:txBody>
@@ -5637,7 +5943,7 @@
         <p:spPr>
           <a:xfrm>
             <a:off x="215640" y="555480"/>
-            <a:ext cx="8763480" cy="4755960"/>
+            <a:ext cx="8763120" cy="4755600"/>
           </a:xfrm>
           <a:prstGeom prst="horizontalScroll">
             <a:avLst>
@@ -5649,10 +5955,7 @@
           </a:solidFill>
           <a:ln>
             <a:solidFill>
-              <a:srgbClr val="00529b">
-                <a:shade val="95000"/>
-                <a:satMod val="105000"/>
-              </a:srgbClr>
+              <a:srgbClr val="005097"/>
             </a:solidFill>
             <a:round/>
           </a:ln>
@@ -5712,6 +6015,9 @@
               <a:t>// … continued</a:t>
             </a:r>
             <a:endParaRPr b="0" lang="en-US" sz="1800" spc="-1" strike="noStrike">
+              <a:solidFill>
+                <a:srgbClr val="000000"/>
+              </a:solidFill>
               <a:latin typeface="Arial"/>
             </a:endParaRPr>
           </a:p>
@@ -5742,6 +6048,9 @@
               <a:t>public void term() {</a:t>
             </a:r>
             <a:endParaRPr b="0" lang="en-US" sz="1800" spc="-1" strike="noStrike">
+              <a:solidFill>
+                <a:srgbClr val="000000"/>
+              </a:solidFill>
               <a:latin typeface="Arial"/>
             </a:endParaRPr>
           </a:p>
@@ -5772,6 +6081,9 @@
               <a:t>factor();</a:t>
             </a:r>
             <a:endParaRPr b="0" lang="en-US" sz="1800" spc="-1" strike="noStrike">
+              <a:solidFill>
+                <a:srgbClr val="000000"/>
+              </a:solidFill>
               <a:latin typeface="Arial"/>
             </a:endParaRPr>
           </a:p>
@@ -5802,6 +6114,9 @@
               <a:t>while ( token.isType(TIMES) || token.isType(DIV) ) {</a:t>
             </a:r>
             <a:endParaRPr b="0" lang="en-US" sz="1800" spc="-1" strike="noStrike">
+              <a:solidFill>
+                <a:srgbClr val="000000"/>
+              </a:solidFill>
               <a:latin typeface="Arial"/>
             </a:endParaRPr>
           </a:p>
@@ -5812,6 +6127,9 @@
               </a:lnSpc>
             </a:pPr>
             <a:endParaRPr b="0" lang="en-US" sz="1800" spc="-1" strike="noStrike">
+              <a:solidFill>
+                <a:srgbClr val="000000"/>
+              </a:solidFill>
               <a:latin typeface="Arial"/>
             </a:endParaRPr>
           </a:p>
@@ -5822,6 +6140,9 @@
               </a:lnSpc>
             </a:pPr>
             <a:endParaRPr b="0" lang="en-US" sz="1800" spc="-1" strike="noStrike">
+              <a:solidFill>
+                <a:srgbClr val="000000"/>
+              </a:solidFill>
               <a:latin typeface="Arial"/>
             </a:endParaRPr>
           </a:p>
@@ -5832,6 +6153,9 @@
               </a:lnSpc>
             </a:pPr>
             <a:endParaRPr b="0" lang="en-US" sz="1800" spc="-1" strike="noStrike">
+              <a:solidFill>
+                <a:srgbClr val="000000"/>
+              </a:solidFill>
               <a:latin typeface="Arial"/>
             </a:endParaRPr>
           </a:p>
@@ -5842,6 +6166,9 @@
               </a:lnSpc>
             </a:pPr>
             <a:endParaRPr b="0" lang="en-US" sz="1800" spc="-1" strike="noStrike">
+              <a:solidFill>
+                <a:srgbClr val="000000"/>
+              </a:solidFill>
               <a:latin typeface="Arial"/>
             </a:endParaRPr>
           </a:p>
@@ -5852,6 +6179,9 @@
               </a:lnSpc>
             </a:pPr>
             <a:endParaRPr b="0" lang="en-US" sz="1800" spc="-1" strike="noStrike">
+              <a:solidFill>
+                <a:srgbClr val="000000"/>
+              </a:solidFill>
               <a:latin typeface="Arial"/>
             </a:endParaRPr>
           </a:p>
@@ -5882,6 +6212,9 @@
               <a:t>consume();</a:t>
             </a:r>
             <a:endParaRPr b="0" lang="en-US" sz="1800" spc="-1" strike="noStrike">
+              <a:solidFill>
+                <a:srgbClr val="000000"/>
+              </a:solidFill>
               <a:latin typeface="Arial"/>
             </a:endParaRPr>
           </a:p>
@@ -5912,6 +6245,9 @@
               <a:t>factor();</a:t>
             </a:r>
             <a:endParaRPr b="0" lang="en-US" sz="1800" spc="-1" strike="noStrike">
+              <a:solidFill>
+                <a:srgbClr val="000000"/>
+              </a:solidFill>
               <a:latin typeface="Arial"/>
             </a:endParaRPr>
           </a:p>
@@ -5942,6 +6278,9 @@
               <a:t>}</a:t>
             </a:r>
             <a:endParaRPr b="0" lang="en-US" sz="1800" spc="-1" strike="noStrike">
+              <a:solidFill>
+                <a:srgbClr val="000000"/>
+              </a:solidFill>
               <a:latin typeface="Arial"/>
             </a:endParaRPr>
           </a:p>
@@ -5972,6 +6311,9 @@
               <a:t>}</a:t>
             </a:r>
             <a:endParaRPr b="0" lang="en-US" sz="1800" spc="-1" strike="noStrike">
+              <a:solidFill>
+                <a:srgbClr val="000000"/>
+              </a:solidFill>
               <a:latin typeface="Arial"/>
             </a:endParaRPr>
           </a:p>
@@ -5990,7 +6332,7 @@
         <p:spPr>
           <a:xfrm>
             <a:off x="327960" y="524520"/>
-            <a:ext cx="8290080" cy="836640"/>
+            <a:ext cx="8289720" cy="836280"/>
           </a:xfrm>
           <a:prstGeom prst="rect">
             <a:avLst/>
@@ -6001,7 +6343,7 @@
           </a:ln>
         </p:spPr>
         <p:txBody>
-          <a:bodyPr numCol="1" spcCol="0" anchor="t">
+          <a:bodyPr numCol="1" spcCol="0" lIns="90000" rIns="90000" tIns="45000" bIns="45000" anchor="t">
             <a:noAutofit/>
           </a:bodyPr>
           <a:p>
@@ -6010,6 +6352,9 @@
                 <a:spcPct val="100000"/>
               </a:lnSpc>
               <a:buNone/>
+              <a:tabLst>
+                <a:tab algn="l" pos="0"/>
+              </a:tabLst>
             </a:pPr>
             <a:r>
               <a:rPr b="0" lang="en-US" sz="3600" spc="-1" strike="noStrike">
@@ -6025,7 +6370,7 @@
               <a:solidFill>
                 <a:srgbClr val="000000"/>
               </a:solidFill>
-              <a:latin typeface="Rockwell"/>
+              <a:latin typeface="Arial"/>
             </a:endParaRPr>
           </a:p>
         </p:txBody>
@@ -6043,7 +6388,7 @@
         <p:spPr>
           <a:xfrm>
             <a:off x="1150560" y="4742280"/>
-            <a:ext cx="6688080" cy="517680"/>
+            <a:ext cx="6687720" cy="517320"/>
           </a:xfrm>
           <a:prstGeom prst="rect">
             <a:avLst/>
@@ -6054,7 +6399,7 @@
           </a:ln>
         </p:spPr>
         <p:txBody>
-          <a:bodyPr numCol="1" spcCol="0" anchor="t">
+          <a:bodyPr numCol="1" spcCol="0" lIns="90000" rIns="90000" tIns="45000" bIns="45000" anchor="t">
             <a:noAutofit/>
           </a:bodyPr>
           <a:p>
@@ -6152,9 +6497,9 @@
             </a:r>
             <a:endParaRPr b="0" lang="en-US" sz="2000" spc="-1" strike="noStrike">
               <a:solidFill>
-                <a:schemeClr val="accent1"/>
-              </a:solidFill>
-              <a:latin typeface="Cambria"/>
+                <a:srgbClr val="000000"/>
+              </a:solidFill>
+              <a:latin typeface="Arial"/>
             </a:endParaRPr>
           </a:p>
         </p:txBody>
@@ -6198,7 +6543,7 @@
         <p:spPr>
           <a:xfrm>
             <a:off x="215640" y="493920"/>
-            <a:ext cx="8732520" cy="4704480"/>
+            <a:ext cx="8732160" cy="4704120"/>
           </a:xfrm>
           <a:prstGeom prst="horizontalScroll">
             <a:avLst>
@@ -6210,10 +6555,7 @@
           </a:solidFill>
           <a:ln>
             <a:solidFill>
-              <a:srgbClr val="00529b">
-                <a:shade val="95000"/>
-                <a:satMod val="105000"/>
-              </a:srgbClr>
+              <a:srgbClr val="005097"/>
             </a:solidFill>
             <a:round/>
           </a:ln>
@@ -6273,6 +6615,9 @@
               <a:t>// … continued</a:t>
             </a:r>
             <a:endParaRPr b="0" lang="en-US" sz="1800" spc="-1" strike="noStrike">
+              <a:solidFill>
+                <a:srgbClr val="000000"/>
+              </a:solidFill>
               <a:latin typeface="Arial"/>
             </a:endParaRPr>
           </a:p>
@@ -6303,6 +6648,9 @@
               <a:t>public void factor() {</a:t>
             </a:r>
             <a:endParaRPr b="0" lang="en-US" sz="1800" spc="-1" strike="noStrike">
+              <a:solidFill>
+                <a:srgbClr val="000000"/>
+              </a:solidFill>
               <a:latin typeface="Arial"/>
             </a:endParaRPr>
           </a:p>
@@ -6333,6 +6681,9 @@
               <a:t>if ( token.isType(INT_LIT) ) { </a:t>
             </a:r>
             <a:endParaRPr b="0" lang="en-US" sz="1800" spc="-1" strike="noStrike">
+              <a:solidFill>
+                <a:srgbClr val="000000"/>
+              </a:solidFill>
               <a:latin typeface="Arial"/>
             </a:endParaRPr>
           </a:p>
@@ -6363,6 +6714,9 @@
               <a:t>process(INT_LIT);</a:t>
             </a:r>
             <a:endParaRPr b="0" lang="en-US" sz="1800" spc="-1" strike="noStrike">
+              <a:solidFill>
+                <a:srgbClr val="000000"/>
+              </a:solidFill>
               <a:latin typeface="Arial"/>
             </a:endParaRPr>
           </a:p>
@@ -6393,6 +6747,9 @@
               <a:t>}</a:t>
             </a:r>
             <a:endParaRPr b="0" lang="en-US" sz="1800" spc="-1" strike="noStrike">
+              <a:solidFill>
+                <a:srgbClr val="000000"/>
+              </a:solidFill>
               <a:latin typeface="Arial"/>
             </a:endParaRPr>
           </a:p>
@@ -6423,6 +6780,9 @@
               <a:t>else if ( token.isType(LPAREN) ) {</a:t>
             </a:r>
             <a:endParaRPr b="0" lang="en-US" sz="1800" spc="-1" strike="noStrike">
+              <a:solidFill>
+                <a:srgbClr val="000000"/>
+              </a:solidFill>
               <a:latin typeface="Arial"/>
             </a:endParaRPr>
           </a:p>
@@ -6453,6 +6813,9 @@
               <a:t>process(LPAREN);</a:t>
             </a:r>
             <a:endParaRPr b="0" lang="en-US" sz="1800" spc="-1" strike="noStrike">
+              <a:solidFill>
+                <a:srgbClr val="000000"/>
+              </a:solidFill>
               <a:latin typeface="Arial"/>
             </a:endParaRPr>
           </a:p>
@@ -6483,6 +6846,9 @@
               <a:t>expr();</a:t>
             </a:r>
             <a:endParaRPr b="0" lang="en-US" sz="1800" spc="-1" strike="noStrike">
+              <a:solidFill>
+                <a:srgbClr val="000000"/>
+              </a:solidFill>
               <a:latin typeface="Arial"/>
             </a:endParaRPr>
           </a:p>
@@ -6513,6 +6879,9 @@
               <a:t>process(RPAREN);</a:t>
             </a:r>
             <a:endParaRPr b="0" lang="en-US" sz="1800" spc="-1" strike="noStrike">
+              <a:solidFill>
+                <a:srgbClr val="000000"/>
+              </a:solidFill>
               <a:latin typeface="Arial"/>
             </a:endParaRPr>
           </a:p>
@@ -6543,6 +6912,9 @@
               <a:t>}</a:t>
             </a:r>
             <a:endParaRPr b="0" lang="en-US" sz="1800" spc="-1" strike="noStrike">
+              <a:solidFill>
+                <a:srgbClr val="000000"/>
+              </a:solidFill>
               <a:latin typeface="Arial"/>
             </a:endParaRPr>
           </a:p>
@@ -6573,6 +6945,9 @@
               <a:t>else // handle error</a:t>
             </a:r>
             <a:endParaRPr b="0" lang="en-US" sz="1800" spc="-1" strike="noStrike">
+              <a:solidFill>
+                <a:srgbClr val="000000"/>
+              </a:solidFill>
               <a:latin typeface="Arial"/>
             </a:endParaRPr>
           </a:p>
@@ -6603,6 +6978,9 @@
               <a:t>}</a:t>
             </a:r>
             <a:endParaRPr b="0" lang="en-US" sz="1800" spc="-1" strike="noStrike">
+              <a:solidFill>
+                <a:srgbClr val="000000"/>
+              </a:solidFill>
               <a:latin typeface="Arial"/>
             </a:endParaRPr>
           </a:p>
@@ -6623,6 +7001,9 @@
               <a:t>}// end of class</a:t>
             </a:r>
             <a:endParaRPr b="0" lang="en-US" sz="1800" spc="-1" strike="noStrike">
+              <a:solidFill>
+                <a:srgbClr val="000000"/>
+              </a:solidFill>
               <a:latin typeface="Arial"/>
             </a:endParaRPr>
           </a:p>
@@ -6641,7 +7022,7 @@
         <p:spPr>
           <a:xfrm>
             <a:off x="327960" y="524520"/>
-            <a:ext cx="8290080" cy="836640"/>
+            <a:ext cx="8289720" cy="836280"/>
           </a:xfrm>
           <a:prstGeom prst="rect">
             <a:avLst/>
@@ -6652,7 +7033,7 @@
           </a:ln>
         </p:spPr>
         <p:txBody>
-          <a:bodyPr numCol="1" spcCol="0" anchor="t">
+          <a:bodyPr numCol="1" spcCol="0" lIns="90000" rIns="90000" tIns="45000" bIns="45000" anchor="t">
             <a:noAutofit/>
           </a:bodyPr>
           <a:p>
@@ -6661,6 +7042,9 @@
                 <a:spcPct val="100000"/>
               </a:lnSpc>
               <a:buNone/>
+              <a:tabLst>
+                <a:tab algn="l" pos="0"/>
+              </a:tabLst>
             </a:pPr>
             <a:r>
               <a:rPr b="0" lang="en-US" sz="3600" spc="-1" strike="noStrike">
@@ -6676,7 +7060,7 @@
               <a:solidFill>
                 <a:srgbClr val="000000"/>
               </a:solidFill>
-              <a:latin typeface="Rockwell"/>
+              <a:latin typeface="Arial"/>
             </a:endParaRPr>
           </a:p>
         </p:txBody>
@@ -6694,7 +7078,7 @@
         <p:spPr>
           <a:xfrm>
             <a:off x="1150560" y="4701240"/>
-            <a:ext cx="6811560" cy="517680"/>
+            <a:ext cx="6811200" cy="517320"/>
           </a:xfrm>
           <a:prstGeom prst="rect">
             <a:avLst/>
@@ -6705,7 +7089,7 @@
           </a:ln>
         </p:spPr>
         <p:txBody>
-          <a:bodyPr numCol="1" spcCol="0" anchor="t">
+          <a:bodyPr numCol="1" spcCol="0" lIns="90000" rIns="90000" tIns="45000" bIns="45000" anchor="t">
             <a:noAutofit/>
           </a:bodyPr>
           <a:p>
@@ -6783,9 +7167,9 @@
             </a:r>
             <a:endParaRPr b="0" lang="en-US" sz="2000" spc="-1" strike="noStrike">
               <a:solidFill>
-                <a:schemeClr val="accent1"/>
-              </a:solidFill>
-              <a:latin typeface="Cambria"/>
+                <a:srgbClr val="000000"/>
+              </a:solidFill>
+              <a:latin typeface="Arial"/>
             </a:endParaRPr>
           </a:p>
         </p:txBody>
@@ -6833,7 +7217,7 @@
         <p:spPr>
           <a:xfrm>
             <a:off x="327960" y="524520"/>
-            <a:ext cx="8290080" cy="836640"/>
+            <a:ext cx="8289720" cy="836280"/>
           </a:xfrm>
           <a:prstGeom prst="rect">
             <a:avLst/>
@@ -6844,7 +7228,7 @@
           </a:ln>
         </p:spPr>
         <p:txBody>
-          <a:bodyPr numCol="1" spcCol="0" anchor="t">
+          <a:bodyPr numCol="1" spcCol="0" lIns="90000" rIns="90000" tIns="45000" bIns="45000" anchor="t">
             <a:noAutofit/>
           </a:bodyPr>
           <a:p>
@@ -6853,6 +7237,9 @@
                 <a:spcPct val="100000"/>
               </a:lnSpc>
               <a:buNone/>
+              <a:tabLst>
+                <a:tab algn="l" pos="0"/>
+              </a:tabLst>
             </a:pPr>
             <a:r>
               <a:rPr b="0" lang="en-US" sz="3600" spc="-1" strike="noStrike">
@@ -6892,7 +7279,17 @@
                 <a:latin typeface="Consolas"/>
                 <a:ea typeface="MS PGothic"/>
               </a:rPr>
-              <a:t>4 * 5 )</a:t>
+              <a:t>4 * </a:t>
+            </a:r>
+            <a:r>
+              <a:rPr b="0" lang="en-US" sz="3600" spc="-1" strike="noStrike">
+                <a:solidFill>
+                  <a:srgbClr val="000000"/>
+                </a:solidFill>
+                <a:latin typeface="Consolas"/>
+                <a:ea typeface="MS PGothic"/>
+              </a:rPr>
+              <a:t>5 )</a:t>
             </a:r>
             <a:br>
               <a:rPr sz="3600"/>
@@ -6901,7 +7298,7 @@
               <a:solidFill>
                 <a:srgbClr val="000000"/>
               </a:solidFill>
-              <a:latin typeface="Rockwell"/>
+              <a:latin typeface="Arial"/>
             </a:endParaRPr>
           </a:p>
         </p:txBody>
@@ -6919,7 +7316,7 @@
         <p:spPr>
           <a:xfrm>
             <a:off x="327960" y="1361520"/>
-            <a:ext cx="8488080" cy="3256920"/>
+            <a:ext cx="8487720" cy="3256560"/>
           </a:xfrm>
           <a:prstGeom prst="rect">
             <a:avLst/>
@@ -6930,7 +7327,7 @@
           </a:ln>
         </p:spPr>
         <p:txBody>
-          <a:bodyPr numCol="1" spcCol="0" anchor="t">
+          <a:bodyPr numCol="1" spcCol="0" lIns="90000" rIns="90000" tIns="45000" bIns="45000" anchor="t">
             <a:noAutofit/>
           </a:bodyPr>
           <a:p>
@@ -6958,9 +7355,9 @@
             </a:r>
             <a:endParaRPr b="0" lang="en-US" sz="2000" spc="-1" strike="noStrike">
               <a:solidFill>
-                <a:schemeClr val="accent1"/>
-              </a:solidFill>
-              <a:latin typeface="Cambria"/>
+                <a:srgbClr val="000000"/>
+              </a:solidFill>
+              <a:latin typeface="Arial"/>
             </a:endParaRPr>
           </a:p>
           <a:p>
@@ -6998,9 +7395,9 @@
             </a:r>
             <a:endParaRPr b="0" lang="en-US" sz="2000" spc="-1" strike="noStrike">
               <a:solidFill>
-                <a:schemeClr val="accent1"/>
-              </a:solidFill>
-              <a:latin typeface="Cambria"/>
+                <a:srgbClr val="000000"/>
+              </a:solidFill>
+              <a:latin typeface="Arial"/>
             </a:endParaRPr>
           </a:p>
           <a:p>
@@ -7038,9 +7435,9 @@
             </a:r>
             <a:endParaRPr b="0" lang="en-US" sz="2000" spc="-1" strike="noStrike">
               <a:solidFill>
-                <a:schemeClr val="accent1"/>
-              </a:solidFill>
-              <a:latin typeface="Cambria"/>
+                <a:srgbClr val="000000"/>
+              </a:solidFill>
+              <a:latin typeface="Arial"/>
             </a:endParaRPr>
           </a:p>
           <a:p>
@@ -7078,9 +7475,9 @@
             </a:r>
             <a:endParaRPr b="0" lang="en-US" sz="2000" spc="-1" strike="noStrike">
               <a:solidFill>
-                <a:schemeClr val="accent1"/>
-              </a:solidFill>
-              <a:latin typeface="Cambria"/>
+                <a:srgbClr val="000000"/>
+              </a:solidFill>
+              <a:latin typeface="Arial"/>
             </a:endParaRPr>
           </a:p>
           <a:p>
@@ -7118,9 +7515,9 @@
             </a:r>
             <a:endParaRPr b="0" lang="en-US" sz="2000" spc="-1" strike="noStrike">
               <a:solidFill>
-                <a:schemeClr val="accent1"/>
-              </a:solidFill>
-              <a:latin typeface="Cambria"/>
+                <a:srgbClr val="000000"/>
+              </a:solidFill>
+              <a:latin typeface="Arial"/>
             </a:endParaRPr>
           </a:p>
           <a:p>
@@ -7181,9 +7578,9 @@
             </a:r>
             <a:endParaRPr b="0" lang="en-US" sz="2000" spc="-1" strike="noStrike">
               <a:solidFill>
-                <a:schemeClr val="accent1"/>
-              </a:solidFill>
-              <a:latin typeface="Cambria"/>
+                <a:srgbClr val="000000"/>
+              </a:solidFill>
+              <a:latin typeface="Arial"/>
             </a:endParaRPr>
           </a:p>
           <a:p>
@@ -7221,9 +7618,9 @@
             </a:r>
             <a:endParaRPr b="0" lang="en-US" sz="2000" spc="-1" strike="noStrike">
               <a:solidFill>
-                <a:schemeClr val="accent1"/>
-              </a:solidFill>
-              <a:latin typeface="Cambria"/>
+                <a:srgbClr val="000000"/>
+              </a:solidFill>
+              <a:latin typeface="Arial"/>
             </a:endParaRPr>
           </a:p>
         </p:txBody>
@@ -7266,7 +7663,7 @@
         </p:nvGraphicFramePr>
         <p:xfrm>
           <a:off x="133200" y="128160"/>
-          <a:ext cx="8863200" cy="4078800"/>
+          <a:ext cx="8862840" cy="4929120"/>
         </p:xfrm>
         <a:graphic>
           <a:graphicData uri="http://schemas.openxmlformats.org/drawingml/2006/table">
@@ -7299,6 +7696,9 @@
                         <a:t>Production Match</a:t>
                       </a:r>
                       <a:endParaRPr b="0" lang="en-US" sz="1800" spc="-1" strike="noStrike">
+                        <a:solidFill>
+                          <a:srgbClr val="000000"/>
+                        </a:solidFill>
                         <a:latin typeface="Arial"/>
                       </a:endParaRPr>
                     </a:p>
@@ -7350,6 +7750,9 @@
                         <a:t>Token</a:t>
                       </a:r>
                       <a:endParaRPr b="0" lang="en-US" sz="1800" spc="-1" strike="noStrike">
+                        <a:solidFill>
+                          <a:srgbClr val="000000"/>
+                        </a:solidFill>
                         <a:latin typeface="Arial"/>
                       </a:endParaRPr>
                     </a:p>
@@ -7401,6 +7804,9 @@
                         <a:t>Code Step(s)</a:t>
                       </a:r>
                       <a:endParaRPr b="0" lang="en-US" sz="1800" spc="-1" strike="noStrike">
+                        <a:solidFill>
+                          <a:srgbClr val="000000"/>
+                        </a:solidFill>
                         <a:latin typeface="Arial"/>
                       </a:endParaRPr>
                     </a:p>
@@ -7454,6 +7860,9 @@
                         <a:t>expr</a:t>
                       </a:r>
                       <a:endParaRPr b="0" lang="en-US" sz="1800" spc="-1" strike="noStrike">
+                        <a:solidFill>
+                          <a:srgbClr val="000000"/>
+                        </a:solidFill>
                         <a:latin typeface="Arial"/>
                       </a:endParaRPr>
                     </a:p>
@@ -7514,6 +7923,9 @@
                         <a:t> – ( 4 * 5 )</a:t>
                       </a:r>
                       <a:endParaRPr b="0" lang="en-US" sz="1800" spc="-1" strike="noStrike">
+                        <a:solidFill>
+                          <a:srgbClr val="000000"/>
+                        </a:solidFill>
                         <a:latin typeface="Arial"/>
                       </a:endParaRPr>
                     </a:p>
@@ -7565,6 +7977,9 @@
                         <a:t>expr()</a:t>
                       </a:r>
                       <a:endParaRPr b="0" lang="en-US" sz="1800" spc="-1" strike="noStrike">
+                        <a:solidFill>
+                          <a:srgbClr val="000000"/>
+                        </a:solidFill>
                         <a:latin typeface="Arial"/>
                       </a:endParaRPr>
                     </a:p>
@@ -7663,6 +8078,9 @@
                         <a:t>)term)*</a:t>
                       </a:r>
                       <a:endParaRPr b="0" lang="en-US" sz="1800" spc="-1" strike="noStrike">
+                        <a:solidFill>
+                          <a:srgbClr val="000000"/>
+                        </a:solidFill>
                         <a:latin typeface="Arial"/>
                       </a:endParaRPr>
                     </a:p>
@@ -7723,6 +8141,9 @@
                         <a:t> – ( 4 * 5 )</a:t>
                       </a:r>
                       <a:endParaRPr b="0" lang="en-US" sz="1800" spc="-1" strike="noStrike">
+                        <a:solidFill>
+                          <a:srgbClr val="000000"/>
+                        </a:solidFill>
                         <a:latin typeface="Arial"/>
                       </a:endParaRPr>
                     </a:p>
@@ -7774,6 +8195,9 @@
                         <a:t>term()</a:t>
                       </a:r>
                       <a:endParaRPr b="0" lang="en-US" sz="1800" spc="-1" strike="noStrike">
+                        <a:solidFill>
+                          <a:srgbClr val="000000"/>
+                        </a:solidFill>
                         <a:latin typeface="Arial"/>
                       </a:endParaRPr>
                     </a:p>
@@ -7872,6 +8296,9 @@
                         <a:t>)term)*</a:t>
                       </a:r>
                       <a:endParaRPr b="0" lang="en-US" sz="1800" spc="-1" strike="noStrike">
+                        <a:solidFill>
+                          <a:srgbClr val="000000"/>
+                        </a:solidFill>
                         <a:latin typeface="Arial"/>
                       </a:endParaRPr>
                     </a:p>
@@ -7932,6 +8359,9 @@
                         <a:t> – ( 4 * 5 )</a:t>
                       </a:r>
                       <a:endParaRPr b="0" lang="en-US" sz="1800" spc="-1" strike="noStrike">
+                        <a:solidFill>
+                          <a:srgbClr val="000000"/>
+                        </a:solidFill>
                         <a:latin typeface="Arial"/>
                       </a:endParaRPr>
                     </a:p>
@@ -7983,6 +8413,9 @@
                         <a:t>factor()</a:t>
                       </a:r>
                       <a:endParaRPr b="0" lang="en-US" sz="1800" spc="-1" strike="noStrike">
+                        <a:solidFill>
+                          <a:srgbClr val="000000"/>
+                        </a:solidFill>
                         <a:latin typeface="Arial"/>
                       </a:endParaRPr>
                     </a:p>
@@ -8093,6 +8526,9 @@
                         <a:t>)term)*</a:t>
                       </a:r>
                       <a:endParaRPr b="0" lang="en-US" sz="1800" spc="-1" strike="noStrike">
+                        <a:solidFill>
+                          <a:srgbClr val="000000"/>
+                        </a:solidFill>
                         <a:latin typeface="Arial"/>
                       </a:endParaRPr>
                     </a:p>
@@ -8153,6 +8589,9 @@
                         <a:t> – ( 4 * 5 )</a:t>
                       </a:r>
                       <a:endParaRPr b="0" lang="en-US" sz="1800" spc="-1" strike="noStrike">
+                        <a:solidFill>
+                          <a:srgbClr val="000000"/>
+                        </a:solidFill>
                         <a:latin typeface="Arial"/>
                       </a:endParaRPr>
                     </a:p>
@@ -8213,6 +8652,9 @@
                         <a:t>INT_LIT</a:t>
                       </a:r>
                       <a:endParaRPr b="0" lang="en-US" sz="1800" spc="-1" strike="noStrike">
+                        <a:solidFill>
+                          <a:srgbClr val="000000"/>
+                        </a:solidFill>
                         <a:latin typeface="Arial"/>
                       </a:endParaRPr>
                     </a:p>
@@ -8232,6 +8674,9 @@
                         <a:t>consume()</a:t>
                       </a:r>
                       <a:endParaRPr b="0" lang="en-US" sz="1800" spc="-1" strike="noStrike">
+                        <a:solidFill>
+                          <a:srgbClr val="000000"/>
+                        </a:solidFill>
                         <a:latin typeface="Arial"/>
                       </a:endParaRPr>
                     </a:p>
@@ -8260,6 +8705,9 @@
                         <a:t>factor()</a:t>
                       </a:r>
                       <a:endParaRPr b="0" lang="en-US" sz="1800" spc="-1" strike="noStrike">
+                        <a:solidFill>
+                          <a:srgbClr val="000000"/>
+                        </a:solidFill>
                         <a:latin typeface="Arial"/>
                       </a:endParaRPr>
                     </a:p>
@@ -8358,6 +8806,9 @@
                         <a:t>)term)*</a:t>
                       </a:r>
                       <a:endParaRPr b="0" lang="en-US" sz="1800" spc="-1" strike="noStrike">
+                        <a:solidFill>
+                          <a:srgbClr val="000000"/>
+                        </a:solidFill>
                         <a:latin typeface="Arial"/>
                       </a:endParaRPr>
                     </a:p>
@@ -8427,6 +8878,9 @@
                         <a:t>( 4 * 5 )</a:t>
                       </a:r>
                       <a:endParaRPr b="0" lang="en-US" sz="1800" spc="-1" strike="noStrike">
+                        <a:solidFill>
+                          <a:srgbClr val="000000"/>
+                        </a:solidFill>
                         <a:latin typeface="Arial"/>
                       </a:endParaRPr>
                     </a:p>
@@ -8487,6 +8941,9 @@
                         <a:t>term()</a:t>
                       </a:r>
                       <a:endParaRPr b="0" lang="en-US" sz="1800" spc="-1" strike="noStrike">
+                        <a:solidFill>
+                          <a:srgbClr val="000000"/>
+                        </a:solidFill>
                         <a:latin typeface="Arial"/>
                       </a:endParaRPr>
                     </a:p>
@@ -8585,6 +9042,9 @@
                         <a:t>*</a:t>
                       </a:r>
                       <a:endParaRPr b="0" lang="en-US" sz="1800" spc="-1" strike="noStrike">
+                        <a:solidFill>
+                          <a:srgbClr val="000000"/>
+                        </a:solidFill>
                         <a:latin typeface="Arial"/>
                       </a:endParaRPr>
                     </a:p>
@@ -8654,6 +9114,9 @@
                         <a:t>( 4 * 5 )</a:t>
                       </a:r>
                       <a:endParaRPr b="0" lang="en-US" sz="1800" spc="-1" strike="noStrike">
+                        <a:solidFill>
+                          <a:srgbClr val="000000"/>
+                        </a:solidFill>
                         <a:latin typeface="Arial"/>
                       </a:endParaRPr>
                     </a:p>
@@ -8741,6 +9204,9 @@
                         <a:t>-</a:t>
                       </a:r>
                       <a:endParaRPr b="0" lang="en-US" sz="1800" spc="-1" strike="noStrike">
+                        <a:solidFill>
+                          <a:srgbClr val="000000"/>
+                        </a:solidFill>
                         <a:latin typeface="Arial"/>
                       </a:endParaRPr>
                     </a:p>
@@ -8869,6 +9335,9 @@
                         <a:t>)*</a:t>
                       </a:r>
                       <a:endParaRPr b="0" lang="en-US" sz="1800" spc="-1" strike="noStrike">
+                        <a:solidFill>
+                          <a:srgbClr val="000000"/>
+                        </a:solidFill>
                         <a:latin typeface="Arial"/>
                       </a:endParaRPr>
                     </a:p>
@@ -8941,6 +9410,9 @@
                         <a:t>( 4 * 5 )</a:t>
                       </a:r>
                       <a:endParaRPr b="0" lang="en-US" sz="1800" spc="-1" strike="noStrike">
+                        <a:solidFill>
+                          <a:srgbClr val="000000"/>
+                        </a:solidFill>
                         <a:latin typeface="Arial"/>
                       </a:endParaRPr>
                     </a:p>
@@ -9004,6 +9476,9 @@
                         <a:t>terms</a:t>
                       </a:r>
                       <a:endParaRPr b="0" lang="en-US" sz="1800" spc="-1" strike="noStrike">
+                        <a:solidFill>
+                          <a:srgbClr val="000000"/>
+                        </a:solidFill>
                         <a:latin typeface="Arial"/>
                       </a:endParaRPr>
                     </a:p>
@@ -9026,6 +9501,9 @@
                         <a:t>consume()</a:t>
                       </a:r>
                       <a:endParaRPr b="0" lang="en-US" sz="1800" spc="-1" strike="noStrike">
+                        <a:solidFill>
+                          <a:srgbClr val="000000"/>
+                        </a:solidFill>
                         <a:latin typeface="Arial"/>
                       </a:endParaRPr>
                     </a:p>
@@ -9145,6 +9623,9 @@
                         <a:t>)*</a:t>
                       </a:r>
                       <a:endParaRPr b="0" lang="en-US" sz="1800" spc="-1" strike="noStrike">
+                        <a:solidFill>
+                          <a:srgbClr val="000000"/>
+                        </a:solidFill>
                         <a:latin typeface="Arial"/>
                       </a:endParaRPr>
                     </a:p>
@@ -9208,6 +9689,9 @@
                         <a:t> 4 * 5 )</a:t>
                       </a:r>
                       <a:endParaRPr b="0" lang="en-US" sz="1800" spc="-1" strike="noStrike">
+                        <a:solidFill>
+                          <a:srgbClr val="000000"/>
+                        </a:solidFill>
                         <a:latin typeface="Arial"/>
                       </a:endParaRPr>
                     </a:p>
@@ -9262,6 +9746,9 @@
                         <a:t>term()</a:t>
                       </a:r>
                       <a:endParaRPr b="0" lang="en-US" sz="1800" spc="-1" strike="noStrike">
+                        <a:solidFill>
+                          <a:srgbClr val="000000"/>
+                        </a:solidFill>
                         <a:latin typeface="Arial"/>
                       </a:endParaRPr>
                     </a:p>
@@ -9408,6 +9895,9 @@
                         <a:t>)*</a:t>
                       </a:r>
                       <a:endParaRPr b="0" lang="en-US" sz="1800" spc="-1" strike="noStrike">
+                        <a:solidFill>
+                          <a:srgbClr val="000000"/>
+                        </a:solidFill>
                         <a:latin typeface="Arial"/>
                       </a:endParaRPr>
                     </a:p>
@@ -9471,6 +9961,9 @@
                         <a:t> 4 * 5 )</a:t>
                       </a:r>
                       <a:endParaRPr b="0" lang="en-US" sz="1800" spc="-1" strike="noStrike">
+                        <a:solidFill>
+                          <a:srgbClr val="000000"/>
+                        </a:solidFill>
                         <a:latin typeface="Arial"/>
                       </a:endParaRPr>
                     </a:p>
@@ -9525,6 +10018,9 @@
                         <a:t>factor()</a:t>
                       </a:r>
                       <a:endParaRPr b="0" lang="en-US" sz="1800" spc="-1" strike="noStrike">
+                        <a:solidFill>
+                          <a:srgbClr val="000000"/>
+                        </a:solidFill>
                         <a:latin typeface="Arial"/>
                       </a:endParaRPr>
                     </a:p>
@@ -9689,6 +10185,9 @@
                         <a:t>)*</a:t>
                       </a:r>
                       <a:endParaRPr b="0" lang="en-US" sz="1800" spc="-1" strike="noStrike">
+                        <a:solidFill>
+                          <a:srgbClr val="000000"/>
+                        </a:solidFill>
                         <a:latin typeface="Arial"/>
                       </a:endParaRPr>
                     </a:p>
@@ -9752,6 +10251,9 @@
                         <a:t> 4 * 5 )</a:t>
                       </a:r>
                       <a:endParaRPr b="0" lang="en-US" sz="1800" spc="-1" strike="noStrike">
+                        <a:solidFill>
+                          <a:srgbClr val="000000"/>
+                        </a:solidFill>
                         <a:latin typeface="Arial"/>
                       </a:endParaRPr>
                     </a:p>
@@ -9824,6 +10326,9 @@
                         <a:t> consume()</a:t>
                       </a:r>
                       <a:endParaRPr b="0" lang="en-US" sz="1800" spc="-1" strike="noStrike">
+                        <a:solidFill>
+                          <a:srgbClr val="000000"/>
+                        </a:solidFill>
                         <a:latin typeface="Arial"/>
                       </a:endParaRPr>
                     </a:p>
@@ -9897,7 +10402,7 @@
         </p:nvGraphicFramePr>
         <p:xfrm>
           <a:off x="133200" y="128160"/>
-          <a:ext cx="8863200" cy="4078800"/>
+          <a:ext cx="8862840" cy="4929120"/>
         </p:xfrm>
         <a:graphic>
           <a:graphicData uri="http://schemas.openxmlformats.org/drawingml/2006/table">
@@ -9930,6 +10435,9 @@
                         <a:t>Production Match</a:t>
                       </a:r>
                       <a:endParaRPr b="0" lang="en-US" sz="1800" spc="-1" strike="noStrike">
+                        <a:solidFill>
+                          <a:srgbClr val="000000"/>
+                        </a:solidFill>
                         <a:latin typeface="Arial"/>
                       </a:endParaRPr>
                     </a:p>
@@ -9981,6 +10489,9 @@
                         <a:t>Token</a:t>
                       </a:r>
                       <a:endParaRPr b="0" lang="en-US" sz="1800" spc="-1" strike="noStrike">
+                        <a:solidFill>
+                          <a:srgbClr val="000000"/>
+                        </a:solidFill>
                         <a:latin typeface="Arial"/>
                       </a:endParaRPr>
                     </a:p>
@@ -10032,6 +10543,9 @@
                         <a:t>Code Step(s)</a:t>
                       </a:r>
                       <a:endParaRPr b="0" lang="en-US" sz="1800" spc="-1" strike="noStrike">
+                        <a:solidFill>
+                          <a:srgbClr val="000000"/>
+                        </a:solidFill>
                         <a:latin typeface="Arial"/>
                       </a:endParaRPr>
                     </a:p>
@@ -10085,6 +10599,9 @@
                         <a:t>expr</a:t>
                       </a:r>
                       <a:endParaRPr b="0" lang="en-US" sz="1800" spc="-1" strike="noStrike">
+                        <a:solidFill>
+                          <a:srgbClr val="000000"/>
+                        </a:solidFill>
                         <a:latin typeface="Arial"/>
                       </a:endParaRPr>
                     </a:p>
@@ -10145,6 +10662,9 @@
                         <a:t> – ( 4 * 5 )</a:t>
                       </a:r>
                       <a:endParaRPr b="0" lang="en-US" sz="1800" spc="-1" strike="noStrike">
+                        <a:solidFill>
+                          <a:srgbClr val="000000"/>
+                        </a:solidFill>
                         <a:latin typeface="Arial"/>
                       </a:endParaRPr>
                     </a:p>
@@ -10196,6 +10716,9 @@
                         <a:t>expr()</a:t>
                       </a:r>
                       <a:endParaRPr b="0" lang="en-US" sz="1800" spc="-1" strike="noStrike">
+                        <a:solidFill>
+                          <a:srgbClr val="000000"/>
+                        </a:solidFill>
                         <a:latin typeface="Arial"/>
                       </a:endParaRPr>
                     </a:p>
@@ -10285,6 +10808,9 @@
                         <a:t>)term)*</a:t>
                       </a:r>
                       <a:endParaRPr b="0" lang="en-US" sz="1800" spc="-1" strike="noStrike">
+                        <a:solidFill>
+                          <a:srgbClr val="000000"/>
+                        </a:solidFill>
                         <a:latin typeface="Arial"/>
                       </a:endParaRPr>
                     </a:p>
@@ -10345,6 +10871,9 @@
                         <a:t> – ( 4 * 5 )</a:t>
                       </a:r>
                       <a:endParaRPr b="0" lang="en-US" sz="1800" spc="-1" strike="noStrike">
+                        <a:solidFill>
+                          <a:srgbClr val="000000"/>
+                        </a:solidFill>
                         <a:latin typeface="Arial"/>
                       </a:endParaRPr>
                     </a:p>
@@ -10396,6 +10925,9 @@
                         <a:t>term()</a:t>
                       </a:r>
                       <a:endParaRPr b="0" lang="en-US" sz="1800" spc="-1" strike="noStrike">
+                        <a:solidFill>
+                          <a:srgbClr val="000000"/>
+                        </a:solidFill>
                         <a:latin typeface="Arial"/>
                       </a:endParaRPr>
                     </a:p>
@@ -10521,6 +11053,9 @@
                         <a:t>)term)*</a:t>
                       </a:r>
                       <a:endParaRPr b="0" lang="en-US" sz="1800" spc="-1" strike="noStrike">
+                        <a:solidFill>
+                          <a:srgbClr val="000000"/>
+                        </a:solidFill>
                         <a:latin typeface="Arial"/>
                       </a:endParaRPr>
                     </a:p>
@@ -10581,6 +11116,9 @@
                         <a:t> – ( 4 * 5 )</a:t>
                       </a:r>
                       <a:endParaRPr b="0" lang="en-US" sz="1800" spc="-1" strike="noStrike">
+                        <a:solidFill>
+                          <a:srgbClr val="000000"/>
+                        </a:solidFill>
                         <a:latin typeface="Arial"/>
                       </a:endParaRPr>
                     </a:p>
@@ -10632,6 +11170,9 @@
                         <a:t>factor()</a:t>
                       </a:r>
                       <a:endParaRPr b="0" lang="en-US" sz="1800" spc="-1" strike="noStrike">
+                        <a:solidFill>
+                          <a:srgbClr val="000000"/>
+                        </a:solidFill>
                         <a:latin typeface="Arial"/>
                       </a:endParaRPr>
                     </a:p>
@@ -10769,6 +11310,9 @@
                         <a:t>)term)*</a:t>
                       </a:r>
                       <a:endParaRPr b="0" lang="en-US" sz="1800" spc="-1" strike="noStrike">
+                        <a:solidFill>
+                          <a:srgbClr val="000000"/>
+                        </a:solidFill>
                         <a:latin typeface="Arial"/>
                       </a:endParaRPr>
                     </a:p>
@@ -10829,6 +11373,9 @@
                         <a:t> – ( 4 * 5 )</a:t>
                       </a:r>
                       <a:endParaRPr b="0" lang="en-US" sz="1800" spc="-1" strike="noStrike">
+                        <a:solidFill>
+                          <a:srgbClr val="000000"/>
+                        </a:solidFill>
                         <a:latin typeface="Arial"/>
                       </a:endParaRPr>
                     </a:p>
@@ -10889,6 +11436,9 @@
                         <a:t>INT_LIT</a:t>
                       </a:r>
                       <a:endParaRPr b="0" lang="en-US" sz="1800" spc="-1" strike="noStrike">
+                        <a:solidFill>
+                          <a:srgbClr val="000000"/>
+                        </a:solidFill>
                         <a:latin typeface="Arial"/>
                       </a:endParaRPr>
                     </a:p>
@@ -10917,6 +11467,9 @@
                         <a:t>()</a:t>
                       </a:r>
                       <a:endParaRPr b="0" lang="en-US" sz="1800" spc="-1" strike="noStrike">
+                        <a:solidFill>
+                          <a:srgbClr val="000000"/>
+                        </a:solidFill>
                         <a:latin typeface="Arial"/>
                       </a:endParaRPr>
                     </a:p>
@@ -10945,6 +11498,9 @@
                         <a:t>factor()</a:t>
                       </a:r>
                       <a:endParaRPr b="0" lang="en-US" sz="1800" spc="-1" strike="noStrike">
+                        <a:solidFill>
+                          <a:srgbClr val="000000"/>
+                        </a:solidFill>
                         <a:latin typeface="Arial"/>
                       </a:endParaRPr>
                     </a:p>
@@ -11070,6 +11626,9 @@
                         <a:t>)term)*</a:t>
                       </a:r>
                       <a:endParaRPr b="0" lang="en-US" sz="1800" spc="-1" strike="noStrike">
+                        <a:solidFill>
+                          <a:srgbClr val="000000"/>
+                        </a:solidFill>
                         <a:latin typeface="Arial"/>
                       </a:endParaRPr>
                     </a:p>
@@ -11139,6 +11698,9 @@
                         <a:t>( 4 * 5 )</a:t>
                       </a:r>
                       <a:endParaRPr b="0" lang="en-US" sz="1800" spc="-1" strike="noStrike">
+                        <a:solidFill>
+                          <a:srgbClr val="000000"/>
+                        </a:solidFill>
                         <a:latin typeface="Arial"/>
                       </a:endParaRPr>
                     </a:p>
@@ -11199,6 +11761,9 @@
                         <a:t>term()</a:t>
                       </a:r>
                       <a:endParaRPr b="0" lang="en-US" sz="1800" spc="-1" strike="noStrike">
+                        <a:solidFill>
+                          <a:srgbClr val="000000"/>
+                        </a:solidFill>
                         <a:latin typeface="Arial"/>
                       </a:endParaRPr>
                     </a:p>
@@ -11288,6 +11853,9 @@
                         <a:t>)term)*</a:t>
                       </a:r>
                       <a:endParaRPr b="0" lang="en-US" sz="1800" spc="-1" strike="noStrike">
+                        <a:solidFill>
+                          <a:srgbClr val="000000"/>
+                        </a:solidFill>
                         <a:latin typeface="Arial"/>
                       </a:endParaRPr>
                     </a:p>
@@ -11357,6 +11925,9 @@
                         <a:t>( 4 * 5 )</a:t>
                       </a:r>
                       <a:endParaRPr b="0" lang="en-US" sz="1800" spc="-1" strike="noStrike">
+                        <a:solidFill>
+                          <a:srgbClr val="000000"/>
+                        </a:solidFill>
                         <a:latin typeface="Arial"/>
                       </a:endParaRPr>
                     </a:p>
@@ -11444,6 +12015,9 @@
                         <a:t>-</a:t>
                       </a:r>
                       <a:endParaRPr b="0" lang="en-US" sz="1800" spc="-1" strike="noStrike">
+                        <a:solidFill>
+                          <a:srgbClr val="000000"/>
+                        </a:solidFill>
                         <a:latin typeface="Arial"/>
                       </a:endParaRPr>
                     </a:p>
@@ -11608,6 +12182,9 @@
                         <a:t>)*</a:t>
                       </a:r>
                       <a:endParaRPr b="0" lang="en-US" sz="1800" spc="-1" strike="noStrike">
+                        <a:solidFill>
+                          <a:srgbClr val="000000"/>
+                        </a:solidFill>
                         <a:latin typeface="Arial"/>
                       </a:endParaRPr>
                     </a:p>
@@ -11680,6 +12257,9 @@
                         <a:t>( 4 * 5 )</a:t>
                       </a:r>
                       <a:endParaRPr b="0" lang="en-US" sz="1800" spc="-1" strike="noStrike">
+                        <a:solidFill>
+                          <a:srgbClr val="000000"/>
+                        </a:solidFill>
                         <a:latin typeface="Arial"/>
                       </a:endParaRPr>
                     </a:p>
@@ -11743,6 +12323,9 @@
                         <a:t>terms</a:t>
                       </a:r>
                       <a:endParaRPr b="0" lang="en-US" sz="1800" spc="-1" strike="noStrike">
+                        <a:solidFill>
+                          <a:srgbClr val="000000"/>
+                        </a:solidFill>
                         <a:latin typeface="Arial"/>
                       </a:endParaRPr>
                     </a:p>
@@ -11774,6 +12357,9 @@
                         <a:t>()</a:t>
                       </a:r>
                       <a:endParaRPr b="0" lang="en-US" sz="1800" spc="-1" strike="noStrike">
+                        <a:solidFill>
+                          <a:srgbClr val="000000"/>
+                        </a:solidFill>
                         <a:latin typeface="Arial"/>
                       </a:endParaRPr>
                     </a:p>
@@ -11893,6 +12479,9 @@
                         <a:t>)*</a:t>
                       </a:r>
                       <a:endParaRPr b="0" lang="en-US" sz="1800" spc="-1" strike="noStrike">
+                        <a:solidFill>
+                          <a:srgbClr val="000000"/>
+                        </a:solidFill>
                         <a:latin typeface="Arial"/>
                       </a:endParaRPr>
                     </a:p>
@@ -11956,6 +12545,9 @@
                         <a:t> 4 * 5 )</a:t>
                       </a:r>
                       <a:endParaRPr b="0" lang="en-US" sz="1800" spc="-1" strike="noStrike">
+                        <a:solidFill>
+                          <a:srgbClr val="000000"/>
+                        </a:solidFill>
                         <a:latin typeface="Arial"/>
                       </a:endParaRPr>
                     </a:p>
@@ -12010,6 +12602,9 @@
                         <a:t>term()</a:t>
                       </a:r>
                       <a:endParaRPr b="0" lang="en-US" sz="1800" spc="-1" strike="noStrike">
+                        <a:solidFill>
+                          <a:srgbClr val="000000"/>
+                        </a:solidFill>
                         <a:latin typeface="Arial"/>
                       </a:endParaRPr>
                     </a:p>
@@ -12183,6 +12778,9 @@
                         <a:t>)*</a:t>
                       </a:r>
                       <a:endParaRPr b="0" lang="en-US" sz="1800" spc="-1" strike="noStrike">
+                        <a:solidFill>
+                          <a:srgbClr val="000000"/>
+                        </a:solidFill>
                         <a:latin typeface="Arial"/>
                       </a:endParaRPr>
                     </a:p>
@@ -12246,6 +12844,9 @@
                         <a:t> 4 * 5 )</a:t>
                       </a:r>
                       <a:endParaRPr b="0" lang="en-US" sz="1800" spc="-1" strike="noStrike">
+                        <a:solidFill>
+                          <a:srgbClr val="000000"/>
+                        </a:solidFill>
                         <a:latin typeface="Arial"/>
                       </a:endParaRPr>
                     </a:p>
@@ -12300,6 +12901,9 @@
                         <a:t>factor()</a:t>
                       </a:r>
                       <a:endParaRPr b="0" lang="en-US" sz="1800" spc="-1" strike="noStrike">
+                        <a:solidFill>
+                          <a:srgbClr val="000000"/>
+                        </a:solidFill>
                         <a:latin typeface="Arial"/>
                       </a:endParaRPr>
                     </a:p>
@@ -12491,6 +13095,9 @@
                         <a:t>)*</a:t>
                       </a:r>
                       <a:endParaRPr b="0" lang="en-US" sz="1800" spc="-1" strike="noStrike">
+                        <a:solidFill>
+                          <a:srgbClr val="000000"/>
+                        </a:solidFill>
                         <a:latin typeface="Arial"/>
                       </a:endParaRPr>
                     </a:p>
@@ -12554,6 +13161,9 @@
                         <a:t> 4 * 5 )</a:t>
                       </a:r>
                       <a:endParaRPr b="0" lang="en-US" sz="1800" spc="-1" strike="noStrike">
+                        <a:solidFill>
+                          <a:srgbClr val="000000"/>
+                        </a:solidFill>
                         <a:latin typeface="Arial"/>
                       </a:endParaRPr>
                     </a:p>
@@ -12644,6 +13254,9 @@
                         <a:t>()</a:t>
                       </a:r>
                       <a:endParaRPr b="0" lang="en-US" sz="1800" spc="-1" strike="noStrike">
+                        <a:solidFill>
+                          <a:srgbClr val="000000"/>
+                        </a:solidFill>
                         <a:latin typeface="Arial"/>
                       </a:endParaRPr>
                     </a:p>
@@ -12688,7 +13301,7 @@
         <p:spPr>
           <a:xfrm>
             <a:off x="1477440" y="2994480"/>
-            <a:ext cx="5202000" cy="1186920"/>
+            <a:ext cx="5201640" cy="1186920"/>
           </a:xfrm>
           <a:prstGeom prst="rect">
             <a:avLst/>
@@ -12698,10 +13311,7 @@
           </a:solidFill>
           <a:ln w="0">
             <a:solidFill>
-              <a:srgbClr val="000000">
-                <a:lumMod val="75000"/>
-                <a:lumOff val="25000"/>
-              </a:srgbClr>
+              <a:srgbClr val="404040"/>
             </a:solidFill>
           </a:ln>
         </p:spPr>
@@ -12782,6 +13392,9 @@
               <a:t>.</a:t>
             </a:r>
             <a:endParaRPr b="0" lang="en-US" sz="2400" spc="-1" strike="noStrike">
+              <a:solidFill>
+                <a:srgbClr val="000000"/>
+              </a:solidFill>
               <a:latin typeface="Arial"/>
             </a:endParaRPr>
           </a:p>
@@ -12827,6 +13440,9 @@
               <a:t>now</a:t>
             </a:r>
             <a:endParaRPr b="0" lang="en-US" sz="2400" spc="-1" strike="noStrike">
+              <a:solidFill>
+                <a:srgbClr val="000000"/>
+              </a:solidFill>
               <a:latin typeface="Arial"/>
             </a:endParaRPr>
           </a:p>
@@ -12872,6 +13488,9 @@
               <a:t>expr</a:t>
             </a:r>
             <a:endParaRPr b="0" lang="en-US" sz="2400" spc="-1" strike="noStrike">
+              <a:solidFill>
+                <a:srgbClr val="000000"/>
+              </a:solidFill>
               <a:latin typeface="Arial"/>
             </a:endParaRPr>
           </a:p>
@@ -12886,19 +13505,15 @@
         <p:spPr>
           <a:xfrm flipH="1">
             <a:off x="348480" y="3594240"/>
-            <a:ext cx="1193760" cy="1101960"/>
+            <a:ext cx="1194120" cy="1102320"/>
           </a:xfrm>
           <a:prstGeom prst="straightConnector1">
             <a:avLst/>
           </a:prstGeom>
-          <a:ln>
+          <a:ln w="0">
             <a:solidFill>
-              <a:srgbClr val="000c3e">
-                <a:lumMod val="50000"/>
-                <a:lumOff val="50000"/>
-              </a:srgbClr>
+              <a:srgbClr val="1f4aff"/>
             </a:solidFill>
-            <a:round/>
             <a:tailEnd len="med" type="arrow" w="med"/>
           </a:ln>
         </p:spPr>
@@ -12912,16 +13527,15 @@
         <p:spPr>
           <a:xfrm flipH="1">
             <a:off x="916560" y="3944160"/>
-            <a:ext cx="625680" cy="752040"/>
+            <a:ext cx="626040" cy="752400"/>
           </a:xfrm>
           <a:prstGeom prst="straightConnector1">
             <a:avLst/>
           </a:prstGeom>
-          <a:ln>
+          <a:ln w="0">
             <a:solidFill>
               <a:srgbClr val="e17f35"/>
             </a:solidFill>
-            <a:round/>
             <a:tailEnd len="med" type="arrow" w="med"/>
           </a:ln>
         </p:spPr>
@@ -12964,7 +13578,7 @@
         </p:nvGraphicFramePr>
         <p:xfrm>
           <a:off x="133200" y="128160"/>
-          <a:ext cx="8713080" cy="2595600"/>
+          <a:ext cx="8712720" cy="3720960"/>
         </p:xfrm>
         <a:graphic>
           <a:graphicData uri="http://schemas.openxmlformats.org/drawingml/2006/table">
@@ -12997,6 +13611,9 @@
                         <a:t>Production Match</a:t>
                       </a:r>
                       <a:endParaRPr b="0" lang="en-US" sz="1800" spc="-1" strike="noStrike">
+                        <a:solidFill>
+                          <a:srgbClr val="000000"/>
+                        </a:solidFill>
                         <a:latin typeface="Arial"/>
                       </a:endParaRPr>
                     </a:p>
@@ -13048,6 +13665,9 @@
                         <a:t>Token</a:t>
                       </a:r>
                       <a:endParaRPr b="0" lang="en-US" sz="1800" spc="-1" strike="noStrike">
+                        <a:solidFill>
+                          <a:srgbClr val="000000"/>
+                        </a:solidFill>
                         <a:latin typeface="Arial"/>
                       </a:endParaRPr>
                     </a:p>
@@ -13099,6 +13719,9 @@
                         <a:t>Code Step(s)</a:t>
                       </a:r>
                       <a:endParaRPr b="0" lang="en-US" sz="1800" spc="-1" strike="noStrike">
+                        <a:solidFill>
+                          <a:srgbClr val="000000"/>
+                        </a:solidFill>
                         <a:latin typeface="Arial"/>
                       </a:endParaRPr>
                     </a:p>
@@ -13218,6 +13841,9 @@
                         <a:t>)term )*</a:t>
                       </a:r>
                       <a:endParaRPr b="0" lang="en-US" sz="1800" spc="-1" strike="noStrike">
+                        <a:solidFill>
+                          <a:srgbClr val="000000"/>
+                        </a:solidFill>
                         <a:latin typeface="Arial"/>
                       </a:endParaRPr>
                     </a:p>
@@ -13281,6 +13907,9 @@
                         <a:t> * 5 )</a:t>
                       </a:r>
                       <a:endParaRPr b="0" lang="en-US" sz="1800" spc="-1" strike="noStrike">
+                        <a:solidFill>
+                          <a:srgbClr val="000000"/>
+                        </a:solidFill>
                         <a:latin typeface="Arial"/>
                       </a:endParaRPr>
                     </a:p>
@@ -13335,6 +13964,9 @@
                         <a:t>expr()</a:t>
                       </a:r>
                       <a:endParaRPr b="0" lang="en-US" sz="1800" spc="-1" strike="noStrike">
+                        <a:solidFill>
+                          <a:srgbClr val="000000"/>
+                        </a:solidFill>
                         <a:latin typeface="Arial"/>
                       </a:endParaRPr>
                     </a:p>
@@ -13481,6 +14113,9 @@
                         <a:t>)term)*</a:t>
                       </a:r>
                       <a:endParaRPr b="0" lang="en-US" sz="1800" spc="-1" strike="noStrike">
+                        <a:solidFill>
+                          <a:srgbClr val="000000"/>
+                        </a:solidFill>
                         <a:latin typeface="Arial"/>
                       </a:endParaRPr>
                     </a:p>
@@ -13547,6 +14182,9 @@
                         <a:t> * 5 )</a:t>
                       </a:r>
                       <a:endParaRPr b="0" lang="en-US" sz="1800" spc="-1" strike="noStrike">
+                        <a:solidFill>
+                          <a:srgbClr val="000000"/>
+                        </a:solidFill>
                         <a:latin typeface="Arial"/>
                       </a:endParaRPr>
                     </a:p>
@@ -13601,6 +14239,9 @@
                         <a:t>term()</a:t>
                       </a:r>
                       <a:endParaRPr b="0" lang="en-US" sz="1800" spc="-1" strike="noStrike">
+                        <a:solidFill>
+                          <a:srgbClr val="000000"/>
+                        </a:solidFill>
                         <a:latin typeface="Arial"/>
                       </a:endParaRPr>
                     </a:p>
@@ -13765,6 +14406,9 @@
                         <a:t>)term)*</a:t>
                       </a:r>
                       <a:endParaRPr b="0" lang="en-US" sz="1800" spc="-1" strike="noStrike">
+                        <a:solidFill>
+                          <a:srgbClr val="000000"/>
+                        </a:solidFill>
                         <a:latin typeface="Arial"/>
                       </a:endParaRPr>
                     </a:p>
@@ -13831,6 +14475,9 @@
                         <a:t> * 5 )</a:t>
                       </a:r>
                       <a:endParaRPr b="0" lang="en-US" sz="1800" spc="-1" strike="noStrike">
+                        <a:solidFill>
+                          <a:srgbClr val="000000"/>
+                        </a:solidFill>
                         <a:latin typeface="Arial"/>
                       </a:endParaRPr>
                     </a:p>
@@ -13885,6 +14532,9 @@
                         <a:t>factor()</a:t>
                       </a:r>
                       <a:endParaRPr b="0" lang="en-US" sz="1800" spc="-1" strike="noStrike">
+                        <a:solidFill>
+                          <a:srgbClr val="000000"/>
+                        </a:solidFill>
                         <a:latin typeface="Arial"/>
                       </a:endParaRPr>
                     </a:p>
@@ -14058,6 +14708,9 @@
                         <a:t>)term)*</a:t>
                       </a:r>
                       <a:endParaRPr b="0" lang="en-US" sz="1800" spc="-1" strike="noStrike">
+                        <a:solidFill>
+                          <a:srgbClr val="000000"/>
+                        </a:solidFill>
                         <a:latin typeface="Arial"/>
                       </a:endParaRPr>
                     </a:p>
@@ -14124,6 +14777,9 @@
                         <a:t> * 5 )</a:t>
                       </a:r>
                       <a:endParaRPr b="0" lang="en-US" sz="1800" spc="-1" strike="noStrike">
+                        <a:solidFill>
+                          <a:srgbClr val="000000"/>
+                        </a:solidFill>
                         <a:latin typeface="Arial"/>
                       </a:endParaRPr>
                     </a:p>
@@ -14196,6 +14852,9 @@
                         <a:t> consume()</a:t>
                       </a:r>
                       <a:endParaRPr b="0" lang="en-US" sz="1800" spc="-1" strike="noStrike">
+                        <a:solidFill>
+                          <a:srgbClr val="000000"/>
+                        </a:solidFill>
                         <a:latin typeface="Arial"/>
                       </a:endParaRPr>
                     </a:p>
@@ -14227,6 +14886,9 @@
                         <a:t>factor()</a:t>
                       </a:r>
                       <a:endParaRPr b="0" lang="en-US" sz="1800" spc="-1" strike="noStrike">
+                        <a:solidFill>
+                          <a:srgbClr val="000000"/>
+                        </a:solidFill>
                         <a:latin typeface="Arial"/>
                       </a:endParaRPr>
                     </a:p>
@@ -14445,6 +15107,9 @@
                         <a:t>)term)*</a:t>
                       </a:r>
                       <a:endParaRPr b="0" lang="en-US" sz="1800" spc="-1" strike="noStrike">
+                        <a:solidFill>
+                          <a:srgbClr val="000000"/>
+                        </a:solidFill>
                         <a:latin typeface="Arial"/>
                       </a:endParaRPr>
                     </a:p>
@@ -14508,6 +15173,9 @@
                         <a:t> 5 )</a:t>
                       </a:r>
                       <a:endParaRPr b="0" lang="en-US" sz="1800" spc="-1" strike="noStrike">
+                        <a:solidFill>
+                          <a:srgbClr val="000000"/>
+                        </a:solidFill>
                         <a:latin typeface="Arial"/>
                       </a:endParaRPr>
                     </a:p>
@@ -14607,6 +15275,9 @@
                         <a:t> </a:t>
                       </a:r>
                       <a:endParaRPr b="0" lang="en-US" sz="1800" spc="-1" strike="noStrike">
+                        <a:solidFill>
+                          <a:srgbClr val="000000"/>
+                        </a:solidFill>
                         <a:latin typeface="Arial"/>
                       </a:endParaRPr>
                     </a:p>
@@ -14620,6 +15291,9 @@
                         </a:tabLst>
                       </a:pPr>
                       <a:endParaRPr b="0" lang="en-US" sz="1800" spc="-1" strike="noStrike">
+                        <a:solidFill>
+                          <a:srgbClr val="000000"/>
+                        </a:solidFill>
                         <a:latin typeface="Arial"/>
                       </a:endParaRPr>
                     </a:p>
@@ -14802,6 +15476,9 @@
                         <a:t>)term)*</a:t>
                       </a:r>
                       <a:endParaRPr b="0" lang="en-US" sz="1800" spc="-1" strike="noStrike">
+                        <a:solidFill>
+                          <a:srgbClr val="000000"/>
+                        </a:solidFill>
                         <a:latin typeface="Arial"/>
                       </a:endParaRPr>
                     </a:p>
@@ -14868,6 +15545,9 @@
                         <a:t> 5 )</a:t>
                       </a:r>
                       <a:endParaRPr b="0" lang="en-US" sz="1800" spc="-1" strike="noStrike">
+                        <a:solidFill>
+                          <a:srgbClr val="000000"/>
+                        </a:solidFill>
                         <a:latin typeface="Arial"/>
                       </a:endParaRPr>
                     </a:p>
@@ -14925,6 +15605,9 @@
                         <a:t>consume()</a:t>
                       </a:r>
                       <a:endParaRPr b="0" lang="en-US" sz="1800" spc="-1" strike="noStrike">
+                        <a:solidFill>
+                          <a:srgbClr val="000000"/>
+                        </a:solidFill>
                         <a:latin typeface="Arial"/>
                       </a:endParaRPr>
                     </a:p>
@@ -14998,7 +15681,7 @@
         </p:nvGraphicFramePr>
         <p:xfrm>
           <a:off x="287280" y="171000"/>
-          <a:ext cx="8713080" cy="1854000"/>
+          <a:ext cx="8712720" cy="3867480"/>
         </p:xfrm>
         <a:graphic>
           <a:graphicData uri="http://schemas.openxmlformats.org/drawingml/2006/table">
@@ -15031,6 +15714,9 @@
                         <a:t>Production Match</a:t>
                       </a:r>
                       <a:endParaRPr b="0" lang="en-US" sz="1800" spc="-1" strike="noStrike">
+                        <a:solidFill>
+                          <a:srgbClr val="000000"/>
+                        </a:solidFill>
                         <a:latin typeface="Arial"/>
                       </a:endParaRPr>
                     </a:p>
@@ -15082,6 +15768,9 @@
                         <a:t>Token</a:t>
                       </a:r>
                       <a:endParaRPr b="0" lang="en-US" sz="1800" spc="-1" strike="noStrike">
+                        <a:solidFill>
+                          <a:srgbClr val="000000"/>
+                        </a:solidFill>
                         <a:latin typeface="Arial"/>
                       </a:endParaRPr>
                     </a:p>
@@ -15133,6 +15822,9 @@
                         <a:t>Code Step(s)</a:t>
                       </a:r>
                       <a:endParaRPr b="0" lang="en-US" sz="1800" spc="-1" strike="noStrike">
+                        <a:solidFill>
+                          <a:srgbClr val="000000"/>
+                        </a:solidFill>
                         <a:latin typeface="Arial"/>
                       </a:endParaRPr>
                     </a:p>
@@ -15297,6 +15989,9 @@
                         <a:t>)term)*</a:t>
                       </a:r>
                       <a:endParaRPr b="0" lang="en-US" sz="1800" spc="-1" strike="noStrike">
+                        <a:solidFill>
+                          <a:srgbClr val="000000"/>
+                        </a:solidFill>
                         <a:latin typeface="Arial"/>
                       </a:endParaRPr>
                     </a:p>
@@ -15360,6 +16055,9 @@
                         <a:t> )</a:t>
                       </a:r>
                       <a:endParaRPr b="0" lang="en-US" sz="1800" spc="-1" strike="noStrike">
+                        <a:solidFill>
+                          <a:srgbClr val="000000"/>
+                        </a:solidFill>
                         <a:latin typeface="Arial"/>
                       </a:endParaRPr>
                     </a:p>
@@ -15414,6 +16112,9 @@
                         <a:t>factor()</a:t>
                       </a:r>
                       <a:endParaRPr b="0" lang="en-US" sz="1800" spc="-1" strike="noStrike">
+                        <a:solidFill>
+                          <a:srgbClr val="000000"/>
+                        </a:solidFill>
                         <a:latin typeface="Arial"/>
                       </a:endParaRPr>
                     </a:p>
@@ -15614,6 +16315,9 @@
                         <a:t>)term)*</a:t>
                       </a:r>
                       <a:endParaRPr b="0" lang="en-US" sz="1800" spc="-1" strike="noStrike">
+                        <a:solidFill>
+                          <a:srgbClr val="000000"/>
+                        </a:solidFill>
                         <a:latin typeface="Arial"/>
                       </a:endParaRPr>
                     </a:p>
@@ -15677,6 +16381,9 @@
                         <a:t> )</a:t>
                       </a:r>
                       <a:endParaRPr b="0" lang="en-US" sz="1800" spc="-1" strike="noStrike">
+                        <a:solidFill>
+                          <a:srgbClr val="000000"/>
+                        </a:solidFill>
                         <a:latin typeface="Arial"/>
                       </a:endParaRPr>
                     </a:p>
@@ -15740,6 +16447,9 @@
                         <a:t>INT_LIT</a:t>
                       </a:r>
                       <a:endParaRPr b="0" lang="en-US" sz="1800" spc="-1" strike="noStrike">
+                        <a:solidFill>
+                          <a:srgbClr val="000000"/>
+                        </a:solidFill>
                         <a:latin typeface="Arial"/>
                       </a:endParaRPr>
                     </a:p>
@@ -15762,6 +16472,9 @@
                         <a:t>consume()</a:t>
                       </a:r>
                       <a:endParaRPr b="0" lang="en-US" sz="1800" spc="-1" strike="noStrike">
+                        <a:solidFill>
+                          <a:srgbClr val="000000"/>
+                        </a:solidFill>
                         <a:latin typeface="Arial"/>
                       </a:endParaRPr>
                     </a:p>
@@ -15793,6 +16506,9 @@
                         <a:t>factor()</a:t>
                       </a:r>
                       <a:endParaRPr b="0" lang="en-US" sz="1800" spc="-1" strike="noStrike">
+                        <a:solidFill>
+                          <a:srgbClr val="000000"/>
+                        </a:solidFill>
                         <a:latin typeface="Arial"/>
                       </a:endParaRPr>
                     </a:p>
@@ -15957,6 +16673,9 @@
                         <a:t>)term)*</a:t>
                       </a:r>
                       <a:endParaRPr b="0" lang="en-US" sz="1800" spc="-1" strike="noStrike">
+                        <a:solidFill>
+                          <a:srgbClr val="000000"/>
+                        </a:solidFill>
                         <a:latin typeface="Arial"/>
                       </a:endParaRPr>
                     </a:p>
@@ -16011,6 +16730,9 @@
                         <a:t>)</a:t>
                       </a:r>
                       <a:endParaRPr b="0" lang="en-US" sz="1800" spc="-1" strike="noStrike">
+                        <a:solidFill>
+                          <a:srgbClr val="000000"/>
+                        </a:solidFill>
                         <a:latin typeface="Arial"/>
                       </a:endParaRPr>
                     </a:p>
@@ -16101,6 +16823,9 @@
                         <a:t>/</a:t>
                       </a:r>
                       <a:endParaRPr b="0" lang="en-US" sz="1800" spc="-1" strike="noStrike">
+                        <a:solidFill>
+                          <a:srgbClr val="000000"/>
+                        </a:solidFill>
                         <a:latin typeface="Arial"/>
                       </a:endParaRPr>
                     </a:p>
@@ -16141,6 +16866,9 @@
                         <a:t> and </a:t>
                       </a:r>
                       <a:endParaRPr b="0" lang="en-US" sz="1800" spc="-1" strike="noStrike">
+                        <a:solidFill>
+                          <a:srgbClr val="000000"/>
+                        </a:solidFill>
                         <a:latin typeface="Arial"/>
                       </a:endParaRPr>
                     </a:p>
@@ -16172,6 +16900,9 @@
                         <a:t>term()</a:t>
                       </a:r>
                       <a:endParaRPr b="0" lang="en-US" sz="1800" spc="-1" strike="noStrike">
+                        <a:solidFill>
+                          <a:srgbClr val="000000"/>
+                        </a:solidFill>
                         <a:latin typeface="Arial"/>
                       </a:endParaRPr>
                     </a:p>
@@ -16327,6 +17058,9 @@
                         <a:t>)term)*</a:t>
                       </a:r>
                       <a:endParaRPr b="0" lang="en-US" sz="1800" spc="-1" strike="noStrike">
+                        <a:solidFill>
+                          <a:srgbClr val="000000"/>
+                        </a:solidFill>
                         <a:latin typeface="Arial"/>
                       </a:endParaRPr>
                     </a:p>
@@ -16384,6 +17118,9 @@
                         <a:t>)</a:t>
                       </a:r>
                       <a:endParaRPr b="0" lang="en-US" sz="1800" spc="-1" strike="noStrike">
+                        <a:solidFill>
+                          <a:srgbClr val="000000"/>
+                        </a:solidFill>
                         <a:latin typeface="Arial"/>
                       </a:endParaRPr>
                     </a:p>
@@ -16465,6 +17202,9 @@
                         <a:t>–</a:t>
                       </a:r>
                       <a:endParaRPr b="0" lang="en-US" sz="1800" spc="-1" strike="noStrike">
+                        <a:solidFill>
+                          <a:srgbClr val="000000"/>
+                        </a:solidFill>
                         <a:latin typeface="Arial"/>
                       </a:endParaRPr>
                     </a:p>
@@ -16514,6 +17254,9 @@
                         <a:t>expr()</a:t>
                       </a:r>
                       <a:endParaRPr b="0" lang="en-US" sz="1800" spc="-1" strike="noStrike">
+                        <a:solidFill>
+                          <a:srgbClr val="000000"/>
+                        </a:solidFill>
                         <a:latin typeface="Arial"/>
                       </a:endParaRPr>
                     </a:p>
@@ -16587,7 +17330,7 @@
         </p:nvGraphicFramePr>
         <p:xfrm>
           <a:off x="287280" y="171000"/>
-          <a:ext cx="8713080" cy="1854000"/>
+          <a:ext cx="8712720" cy="4110480"/>
         </p:xfrm>
         <a:graphic>
           <a:graphicData uri="http://schemas.openxmlformats.org/drawingml/2006/table">
@@ -16620,6 +17363,9 @@
                         <a:t>Production Match</a:t>
                       </a:r>
                       <a:endParaRPr b="0" lang="en-US" sz="1800" spc="-1" strike="noStrike">
+                        <a:solidFill>
+                          <a:srgbClr val="000000"/>
+                        </a:solidFill>
                         <a:latin typeface="Arial"/>
                       </a:endParaRPr>
                     </a:p>
@@ -16671,6 +17417,9 @@
                         <a:t>Token</a:t>
                       </a:r>
                       <a:endParaRPr b="0" lang="en-US" sz="1800" spc="-1" strike="noStrike">
+                        <a:solidFill>
+                          <a:srgbClr val="000000"/>
+                        </a:solidFill>
                         <a:latin typeface="Arial"/>
                       </a:endParaRPr>
                     </a:p>
@@ -16722,6 +17471,9 @@
                         <a:t>Code Step(s)</a:t>
                       </a:r>
                       <a:endParaRPr b="0" lang="en-US" sz="1800" spc="-1" strike="noStrike">
+                        <a:solidFill>
+                          <a:srgbClr val="000000"/>
+                        </a:solidFill>
                         <a:latin typeface="Arial"/>
                       </a:endParaRPr>
                     </a:p>
@@ -16832,6 +17584,9 @@
                         <a:t>)term)*</a:t>
                       </a:r>
                       <a:endParaRPr b="0" lang="en-US" sz="1800" spc="-1" strike="noStrike">
+                        <a:solidFill>
+                          <a:srgbClr val="000000"/>
+                        </a:solidFill>
                         <a:latin typeface="Arial"/>
                       </a:endParaRPr>
                     </a:p>
@@ -16889,6 +17644,9 @@
                         <a:t>)</a:t>
                       </a:r>
                       <a:endParaRPr b="0" lang="en-US" sz="1800" spc="-1" strike="noStrike">
+                        <a:solidFill>
+                          <a:srgbClr val="000000"/>
+                        </a:solidFill>
                         <a:latin typeface="Arial"/>
                       </a:endParaRPr>
                     </a:p>
@@ -16952,6 +17710,9 @@
                         <a:t>)</a:t>
                       </a:r>
                       <a:endParaRPr b="0" lang="en-US" sz="1800" spc="-1" strike="noStrike">
+                        <a:solidFill>
+                          <a:srgbClr val="000000"/>
+                        </a:solidFill>
                         <a:latin typeface="Arial"/>
                       </a:endParaRPr>
                     </a:p>
@@ -16983,6 +17744,9 @@
                         <a:t>factor()</a:t>
                       </a:r>
                       <a:endParaRPr b="0" lang="en-US" sz="1800" spc="-1" strike="noStrike">
+                        <a:solidFill>
+                          <a:srgbClr val="000000"/>
+                        </a:solidFill>
                         <a:latin typeface="Arial"/>
                       </a:endParaRPr>
                     </a:p>
@@ -17084,6 +17848,9 @@
                         <a:t>)term)*</a:t>
                       </a:r>
                       <a:endParaRPr b="0" lang="en-US" sz="1800" spc="-1" strike="noStrike">
+                        <a:solidFill>
+                          <a:srgbClr val="000000"/>
+                        </a:solidFill>
                         <a:latin typeface="Arial"/>
                       </a:endParaRPr>
                     </a:p>
@@ -17138,6 +17905,9 @@
                         <a:t>EOF</a:t>
                       </a:r>
                       <a:endParaRPr b="0" lang="en-US" sz="1800" spc="-1" strike="noStrike">
+                        <a:solidFill>
+                          <a:srgbClr val="000000"/>
+                        </a:solidFill>
                         <a:latin typeface="Arial"/>
                       </a:endParaRPr>
                     </a:p>
@@ -17228,6 +17998,9 @@
                         <a:t>/</a:t>
                       </a:r>
                       <a:endParaRPr b="0" lang="en-US" sz="1800" spc="-1" strike="noStrike">
+                        <a:solidFill>
+                          <a:srgbClr val="000000"/>
+                        </a:solidFill>
                         <a:latin typeface="Arial"/>
                       </a:endParaRPr>
                     </a:p>
@@ -17268,6 +18041,9 @@
                         <a:t> and </a:t>
                       </a:r>
                       <a:endParaRPr b="0" lang="en-US" sz="1800" spc="-1" strike="noStrike">
+                        <a:solidFill>
+                          <a:srgbClr val="000000"/>
+                        </a:solidFill>
                         <a:latin typeface="Arial"/>
                       </a:endParaRPr>
                     </a:p>
@@ -17299,6 +18075,9 @@
                         <a:t>term()</a:t>
                       </a:r>
                       <a:endParaRPr b="0" lang="en-US" sz="1800" spc="-1" strike="noStrike">
+                        <a:solidFill>
+                          <a:srgbClr val="000000"/>
+                        </a:solidFill>
                         <a:latin typeface="Arial"/>
                       </a:endParaRPr>
                     </a:p>
@@ -17391,6 +18170,9 @@
                         <a:t>)term)*</a:t>
                       </a:r>
                       <a:endParaRPr b="0" lang="en-US" sz="1800" spc="-1" strike="noStrike">
+                        <a:solidFill>
+                          <a:srgbClr val="000000"/>
+                        </a:solidFill>
                         <a:latin typeface="Arial"/>
                       </a:endParaRPr>
                     </a:p>
@@ -17448,6 +18230,9 @@
                         <a:t>EOF</a:t>
                       </a:r>
                       <a:endParaRPr b="0" lang="en-US" sz="1800" spc="-1" strike="noStrike">
+                        <a:solidFill>
+                          <a:srgbClr val="000000"/>
+                        </a:solidFill>
                         <a:latin typeface="Arial"/>
                       </a:endParaRPr>
                     </a:p>
@@ -17529,6 +18314,9 @@
                         <a:t>–</a:t>
                       </a:r>
                       <a:endParaRPr b="0" lang="en-US" sz="1800" spc="-1" strike="noStrike">
+                        <a:solidFill>
+                          <a:srgbClr val="000000"/>
+                        </a:solidFill>
                         <a:latin typeface="Arial"/>
                       </a:endParaRPr>
                     </a:p>
@@ -17578,6 +18366,9 @@
                         <a:t>expr()</a:t>
                       </a:r>
                       <a:endParaRPr b="0" lang="en-US" sz="1800" spc="-1" strike="noStrike">
+                        <a:solidFill>
+                          <a:srgbClr val="000000"/>
+                        </a:solidFill>
                         <a:latin typeface="Arial"/>
                       </a:endParaRPr>
                     </a:p>
@@ -17635,6 +18426,9 @@
                         <a:t> </a:t>
                       </a:r>
                       <a:endParaRPr b="0" lang="en-US" sz="2000" spc="-1" strike="noStrike">
+                        <a:solidFill>
+                          <a:srgbClr val="000000"/>
+                        </a:solidFill>
                         <a:latin typeface="Arial"/>
                       </a:endParaRPr>
                     </a:p>
@@ -17692,6 +18486,9 @@
                         <a:t> </a:t>
                       </a:r>
                       <a:endParaRPr b="0" lang="en-US" sz="1800" spc="-1" strike="noStrike">
+                        <a:solidFill>
+                          <a:srgbClr val="000000"/>
+                        </a:solidFill>
                         <a:latin typeface="Arial"/>
                       </a:endParaRPr>
                     </a:p>
@@ -17746,6 +18543,9 @@
                         <a:t>This sentence (source code) is in our grammar!</a:t>
                       </a:r>
                       <a:endParaRPr b="0" lang="en-US" sz="1800" spc="-1" strike="noStrike">
+                        <a:solidFill>
+                          <a:srgbClr val="000000"/>
+                        </a:solidFill>
                         <a:latin typeface="Arial"/>
                       </a:endParaRPr>
                     </a:p>
@@ -17824,7 +18624,7 @@
         <p:spPr>
           <a:xfrm>
             <a:off x="327960" y="524520"/>
-            <a:ext cx="8290080" cy="836640"/>
+            <a:ext cx="8289720" cy="836280"/>
           </a:xfrm>
           <a:prstGeom prst="rect">
             <a:avLst/>
@@ -17835,7 +18635,7 @@
           </a:ln>
         </p:spPr>
         <p:txBody>
-          <a:bodyPr numCol="1" spcCol="0" anchor="t">
+          <a:bodyPr numCol="1" spcCol="0" lIns="90000" rIns="90000" tIns="45000" bIns="45000" anchor="t">
             <a:noAutofit/>
           </a:bodyPr>
           <a:p>
@@ -17844,6 +18644,9 @@
                 <a:spcPct val="100000"/>
               </a:lnSpc>
               <a:buNone/>
+              <a:tabLst>
+                <a:tab algn="l" pos="0"/>
+              </a:tabLst>
             </a:pPr>
             <a:r>
               <a:rPr b="0" lang="en-US" sz="3600" spc="-1" strike="noStrike">
@@ -17859,7 +18662,7 @@
               <a:solidFill>
                 <a:srgbClr val="000000"/>
               </a:solidFill>
-              <a:latin typeface="Rockwell"/>
+              <a:latin typeface="Arial"/>
             </a:endParaRPr>
           </a:p>
         </p:txBody>
@@ -17877,7 +18680,7 @@
         <p:spPr>
           <a:xfrm>
             <a:off x="327960" y="1361520"/>
-            <a:ext cx="8488080" cy="3530160"/>
+            <a:ext cx="8487720" cy="3529800"/>
           </a:xfrm>
           <a:prstGeom prst="rect">
             <a:avLst/>
@@ -17888,7 +18691,7 @@
           </a:ln>
         </p:spPr>
         <p:txBody>
-          <a:bodyPr numCol="1" spcCol="0" anchor="t">
+          <a:bodyPr numCol="1" spcCol="0" lIns="90000" rIns="90000" tIns="45000" bIns="45000" anchor="t">
             <a:noAutofit/>
           </a:bodyPr>
           <a:p>
@@ -17917,9 +18720,9 @@
             </a:r>
             <a:endParaRPr b="0" lang="en-US" sz="2000" spc="-1" strike="noStrike">
               <a:solidFill>
-                <a:schemeClr val="accent1"/>
-              </a:solidFill>
-              <a:latin typeface="Cambria"/>
+                <a:srgbClr val="000000"/>
+              </a:solidFill>
+              <a:latin typeface="Arial"/>
             </a:endParaRPr>
           </a:p>
           <a:p>
@@ -17992,9 +18795,9 @@
             </a:r>
             <a:endParaRPr b="0" lang="en-US" sz="2000" spc="-1" strike="noStrike">
               <a:solidFill>
-                <a:schemeClr val="accent1"/>
-              </a:solidFill>
-              <a:latin typeface="Cambria"/>
+                <a:srgbClr val="000000"/>
+              </a:solidFill>
+              <a:latin typeface="Arial"/>
             </a:endParaRPr>
           </a:p>
           <a:p>
@@ -18057,9 +18860,9 @@
             </a:r>
             <a:endParaRPr b="0" lang="en-US" sz="2000" spc="-1" strike="noStrike">
               <a:solidFill>
-                <a:schemeClr val="accent1"/>
-              </a:solidFill>
-              <a:latin typeface="Cambria"/>
+                <a:srgbClr val="000000"/>
+              </a:solidFill>
+              <a:latin typeface="Arial"/>
             </a:endParaRPr>
           </a:p>
           <a:p>
@@ -18077,9 +18880,9 @@
             </a:pPr>
             <a:endParaRPr b="0" lang="en-US" sz="2000" spc="-1" strike="noStrike">
               <a:solidFill>
-                <a:schemeClr val="accent1"/>
-              </a:solidFill>
-              <a:latin typeface="Cambria"/>
+                <a:srgbClr val="000000"/>
+              </a:solidFill>
+              <a:latin typeface="Arial"/>
             </a:endParaRPr>
           </a:p>
           <a:p>
@@ -18108,9 +18911,9 @@
             </a:r>
             <a:endParaRPr b="0" lang="en-US" sz="2000" spc="-1" strike="noStrike">
               <a:solidFill>
-                <a:schemeClr val="accent1"/>
-              </a:solidFill>
-              <a:latin typeface="Cambria"/>
+                <a:srgbClr val="000000"/>
+              </a:solidFill>
+              <a:latin typeface="Arial"/>
             </a:endParaRPr>
           </a:p>
           <a:p>
@@ -18153,9 +18956,9 @@
             </a:r>
             <a:endParaRPr b="0" lang="en-US" sz="2000" spc="-1" strike="noStrike">
               <a:solidFill>
-                <a:schemeClr val="accent1"/>
-              </a:solidFill>
-              <a:latin typeface="Cambria"/>
+                <a:srgbClr val="000000"/>
+              </a:solidFill>
+              <a:latin typeface="Arial"/>
             </a:endParaRPr>
           </a:p>
           <a:p>
@@ -18198,9 +19001,9 @@
             </a:r>
             <a:endParaRPr b="0" lang="en-US" sz="2000" spc="-1" strike="noStrike">
               <a:solidFill>
-                <a:schemeClr val="accent1"/>
-              </a:solidFill>
-              <a:latin typeface="Cambria"/>
+                <a:srgbClr val="000000"/>
+              </a:solidFill>
+              <a:latin typeface="Arial"/>
             </a:endParaRPr>
           </a:p>
           <a:p>
@@ -18243,9 +19046,9 @@
             </a:r>
             <a:endParaRPr b="0" lang="en-US" sz="2000" spc="-1" strike="noStrike">
               <a:solidFill>
-                <a:schemeClr val="accent1"/>
-              </a:solidFill>
-              <a:latin typeface="Cambria"/>
+                <a:srgbClr val="000000"/>
+              </a:solidFill>
+              <a:latin typeface="Arial"/>
             </a:endParaRPr>
           </a:p>
         </p:txBody>
@@ -18293,7 +19096,7 @@
         <p:spPr>
           <a:xfrm>
             <a:off x="327960" y="524520"/>
-            <a:ext cx="8290080" cy="836640"/>
+            <a:ext cx="8289720" cy="836280"/>
           </a:xfrm>
           <a:prstGeom prst="rect">
             <a:avLst/>
@@ -18304,7 +19107,7 @@
           </a:ln>
         </p:spPr>
         <p:txBody>
-          <a:bodyPr numCol="1" spcCol="0" anchor="t">
+          <a:bodyPr numCol="1" spcCol="0" lIns="90000" rIns="90000" tIns="45000" bIns="45000" anchor="t">
             <a:noAutofit/>
           </a:bodyPr>
           <a:p>
@@ -18313,6 +19116,9 @@
                 <a:spcPct val="100000"/>
               </a:lnSpc>
               <a:buNone/>
+              <a:tabLst>
+                <a:tab algn="l" pos="0"/>
+              </a:tabLst>
             </a:pPr>
             <a:r>
               <a:rPr b="0" lang="en-US" sz="3600" spc="-1" strike="noStrike">
@@ -18328,7 +19134,7 @@
               <a:solidFill>
                 <a:srgbClr val="000000"/>
               </a:solidFill>
-              <a:latin typeface="Rockwell"/>
+              <a:latin typeface="Arial"/>
             </a:endParaRPr>
           </a:p>
         </p:txBody>
@@ -18346,7 +19152,7 @@
         <p:spPr>
           <a:xfrm>
             <a:off x="327960" y="1361520"/>
-            <a:ext cx="8488080" cy="3530160"/>
+            <a:ext cx="8487720" cy="3529800"/>
           </a:xfrm>
           <a:prstGeom prst="rect">
             <a:avLst/>
@@ -18357,7 +19163,7 @@
           </a:ln>
         </p:spPr>
         <p:txBody>
-          <a:bodyPr numCol="1" spcCol="0" anchor="t">
+          <a:bodyPr numCol="1" spcCol="0" lIns="90000" rIns="90000" tIns="45000" bIns="45000" anchor="t">
             <a:noAutofit/>
           </a:bodyPr>
           <a:p>
@@ -18387,9 +19193,9 @@
             </a:r>
             <a:endParaRPr b="0" lang="en-US" sz="2000" spc="-1" strike="noStrike">
               <a:solidFill>
-                <a:schemeClr val="accent1"/>
-              </a:solidFill>
-              <a:latin typeface="Cambria"/>
+                <a:srgbClr val="000000"/>
+              </a:solidFill>
+              <a:latin typeface="Arial"/>
             </a:endParaRPr>
           </a:p>
           <a:p>
@@ -18439,9 +19245,9 @@
             </a:r>
             <a:endParaRPr b="0" lang="en-US" sz="1800" spc="-1" strike="noStrike">
               <a:solidFill>
-                <a:schemeClr val="accent1"/>
-              </a:solidFill>
-              <a:latin typeface="Cambria"/>
+                <a:srgbClr val="000000"/>
+              </a:solidFill>
+              <a:latin typeface="Arial"/>
             </a:endParaRPr>
           </a:p>
           <a:p>
@@ -18522,9 +19328,9 @@
             </a:r>
             <a:endParaRPr b="0" lang="en-US" sz="1800" spc="-1" strike="noStrike">
               <a:solidFill>
-                <a:schemeClr val="accent1"/>
-              </a:solidFill>
-              <a:latin typeface="Cambria"/>
+                <a:srgbClr val="000000"/>
+              </a:solidFill>
+              <a:latin typeface="Arial"/>
             </a:endParaRPr>
           </a:p>
           <a:p>
@@ -18605,9 +19411,9 @@
             </a:r>
             <a:endParaRPr b="0" lang="en-US" sz="1800" spc="-1" strike="noStrike">
               <a:solidFill>
-                <a:schemeClr val="accent1"/>
-              </a:solidFill>
-              <a:latin typeface="Cambria"/>
+                <a:srgbClr val="000000"/>
+              </a:solidFill>
+              <a:latin typeface="Arial"/>
             </a:endParaRPr>
           </a:p>
           <a:p>
@@ -18637,9 +19443,9 @@
             </a:r>
             <a:endParaRPr b="0" lang="en-US" sz="2000" spc="-1" strike="noStrike">
               <a:solidFill>
-                <a:schemeClr val="accent1"/>
-              </a:solidFill>
-              <a:latin typeface="Cambria"/>
+                <a:srgbClr val="000000"/>
+              </a:solidFill>
+              <a:latin typeface="Arial"/>
             </a:endParaRPr>
           </a:p>
           <a:p>
@@ -18689,9 +19495,9 @@
             </a:r>
             <a:endParaRPr b="0" lang="en-US" sz="1800" spc="-1" strike="noStrike">
               <a:solidFill>
-                <a:schemeClr val="accent1"/>
-              </a:solidFill>
-              <a:latin typeface="Cambria"/>
+                <a:srgbClr val="000000"/>
+              </a:solidFill>
+              <a:latin typeface="Arial"/>
             </a:endParaRPr>
           </a:p>
           <a:p>
@@ -18752,9 +19558,9 @@
             </a:r>
             <a:endParaRPr b="0" lang="en-US" sz="1800" spc="-1" strike="noStrike">
               <a:solidFill>
-                <a:schemeClr val="accent1"/>
-              </a:solidFill>
-              <a:latin typeface="Cambria"/>
+                <a:srgbClr val="000000"/>
+              </a:solidFill>
+              <a:latin typeface="Arial"/>
             </a:endParaRPr>
           </a:p>
           <a:p>
@@ -18845,9 +19651,9 @@
             </a:r>
             <a:endParaRPr b="0" lang="en-US" sz="1800" spc="-1" strike="noStrike">
               <a:solidFill>
-                <a:schemeClr val="accent1"/>
-              </a:solidFill>
-              <a:latin typeface="Cambria"/>
+                <a:srgbClr val="000000"/>
+              </a:solidFill>
+              <a:latin typeface="Arial"/>
             </a:endParaRPr>
           </a:p>
         </p:txBody>
@@ -18895,7 +19701,7 @@
         <p:spPr>
           <a:xfrm>
             <a:off x="327960" y="524520"/>
-            <a:ext cx="8290080" cy="836640"/>
+            <a:ext cx="8289720" cy="836280"/>
           </a:xfrm>
           <a:prstGeom prst="rect">
             <a:avLst/>
@@ -18906,7 +19712,7 @@
           </a:ln>
         </p:spPr>
         <p:txBody>
-          <a:bodyPr numCol="1" spcCol="0" anchor="t">
+          <a:bodyPr numCol="1" spcCol="0" lIns="90000" rIns="90000" tIns="45000" bIns="45000" anchor="t">
             <a:noAutofit/>
           </a:bodyPr>
           <a:p>
@@ -18915,6 +19721,9 @@
                 <a:spcPct val="100000"/>
               </a:lnSpc>
               <a:buNone/>
+              <a:tabLst>
+                <a:tab algn="l" pos="0"/>
+              </a:tabLst>
             </a:pPr>
             <a:r>
               <a:rPr b="0" lang="en-US" sz="3600" spc="-1" strike="noStrike">
@@ -18924,13 +19733,23 @@
                 <a:latin typeface="Arial"/>
                 <a:ea typeface="MS PGothic"/>
               </a:rPr>
-              <a:t>Syntax Error Recovery</a:t>
+              <a:t>Syntax Error </a:t>
+            </a:r>
+            <a:r>
+              <a:rPr b="0" lang="en-US" sz="3600" spc="-1" strike="noStrike">
+                <a:solidFill>
+                  <a:schemeClr val="accent1"/>
+                </a:solidFill>
+                <a:latin typeface="Arial"/>
+                <a:ea typeface="MS PGothic"/>
+              </a:rPr>
+              <a:t>Recovery</a:t>
             </a:r>
             <a:endParaRPr b="0" lang="en-US" sz="3600" spc="-1" strike="noStrike">
               <a:solidFill>
                 <a:srgbClr val="000000"/>
               </a:solidFill>
-              <a:latin typeface="Rockwell"/>
+              <a:latin typeface="Arial"/>
             </a:endParaRPr>
           </a:p>
         </p:txBody>
@@ -18948,7 +19767,7 @@
         <p:spPr>
           <a:xfrm>
             <a:off x="327960" y="1361520"/>
-            <a:ext cx="8488080" cy="3530160"/>
+            <a:ext cx="8487720" cy="3529800"/>
           </a:xfrm>
           <a:prstGeom prst="rect">
             <a:avLst/>
@@ -18959,7 +19778,7 @@
           </a:ln>
         </p:spPr>
         <p:txBody>
-          <a:bodyPr numCol="1" spcCol="0" anchor="t">
+          <a:bodyPr numCol="1" spcCol="0" lIns="90000" rIns="90000" tIns="45000" bIns="45000" anchor="t">
             <a:noAutofit/>
           </a:bodyPr>
           <a:p>
@@ -18989,9 +19808,9 @@
             </a:r>
             <a:endParaRPr b="0" lang="en-US" sz="2000" spc="-1" strike="noStrike">
               <a:solidFill>
-                <a:schemeClr val="accent1"/>
-              </a:solidFill>
-              <a:latin typeface="Cambria"/>
+                <a:srgbClr val="000000"/>
+              </a:solidFill>
+              <a:latin typeface="Arial"/>
             </a:endParaRPr>
           </a:p>
           <a:p>
@@ -19021,9 +19840,9 @@
             </a:r>
             <a:endParaRPr b="0" lang="en-US" sz="2000" spc="-1" strike="noStrike">
               <a:solidFill>
-                <a:schemeClr val="accent1"/>
-              </a:solidFill>
-              <a:latin typeface="Cambria"/>
+                <a:srgbClr val="000000"/>
+              </a:solidFill>
+              <a:latin typeface="Arial"/>
             </a:endParaRPr>
           </a:p>
           <a:p>
@@ -19053,9 +19872,9 @@
             </a:r>
             <a:endParaRPr b="0" lang="en-US" sz="2000" spc="-1" strike="noStrike">
               <a:solidFill>
-                <a:schemeClr val="accent1"/>
-              </a:solidFill>
-              <a:latin typeface="Cambria"/>
+                <a:srgbClr val="000000"/>
+              </a:solidFill>
+              <a:latin typeface="Arial"/>
             </a:endParaRPr>
           </a:p>
           <a:p>
@@ -19085,9 +19904,9 @@
             </a:r>
             <a:endParaRPr b="0" lang="en-US" sz="2000" spc="-1" strike="noStrike">
               <a:solidFill>
-                <a:schemeClr val="accent1"/>
-              </a:solidFill>
-              <a:latin typeface="Cambria"/>
+                <a:srgbClr val="000000"/>
+              </a:solidFill>
+              <a:latin typeface="Arial"/>
             </a:endParaRPr>
           </a:p>
           <a:p>
@@ -19105,9 +19924,9 @@
             </a:pPr>
             <a:endParaRPr b="0" lang="en-US" sz="2000" spc="-1" strike="noStrike">
               <a:solidFill>
-                <a:schemeClr val="accent1"/>
-              </a:solidFill>
-              <a:latin typeface="Cambria"/>
+                <a:srgbClr val="000000"/>
+              </a:solidFill>
+              <a:latin typeface="Arial"/>
             </a:endParaRPr>
           </a:p>
           <a:p>
@@ -19176,9 +19995,9 @@
             </a:r>
             <a:endParaRPr b="0" lang="en-US" sz="2000" spc="-1" strike="noStrike">
               <a:solidFill>
-                <a:schemeClr val="accent1"/>
-              </a:solidFill>
-              <a:latin typeface="Cambria"/>
+                <a:srgbClr val="000000"/>
+              </a:solidFill>
+              <a:latin typeface="Arial"/>
             </a:endParaRPr>
           </a:p>
         </p:txBody>
@@ -19226,7 +20045,7 @@
         <p:spPr>
           <a:xfrm>
             <a:off x="327960" y="524520"/>
-            <a:ext cx="8290080" cy="836640"/>
+            <a:ext cx="8289720" cy="836280"/>
           </a:xfrm>
           <a:prstGeom prst="rect">
             <a:avLst/>
@@ -19237,7 +20056,7 @@
           </a:ln>
         </p:spPr>
         <p:txBody>
-          <a:bodyPr numCol="1" spcCol="0" anchor="t">
+          <a:bodyPr numCol="1" spcCol="0" lIns="90000" rIns="90000" tIns="45000" bIns="45000" anchor="t">
             <a:noAutofit/>
           </a:bodyPr>
           <a:p>
@@ -19246,6 +20065,9 @@
                 <a:spcPct val="100000"/>
               </a:lnSpc>
               <a:buNone/>
+              <a:tabLst>
+                <a:tab algn="l" pos="0"/>
+              </a:tabLst>
             </a:pPr>
             <a:r>
               <a:rPr b="0" lang="en-US" sz="3600" spc="-1" strike="noStrike">
@@ -19255,13 +20077,23 @@
                 <a:latin typeface="Arial"/>
                 <a:ea typeface="MS PGothic"/>
               </a:rPr>
-              <a:t>Panic Mode Recovery</a:t>
+              <a:t>Panic Mode </a:t>
+            </a:r>
+            <a:r>
+              <a:rPr b="0" lang="en-US" sz="3600" spc="-1" strike="noStrike">
+                <a:solidFill>
+                  <a:schemeClr val="accent1"/>
+                </a:solidFill>
+                <a:latin typeface="Arial"/>
+                <a:ea typeface="MS PGothic"/>
+              </a:rPr>
+              <a:t>Recovery</a:t>
             </a:r>
             <a:endParaRPr b="0" lang="en-US" sz="3600" spc="-1" strike="noStrike">
               <a:solidFill>
                 <a:srgbClr val="000000"/>
               </a:solidFill>
-              <a:latin typeface="Rockwell"/>
+              <a:latin typeface="Arial"/>
             </a:endParaRPr>
           </a:p>
         </p:txBody>
@@ -19279,7 +20111,7 @@
         <p:spPr>
           <a:xfrm>
             <a:off x="327960" y="1361520"/>
-            <a:ext cx="8488080" cy="3530160"/>
+            <a:ext cx="8487720" cy="3529800"/>
           </a:xfrm>
           <a:prstGeom prst="rect">
             <a:avLst/>
@@ -19290,7 +20122,7 @@
           </a:ln>
         </p:spPr>
         <p:txBody>
-          <a:bodyPr numCol="1" spcCol="0" anchor="t">
+          <a:bodyPr numCol="1" spcCol="0" lIns="90000" rIns="90000" tIns="45000" bIns="45000" anchor="t">
             <a:noAutofit/>
           </a:bodyPr>
           <a:p>
@@ -19360,9 +20192,9 @@
             </a:r>
             <a:endParaRPr b="0" lang="en-US" sz="2000" spc="-1" strike="noStrike">
               <a:solidFill>
-                <a:schemeClr val="accent1"/>
-              </a:solidFill>
-              <a:latin typeface="Cambria"/>
+                <a:srgbClr val="000000"/>
+              </a:solidFill>
+              <a:latin typeface="Arial"/>
             </a:endParaRPr>
           </a:p>
           <a:p>
@@ -19432,9 +20264,9 @@
             </a:r>
             <a:endParaRPr b="0" lang="en-US" sz="2000" spc="-1" strike="noStrike">
               <a:solidFill>
-                <a:schemeClr val="accent1"/>
-              </a:solidFill>
-              <a:latin typeface="Cambria"/>
+                <a:srgbClr val="000000"/>
+              </a:solidFill>
+              <a:latin typeface="Arial"/>
             </a:endParaRPr>
           </a:p>
           <a:p>
@@ -19495,9 +20327,9 @@
             </a:r>
             <a:endParaRPr b="0" lang="en-US" sz="2000" spc="-1" strike="noStrike">
               <a:solidFill>
-                <a:schemeClr val="accent1"/>
-              </a:solidFill>
-              <a:latin typeface="Cambria"/>
+                <a:srgbClr val="000000"/>
+              </a:solidFill>
+              <a:latin typeface="Arial"/>
             </a:endParaRPr>
           </a:p>
           <a:p>
@@ -19547,9 +20379,9 @@
             </a:r>
             <a:endParaRPr b="0" lang="en-US" sz="2000" spc="-1" strike="noStrike">
               <a:solidFill>
-                <a:schemeClr val="accent1"/>
-              </a:solidFill>
-              <a:latin typeface="Cambria"/>
+                <a:srgbClr val="000000"/>
+              </a:solidFill>
+              <a:latin typeface="Arial"/>
             </a:endParaRPr>
           </a:p>
           <a:p>
@@ -19561,12 +20393,15 @@
                 <a:spcPts val="799"/>
               </a:spcBef>
               <a:buNone/>
+              <a:tabLst>
+                <a:tab algn="l" pos="0"/>
+              </a:tabLst>
             </a:pPr>
             <a:endParaRPr b="0" lang="en-US" sz="2000" spc="-1" strike="noStrike">
               <a:solidFill>
-                <a:schemeClr val="accent1"/>
-              </a:solidFill>
-              <a:latin typeface="Cambria"/>
+                <a:srgbClr val="000000"/>
+              </a:solidFill>
+              <a:latin typeface="Arial"/>
             </a:endParaRPr>
           </a:p>
         </p:txBody>
@@ -19614,7 +20449,7 @@
         <p:spPr>
           <a:xfrm>
             <a:off x="327960" y="524520"/>
-            <a:ext cx="8290080" cy="836640"/>
+            <a:ext cx="8289720" cy="836280"/>
           </a:xfrm>
           <a:prstGeom prst="rect">
             <a:avLst/>
@@ -19625,7 +20460,7 @@
           </a:ln>
         </p:spPr>
         <p:txBody>
-          <a:bodyPr numCol="1" spcCol="0" anchor="t">
+          <a:bodyPr numCol="1" spcCol="0" lIns="90000" rIns="90000" tIns="45000" bIns="45000" anchor="t">
             <a:noAutofit/>
           </a:bodyPr>
           <a:p>
@@ -19634,6 +20469,9 @@
                 <a:spcPct val="100000"/>
               </a:lnSpc>
               <a:buNone/>
+              <a:tabLst>
+                <a:tab algn="l" pos="0"/>
+              </a:tabLst>
             </a:pPr>
             <a:r>
               <a:rPr b="0" lang="en-US" sz="3600" spc="-1" strike="noStrike">
@@ -19643,13 +20481,23 @@
                 <a:latin typeface="Arial"/>
                 <a:ea typeface="MS PGothic"/>
               </a:rPr>
-              <a:t>Phrase Level Recovery</a:t>
+              <a:t>Phrase Level </a:t>
+            </a:r>
+            <a:r>
+              <a:rPr b="0" lang="en-US" sz="3600" spc="-1" strike="noStrike">
+                <a:solidFill>
+                  <a:schemeClr val="accent1"/>
+                </a:solidFill>
+                <a:latin typeface="Arial"/>
+                <a:ea typeface="MS PGothic"/>
+              </a:rPr>
+              <a:t>Recovery</a:t>
             </a:r>
             <a:endParaRPr b="0" lang="en-US" sz="3600" spc="-1" strike="noStrike">
               <a:solidFill>
                 <a:srgbClr val="000000"/>
               </a:solidFill>
-              <a:latin typeface="Rockwell"/>
+              <a:latin typeface="Arial"/>
             </a:endParaRPr>
           </a:p>
         </p:txBody>
@@ -19667,7 +20515,7 @@
         <p:spPr>
           <a:xfrm>
             <a:off x="327960" y="1361520"/>
-            <a:ext cx="8488080" cy="3530160"/>
+            <a:ext cx="8487720" cy="3529800"/>
           </a:xfrm>
           <a:prstGeom prst="rect">
             <a:avLst/>
@@ -19678,7 +20526,7 @@
           </a:ln>
         </p:spPr>
         <p:txBody>
-          <a:bodyPr numCol="1" spcCol="0" anchor="t">
+          <a:bodyPr numCol="1" spcCol="0" lIns="90000" rIns="90000" tIns="45000" bIns="45000" anchor="t">
             <a:noAutofit/>
           </a:bodyPr>
           <a:p>
@@ -19770,9 +20618,9 @@
             </a:r>
             <a:endParaRPr b="0" lang="en-US" sz="2000" spc="-1" strike="noStrike">
               <a:solidFill>
-                <a:schemeClr val="accent1"/>
-              </a:solidFill>
-              <a:latin typeface="Cambria"/>
+                <a:srgbClr val="000000"/>
+              </a:solidFill>
+              <a:latin typeface="Arial"/>
             </a:endParaRPr>
           </a:p>
           <a:p>
@@ -19863,9 +20711,9 @@
             </a:r>
             <a:endParaRPr b="0" lang="en-US" sz="2000" spc="-1" strike="noStrike">
               <a:solidFill>
-                <a:schemeClr val="accent1"/>
-              </a:solidFill>
-              <a:latin typeface="Cambria"/>
+                <a:srgbClr val="000000"/>
+              </a:solidFill>
+              <a:latin typeface="Arial"/>
             </a:endParaRPr>
           </a:p>
           <a:p>
@@ -19915,9 +20763,9 @@
             </a:r>
             <a:endParaRPr b="0" lang="en-US" sz="1800" spc="-1" strike="noStrike">
               <a:solidFill>
-                <a:schemeClr val="accent1"/>
-              </a:solidFill>
-              <a:latin typeface="Cambria"/>
+                <a:srgbClr val="000000"/>
+              </a:solidFill>
+              <a:latin typeface="Arial"/>
             </a:endParaRPr>
           </a:p>
           <a:p>
@@ -19967,9 +20815,9 @@
             </a:r>
             <a:endParaRPr b="0" lang="en-US" sz="1800" spc="-1" strike="noStrike">
               <a:solidFill>
-                <a:schemeClr val="accent1"/>
-              </a:solidFill>
-              <a:latin typeface="Cambria"/>
+                <a:srgbClr val="000000"/>
+              </a:solidFill>
+              <a:latin typeface="Arial"/>
             </a:endParaRPr>
           </a:p>
         </p:txBody>
@@ -19983,7 +20831,7 @@
         <p:spPr>
           <a:xfrm>
             <a:off x="952200" y="2448360"/>
-            <a:ext cx="1185480" cy="549000"/>
+            <a:ext cx="1185120" cy="548640"/>
           </a:xfrm>
           <a:prstGeom prst="cloudCallout">
             <a:avLst>
@@ -20023,6 +20871,19 @@
           </a:effectRef>
           <a:fontRef idx="minor"/>
         </p:style>
+        <p:txBody>
+          <a:bodyPr lIns="90000" rIns="90000" tIns="45000" bIns="45000" anchor="t">
+            <a:noAutofit/>
+          </a:bodyPr>
+          <a:p>
+            <a:endParaRPr b="0" lang="en-US" sz="1800" spc="-1" strike="noStrike">
+              <a:solidFill>
+                <a:srgbClr val="000000"/>
+              </a:solidFill>
+              <a:latin typeface="Arial"/>
+            </a:endParaRPr>
+          </a:p>
+        </p:txBody>
       </p:sp>
       <p:sp>
         <p:nvSpPr>
@@ -20033,7 +20894,7 @@
         <p:spPr>
           <a:xfrm>
             <a:off x="1960920" y="2786040"/>
-            <a:ext cx="1410120" cy="651600"/>
+            <a:ext cx="1409760" cy="651240"/>
           </a:xfrm>
           <a:prstGeom prst="cloudCallout">
             <a:avLst>
@@ -20073,6 +20934,19 @@
           </a:effectRef>
           <a:fontRef idx="minor"/>
         </p:style>
+        <p:txBody>
+          <a:bodyPr lIns="90000" rIns="90000" tIns="45000" bIns="45000" anchor="t">
+            <a:noAutofit/>
+          </a:bodyPr>
+          <a:p>
+            <a:endParaRPr b="0" lang="en-US" sz="1800" spc="-1" strike="noStrike">
+              <a:solidFill>
+                <a:srgbClr val="000000"/>
+              </a:solidFill>
+              <a:latin typeface="Arial"/>
+            </a:endParaRPr>
+          </a:p>
+        </p:txBody>
       </p:sp>
       <p:sp>
         <p:nvSpPr>
@@ -20083,7 +20957,7 @@
         <p:spPr>
           <a:xfrm>
             <a:off x="837000" y="3776040"/>
-            <a:ext cx="4243680" cy="912600"/>
+            <a:ext cx="4243320" cy="912600"/>
           </a:xfrm>
           <a:prstGeom prst="rect">
             <a:avLst/>
@@ -20120,6 +20994,9 @@
               <a:t>FIRST, FOLLOW, and PREDICT sets will be discussed in detail time permitting.</a:t>
             </a:r>
             <a:endParaRPr b="0" lang="en-US" sz="1800" spc="-1" strike="noStrike">
+              <a:solidFill>
+                <a:srgbClr val="000000"/>
+              </a:solidFill>
               <a:latin typeface="Arial"/>
             </a:endParaRPr>
           </a:p>
@@ -20164,7 +21041,7 @@
         <p:spPr>
           <a:xfrm>
             <a:off x="215640" y="493920"/>
-            <a:ext cx="8732520" cy="4704480"/>
+            <a:ext cx="8732160" cy="4704120"/>
           </a:xfrm>
           <a:prstGeom prst="horizontalScroll">
             <a:avLst>
@@ -20176,10 +21053,7 @@
           </a:solidFill>
           <a:ln>
             <a:solidFill>
-              <a:srgbClr val="00529b">
-                <a:shade val="95000"/>
-                <a:satMod val="105000"/>
-              </a:srgbClr>
+              <a:srgbClr val="005097"/>
             </a:solidFill>
             <a:round/>
           </a:ln>
@@ -20229,6 +21103,9 @@
               <a:t>public void factor() {</a:t>
             </a:r>
             <a:endParaRPr b="0" lang="en-US" sz="1800" spc="-1" strike="noStrike">
+              <a:solidFill>
+                <a:srgbClr val="000000"/>
+              </a:solidFill>
               <a:latin typeface="Arial"/>
             </a:endParaRPr>
           </a:p>
@@ -20259,6 +21136,9 @@
               <a:t>if ( !(token.isType(INT_LIT) || token.isType(LPAREN) ) {</a:t>
             </a:r>
             <a:endParaRPr b="0" lang="en-US" sz="1800" spc="-1" strike="noStrike">
+              <a:solidFill>
+                <a:srgbClr val="000000"/>
+              </a:solidFill>
               <a:latin typeface="Arial"/>
             </a:endParaRPr>
           </a:p>
@@ -20289,6 +21169,9 @@
               <a:t>// report error</a:t>
             </a:r>
             <a:endParaRPr b="0" lang="en-US" sz="1800" spc="-1" strike="noStrike">
+              <a:solidFill>
+                <a:srgbClr val="000000"/>
+              </a:solidFill>
               <a:latin typeface="Arial"/>
             </a:endParaRPr>
           </a:p>
@@ -20319,6 +21202,9 @@
               <a:t>do { token = scanner.getNext(); }</a:t>
             </a:r>
             <a:endParaRPr b="0" lang="en-US" sz="1800" spc="-1" strike="noStrike">
+              <a:solidFill>
+                <a:srgbClr val="000000"/>
+              </a:solidFill>
               <a:latin typeface="Arial"/>
             </a:endParaRPr>
           </a:p>
@@ -20349,6 +21235,9 @@
               <a:t>while ( token not in FIRST(factor) &amp;&amp; </a:t>
             </a:r>
             <a:endParaRPr b="0" lang="en-US" sz="1800" spc="-1" strike="noStrike">
+              <a:solidFill>
+                <a:srgbClr val="000000"/>
+              </a:solidFill>
               <a:latin typeface="Arial"/>
             </a:endParaRPr>
           </a:p>
@@ -20379,6 +21268,9 @@
               <a:t>token not in FOLLOW(factor) );</a:t>
             </a:r>
             <a:endParaRPr b="0" lang="en-US" sz="1800" spc="-1" strike="noStrike">
+              <a:solidFill>
+                <a:srgbClr val="000000"/>
+              </a:solidFill>
               <a:latin typeface="Arial"/>
             </a:endParaRPr>
           </a:p>
@@ -20409,6 +21301,9 @@
               <a:t>}</a:t>
             </a:r>
             <a:endParaRPr b="0" lang="en-US" sz="1800" spc="-1" strike="noStrike">
+              <a:solidFill>
+                <a:srgbClr val="000000"/>
+              </a:solidFill>
               <a:latin typeface="Arial"/>
             </a:endParaRPr>
           </a:p>
@@ -20439,6 +21334,9 @@
               <a:t>if ( token.isType(INT_LIT) ) { consume(); }</a:t>
             </a:r>
             <a:endParaRPr b="0" lang="en-US" sz="1800" spc="-1" strike="noStrike">
+              <a:solidFill>
+                <a:srgbClr val="000000"/>
+              </a:solidFill>
               <a:latin typeface="Arial"/>
             </a:endParaRPr>
           </a:p>
@@ -20469,6 +21367,9 @@
               <a:t>else if ( token.isType(LPAREN) )</a:t>
             </a:r>
             <a:endParaRPr b="0" lang="en-US" sz="1800" spc="-1" strike="noStrike">
+              <a:solidFill>
+                <a:srgbClr val="000000"/>
+              </a:solidFill>
               <a:latin typeface="Arial"/>
             </a:endParaRPr>
           </a:p>
@@ -20499,6 +21400,9 @@
               <a:t>{ consume(); expr(); process(RPAREN); }</a:t>
             </a:r>
             <a:endParaRPr b="0" lang="en-US" sz="1800" spc="-1" strike="noStrike">
+              <a:solidFill>
+                <a:srgbClr val="000000"/>
+              </a:solidFill>
               <a:latin typeface="Arial"/>
             </a:endParaRPr>
           </a:p>
@@ -20529,6 +21433,9 @@
               <a:t>//else error()</a:t>
             </a:r>
             <a:endParaRPr b="0" lang="en-US" sz="1800" spc="-1" strike="noStrike">
+              <a:solidFill>
+                <a:srgbClr val="000000"/>
+              </a:solidFill>
               <a:latin typeface="Arial"/>
             </a:endParaRPr>
           </a:p>
@@ -20549,6 +21456,9 @@
               <a:t>}</a:t>
             </a:r>
             <a:endParaRPr b="0" lang="en-US" sz="1800" spc="-1" strike="noStrike">
+              <a:solidFill>
+                <a:srgbClr val="000000"/>
+              </a:solidFill>
               <a:latin typeface="Arial"/>
             </a:endParaRPr>
           </a:p>
@@ -20567,7 +21477,7 @@
         <p:spPr>
           <a:xfrm>
             <a:off x="327960" y="524520"/>
-            <a:ext cx="8290080" cy="836640"/>
+            <a:ext cx="8289720" cy="836280"/>
           </a:xfrm>
           <a:prstGeom prst="rect">
             <a:avLst/>
@@ -20578,7 +21488,7 @@
           </a:ln>
         </p:spPr>
         <p:txBody>
-          <a:bodyPr numCol="1" spcCol="0" anchor="t">
+          <a:bodyPr numCol="1" spcCol="0" lIns="90000" rIns="90000" tIns="45000" bIns="45000" anchor="t">
             <a:noAutofit/>
           </a:bodyPr>
           <a:p>
@@ -20587,6 +21497,9 @@
                 <a:spcPct val="100000"/>
               </a:lnSpc>
               <a:buNone/>
+              <a:tabLst>
+                <a:tab algn="l" pos="0"/>
+              </a:tabLst>
             </a:pPr>
             <a:r>
               <a:rPr b="0" lang="en-US" sz="2800" spc="-1" strike="noStrike">
@@ -20606,13 +21519,23 @@
                 <a:latin typeface="Consolas"/>
                 <a:ea typeface="MS PGothic"/>
               </a:rPr>
-              <a:t> factor ::= INT_LIT | ( expr )</a:t>
+              <a:t> factor ::= INT_LIT | </a:t>
+            </a:r>
+            <a:r>
+              <a:rPr b="0" lang="en-US" sz="2800" spc="-1" strike="noStrike">
+                <a:solidFill>
+                  <a:schemeClr val="accent1"/>
+                </a:solidFill>
+                <a:latin typeface="Consolas"/>
+                <a:ea typeface="MS PGothic"/>
+              </a:rPr>
+              <a:t>( expr )</a:t>
             </a:r>
             <a:endParaRPr b="0" lang="en-US" sz="2800" spc="-1" strike="noStrike">
               <a:solidFill>
                 <a:srgbClr val="000000"/>
               </a:solidFill>
-              <a:latin typeface="Rockwell"/>
+              <a:latin typeface="Arial"/>
             </a:endParaRPr>
           </a:p>
         </p:txBody>
@@ -20630,7 +21553,7 @@
         <p:spPr>
           <a:xfrm>
             <a:off x="1150560" y="4701240"/>
-            <a:ext cx="6811560" cy="517680"/>
+            <a:ext cx="6811200" cy="517320"/>
           </a:xfrm>
           <a:prstGeom prst="rect">
             <a:avLst/>
@@ -20641,7 +21564,7 @@
           </a:ln>
         </p:spPr>
         <p:txBody>
-          <a:bodyPr numCol="1" spcCol="0" anchor="t">
+          <a:bodyPr numCol="1" spcCol="0" lIns="90000" rIns="90000" tIns="45000" bIns="45000" anchor="t">
             <a:noAutofit/>
           </a:bodyPr>
           <a:p>
@@ -20669,9 +21592,9 @@
             </a:r>
             <a:endParaRPr b="0" lang="en-US" sz="2000" spc="-1" strike="noStrike">
               <a:solidFill>
-                <a:schemeClr val="accent1"/>
-              </a:solidFill>
-              <a:latin typeface="Cambria"/>
+                <a:srgbClr val="000000"/>
+              </a:solidFill>
+              <a:latin typeface="Arial"/>
             </a:endParaRPr>
           </a:p>
         </p:txBody>
@@ -20715,7 +21638,7 @@
         <p:spPr>
           <a:xfrm>
             <a:off x="215640" y="493920"/>
-            <a:ext cx="8732520" cy="4704480"/>
+            <a:ext cx="8732160" cy="4704120"/>
           </a:xfrm>
           <a:prstGeom prst="horizontalScroll">
             <a:avLst>
@@ -20727,10 +21650,7 @@
           </a:solidFill>
           <a:ln>
             <a:solidFill>
-              <a:srgbClr val="00529b">
-                <a:shade val="95000"/>
-                <a:satMod val="105000"/>
-              </a:srgbClr>
+              <a:srgbClr val="005097"/>
             </a:solidFill>
             <a:round/>
           </a:ln>
@@ -20780,6 +21700,9 @@
               <a:t>public void factor() {</a:t>
             </a:r>
             <a:endParaRPr b="0" lang="en-US" sz="1800" spc="-1" strike="noStrike">
+              <a:solidFill>
+                <a:srgbClr val="000000"/>
+              </a:solidFill>
               <a:latin typeface="Arial"/>
             </a:endParaRPr>
           </a:p>
@@ -20810,6 +21733,9 @@
               <a:t>if ( !(token.isType(INT_LIT) || token.isType(LPAREN) ) {</a:t>
             </a:r>
             <a:endParaRPr b="0" lang="en-US" sz="1800" spc="-1" strike="noStrike">
+              <a:solidFill>
+                <a:srgbClr val="000000"/>
+              </a:solidFill>
               <a:latin typeface="Arial"/>
             </a:endParaRPr>
           </a:p>
@@ -20840,6 +21766,9 @@
               <a:t>// report error</a:t>
             </a:r>
             <a:endParaRPr b="0" lang="en-US" sz="1800" spc="-1" strike="noStrike">
+              <a:solidFill>
+                <a:srgbClr val="000000"/>
+              </a:solidFill>
               <a:latin typeface="Arial"/>
             </a:endParaRPr>
           </a:p>
@@ -20870,6 +21799,9 @@
               <a:t>do { token = scanner.getNext(); }</a:t>
             </a:r>
             <a:endParaRPr b="0" lang="en-US" sz="1800" spc="-1" strike="noStrike">
+              <a:solidFill>
+                <a:srgbClr val="000000"/>
+              </a:solidFill>
               <a:latin typeface="Arial"/>
             </a:endParaRPr>
           </a:p>
@@ -20900,6 +21832,9 @@
               <a:t>while ( token not in FIRST(factor) &amp;&amp; </a:t>
             </a:r>
             <a:endParaRPr b="0" lang="en-US" sz="1800" spc="-1" strike="noStrike">
+              <a:solidFill>
+                <a:srgbClr val="000000"/>
+              </a:solidFill>
               <a:latin typeface="Arial"/>
             </a:endParaRPr>
           </a:p>
@@ -20930,6 +21865,9 @@
               <a:t>token not in FOLLOW(factor) );</a:t>
             </a:r>
             <a:endParaRPr b="0" lang="en-US" sz="1800" spc="-1" strike="noStrike">
+              <a:solidFill>
+                <a:srgbClr val="000000"/>
+              </a:solidFill>
               <a:latin typeface="Arial"/>
             </a:endParaRPr>
           </a:p>
@@ -20960,6 +21898,9 @@
               <a:t>}</a:t>
             </a:r>
             <a:endParaRPr b="0" lang="en-US" sz="1800" spc="-1" strike="noStrike">
+              <a:solidFill>
+                <a:srgbClr val="000000"/>
+              </a:solidFill>
               <a:latin typeface="Arial"/>
             </a:endParaRPr>
           </a:p>
@@ -20990,6 +21931,9 @@
               <a:t>if ( token.isType(INT_LIT) ) { consume(); }</a:t>
             </a:r>
             <a:endParaRPr b="0" lang="en-US" sz="1800" spc="-1" strike="noStrike">
+              <a:solidFill>
+                <a:srgbClr val="000000"/>
+              </a:solidFill>
               <a:latin typeface="Arial"/>
             </a:endParaRPr>
           </a:p>
@@ -21020,6 +21964,9 @@
               <a:t>else if ( token.isType(LPAREN) )</a:t>
             </a:r>
             <a:endParaRPr b="0" lang="en-US" sz="1800" spc="-1" strike="noStrike">
+              <a:solidFill>
+                <a:srgbClr val="000000"/>
+              </a:solidFill>
               <a:latin typeface="Arial"/>
             </a:endParaRPr>
           </a:p>
@@ -21070,6 +22017,9 @@
               <a:t> }</a:t>
             </a:r>
             <a:endParaRPr b="0" lang="en-US" sz="1800" spc="-1" strike="noStrike">
+              <a:solidFill>
+                <a:srgbClr val="000000"/>
+              </a:solidFill>
               <a:latin typeface="Arial"/>
             </a:endParaRPr>
           </a:p>
@@ -21100,6 +22050,9 @@
               <a:t>//else error()</a:t>
             </a:r>
             <a:endParaRPr b="0" lang="en-US" sz="1800" spc="-1" strike="noStrike">
+              <a:solidFill>
+                <a:srgbClr val="000000"/>
+              </a:solidFill>
               <a:latin typeface="Arial"/>
             </a:endParaRPr>
           </a:p>
@@ -21120,6 +22073,9 @@
               <a:t>}</a:t>
             </a:r>
             <a:endParaRPr b="0" lang="en-US" sz="1800" spc="-1" strike="noStrike">
+              <a:solidFill>
+                <a:srgbClr val="000000"/>
+              </a:solidFill>
               <a:latin typeface="Arial"/>
             </a:endParaRPr>
           </a:p>
@@ -21138,7 +22094,7 @@
         <p:spPr>
           <a:xfrm>
             <a:off x="327960" y="524520"/>
-            <a:ext cx="8290080" cy="836640"/>
+            <a:ext cx="8289720" cy="836280"/>
           </a:xfrm>
           <a:prstGeom prst="rect">
             <a:avLst/>
@@ -21149,7 +22105,7 @@
           </a:ln>
         </p:spPr>
         <p:txBody>
-          <a:bodyPr numCol="1" spcCol="0" anchor="t">
+          <a:bodyPr numCol="1" spcCol="0" lIns="90000" rIns="90000" tIns="45000" bIns="45000" anchor="t">
             <a:noAutofit/>
           </a:bodyPr>
           <a:p>
@@ -21158,6 +22114,9 @@
                 <a:spcPct val="100000"/>
               </a:lnSpc>
               <a:buNone/>
+              <a:tabLst>
+                <a:tab algn="l" pos="0"/>
+              </a:tabLst>
             </a:pPr>
             <a:r>
               <a:rPr b="0" lang="en-US" sz="2800" spc="-1" strike="noStrike">
@@ -21177,13 +22136,23 @@
                 <a:latin typeface="Consolas"/>
                 <a:ea typeface="MS PGothic"/>
               </a:rPr>
-              <a:t> factor ::= INT_LIT | ( expr )</a:t>
+              <a:t> factor ::= INT_LIT | </a:t>
+            </a:r>
+            <a:r>
+              <a:rPr b="0" lang="en-US" sz="2800" spc="-1" strike="noStrike">
+                <a:solidFill>
+                  <a:schemeClr val="accent1"/>
+                </a:solidFill>
+                <a:latin typeface="Consolas"/>
+                <a:ea typeface="MS PGothic"/>
+              </a:rPr>
+              <a:t>( expr )</a:t>
             </a:r>
             <a:endParaRPr b="0" lang="en-US" sz="2800" spc="-1" strike="noStrike">
               <a:solidFill>
                 <a:srgbClr val="000000"/>
               </a:solidFill>
-              <a:latin typeface="Rockwell"/>
+              <a:latin typeface="Arial"/>
             </a:endParaRPr>
           </a:p>
         </p:txBody>
@@ -21197,7 +22166,7 @@
         <p:spPr>
           <a:xfrm>
             <a:off x="3040560" y="1382400"/>
-            <a:ext cx="5577120" cy="1448640"/>
+            <a:ext cx="5576760" cy="1448280"/>
           </a:xfrm>
           <a:prstGeom prst="wedgeRoundRectCallout">
             <a:avLst>
@@ -21271,6 +22240,9 @@
               <a:t>if not the expected token, process just reports the error and returns, effectively inserting the expected token</a:t>
             </a:r>
             <a:endParaRPr b="0" lang="en-US" sz="2200" spc="-1" strike="noStrike">
+              <a:solidFill>
+                <a:srgbClr val="000000"/>
+              </a:solidFill>
               <a:latin typeface="Arial"/>
             </a:endParaRPr>
           </a:p>
@@ -21319,7 +22291,7 @@
         <p:spPr>
           <a:xfrm>
             <a:off x="327960" y="524520"/>
-            <a:ext cx="8290080" cy="836640"/>
+            <a:ext cx="8289720" cy="836280"/>
           </a:xfrm>
           <a:prstGeom prst="rect">
             <a:avLst/>
@@ -21330,7 +22302,7 @@
           </a:ln>
         </p:spPr>
         <p:txBody>
-          <a:bodyPr numCol="1" spcCol="0" anchor="t">
+          <a:bodyPr numCol="1" spcCol="0" lIns="90000" rIns="90000" tIns="45000" bIns="45000" anchor="t">
             <a:noAutofit/>
           </a:bodyPr>
           <a:p>
@@ -21339,6 +22311,9 @@
                 <a:spcPct val="100000"/>
               </a:lnSpc>
               <a:buNone/>
+              <a:tabLst>
+                <a:tab algn="l" pos="0"/>
+              </a:tabLst>
             </a:pPr>
             <a:r>
               <a:rPr b="0" lang="en-US" sz="3600" spc="-1" strike="noStrike">
@@ -21348,13 +22323,23 @@
                 <a:latin typeface="Arial"/>
                 <a:ea typeface="MS PGothic"/>
               </a:rPr>
-              <a:t>Context Specific look-ahead</a:t>
+              <a:t>Context Specific </a:t>
+            </a:r>
+            <a:r>
+              <a:rPr b="0" lang="en-US" sz="3600" spc="-1" strike="noStrike">
+                <a:solidFill>
+                  <a:schemeClr val="accent1"/>
+                </a:solidFill>
+                <a:latin typeface="Arial"/>
+                <a:ea typeface="MS PGothic"/>
+              </a:rPr>
+              <a:t>look-ahead</a:t>
             </a:r>
             <a:endParaRPr b="0" lang="en-US" sz="3600" spc="-1" strike="noStrike">
               <a:solidFill>
                 <a:srgbClr val="000000"/>
               </a:solidFill>
-              <a:latin typeface="Rockwell"/>
+              <a:latin typeface="Arial"/>
             </a:endParaRPr>
           </a:p>
         </p:txBody>
@@ -21372,7 +22357,7 @@
         <p:spPr>
           <a:xfrm>
             <a:off x="327960" y="1361520"/>
-            <a:ext cx="8488080" cy="3530160"/>
+            <a:ext cx="8487720" cy="3529800"/>
           </a:xfrm>
           <a:prstGeom prst="rect">
             <a:avLst/>
@@ -21383,7 +22368,7 @@
           </a:ln>
         </p:spPr>
         <p:txBody>
-          <a:bodyPr numCol="1" spcCol="0" anchor="t">
+          <a:bodyPr numCol="1" spcCol="0" lIns="90000" rIns="90000" tIns="45000" bIns="45000" anchor="t">
             <a:noAutofit/>
           </a:bodyPr>
           <a:p>
@@ -21413,9 +22398,9 @@
             </a:r>
             <a:endParaRPr b="0" lang="en-US" sz="2000" spc="-1" strike="noStrike">
               <a:solidFill>
-                <a:schemeClr val="accent1"/>
-              </a:solidFill>
-              <a:latin typeface="Cambria"/>
+                <a:srgbClr val="000000"/>
+              </a:solidFill>
+              <a:latin typeface="Arial"/>
             </a:endParaRPr>
           </a:p>
           <a:p>
@@ -21445,9 +22430,9 @@
             </a:r>
             <a:endParaRPr b="0" lang="en-US" sz="2000" spc="-1" strike="noStrike">
               <a:solidFill>
-                <a:schemeClr val="accent1"/>
-              </a:solidFill>
-              <a:latin typeface="Cambria"/>
+                <a:srgbClr val="000000"/>
+              </a:solidFill>
+              <a:latin typeface="Arial"/>
             </a:endParaRPr>
           </a:p>
           <a:p>
@@ -21477,9 +22462,9 @@
             </a:r>
             <a:endParaRPr b="0" lang="en-US" sz="2000" spc="-1" strike="noStrike">
               <a:solidFill>
-                <a:schemeClr val="accent1"/>
-              </a:solidFill>
-              <a:latin typeface="Cambria"/>
+                <a:srgbClr val="000000"/>
+              </a:solidFill>
+              <a:latin typeface="Arial"/>
             </a:endParaRPr>
           </a:p>
         </p:txBody>
@@ -21527,7 +22512,7 @@
         <p:spPr>
           <a:xfrm>
             <a:off x="327960" y="524520"/>
-            <a:ext cx="8290080" cy="836640"/>
+            <a:ext cx="8289720" cy="836280"/>
           </a:xfrm>
           <a:prstGeom prst="rect">
             <a:avLst/>
@@ -21538,7 +22523,7 @@
           </a:ln>
         </p:spPr>
         <p:txBody>
-          <a:bodyPr numCol="1" spcCol="0" anchor="t">
+          <a:bodyPr numCol="1" spcCol="0" lIns="90000" rIns="90000" tIns="45000" bIns="45000" anchor="t">
             <a:noAutofit/>
           </a:bodyPr>
           <a:p>
@@ -21547,6 +22532,9 @@
                 <a:spcPct val="100000"/>
               </a:lnSpc>
               <a:buNone/>
+              <a:tabLst>
+                <a:tab algn="l" pos="0"/>
+              </a:tabLst>
             </a:pPr>
             <a:r>
               <a:rPr b="0" lang="en-US" sz="3600" spc="-1" strike="noStrike">
@@ -21562,7 +22550,7 @@
               <a:solidFill>
                 <a:srgbClr val="000000"/>
               </a:solidFill>
-              <a:latin typeface="Rockwell"/>
+              <a:latin typeface="Arial"/>
             </a:endParaRPr>
           </a:p>
         </p:txBody>
@@ -21580,7 +22568,7 @@
         <p:spPr>
           <a:xfrm>
             <a:off x="327960" y="1361520"/>
-            <a:ext cx="8488080" cy="3530160"/>
+            <a:ext cx="8487720" cy="3529800"/>
           </a:xfrm>
           <a:prstGeom prst="rect">
             <a:avLst/>
@@ -21591,7 +22579,7 @@
           </a:ln>
         </p:spPr>
         <p:txBody>
-          <a:bodyPr numCol="1" spcCol="0" anchor="t">
+          <a:bodyPr numCol="1" spcCol="0" lIns="90000" rIns="90000" tIns="45000" bIns="45000" anchor="t">
             <a:noAutofit/>
           </a:bodyPr>
           <a:p>
@@ -21641,9 +22629,9 @@
             </a:r>
             <a:endParaRPr b="0" lang="en-US" sz="2000" spc="-1" strike="noStrike">
               <a:solidFill>
-                <a:schemeClr val="accent1"/>
-              </a:solidFill>
-              <a:latin typeface="Cambria"/>
+                <a:srgbClr val="000000"/>
+              </a:solidFill>
+              <a:latin typeface="Arial"/>
             </a:endParaRPr>
           </a:p>
           <a:p>
@@ -21723,9 +22711,9 @@
             </a:r>
             <a:endParaRPr b="0" lang="en-US" sz="2000" spc="-1" strike="noStrike">
               <a:solidFill>
-                <a:schemeClr val="accent1"/>
-              </a:solidFill>
-              <a:latin typeface="Cambria"/>
+                <a:srgbClr val="000000"/>
+              </a:solidFill>
+              <a:latin typeface="Arial"/>
             </a:endParaRPr>
           </a:p>
           <a:p>
@@ -21795,9 +22783,9 @@
             </a:r>
             <a:endParaRPr b="0" lang="en-US" sz="2000" spc="-1" strike="noStrike">
               <a:solidFill>
-                <a:schemeClr val="accent1"/>
-              </a:solidFill>
-              <a:latin typeface="Cambria"/>
+                <a:srgbClr val="000000"/>
+              </a:solidFill>
+              <a:latin typeface="Arial"/>
             </a:endParaRPr>
           </a:p>
           <a:p>
@@ -21907,9 +22895,9 @@
             </a:r>
             <a:endParaRPr b="0" lang="en-US" sz="2000" spc="-1" strike="noStrike">
               <a:solidFill>
-                <a:schemeClr val="accent1"/>
-              </a:solidFill>
-              <a:latin typeface="Cambria"/>
+                <a:srgbClr val="000000"/>
+              </a:solidFill>
+              <a:latin typeface="Arial"/>
             </a:endParaRPr>
           </a:p>
           <a:p>
@@ -21999,9 +22987,9 @@
             </a:r>
             <a:endParaRPr b="0" lang="en-US" sz="2000" spc="-1" strike="noStrike">
               <a:solidFill>
-                <a:schemeClr val="accent1"/>
-              </a:solidFill>
-              <a:latin typeface="Cambria"/>
+                <a:srgbClr val="000000"/>
+              </a:solidFill>
+              <a:latin typeface="Arial"/>
             </a:endParaRPr>
           </a:p>
         </p:txBody>
@@ -22049,7 +23037,7 @@
         <p:spPr>
           <a:xfrm>
             <a:off x="327960" y="524520"/>
-            <a:ext cx="8290080" cy="836640"/>
+            <a:ext cx="8289720" cy="836280"/>
           </a:xfrm>
           <a:prstGeom prst="rect">
             <a:avLst/>
@@ -22060,7 +23048,7 @@
           </a:ln>
         </p:spPr>
         <p:txBody>
-          <a:bodyPr numCol="1" spcCol="0" anchor="t">
+          <a:bodyPr numCol="1" spcCol="0" lIns="90000" rIns="90000" tIns="45000" bIns="45000" anchor="t">
             <a:noAutofit/>
           </a:bodyPr>
           <a:p>
@@ -22069,6 +23057,9 @@
                 <a:spcPct val="100000"/>
               </a:lnSpc>
               <a:buNone/>
+              <a:tabLst>
+                <a:tab algn="l" pos="0"/>
+              </a:tabLst>
             </a:pPr>
             <a:r>
               <a:rPr b="0" lang="en-US" sz="3600" spc="-1" strike="noStrike">
@@ -22084,7 +23075,7 @@
               <a:solidFill>
                 <a:srgbClr val="000000"/>
               </a:solidFill>
-              <a:latin typeface="Rockwell"/>
+              <a:latin typeface="Arial"/>
             </a:endParaRPr>
           </a:p>
         </p:txBody>
@@ -22102,7 +23093,7 @@
         <p:spPr>
           <a:xfrm>
             <a:off x="327960" y="1361520"/>
-            <a:ext cx="8488080" cy="3530160"/>
+            <a:ext cx="8487720" cy="3529800"/>
           </a:xfrm>
           <a:prstGeom prst="rect">
             <a:avLst/>
@@ -22113,7 +23104,7 @@
           </a:ln>
         </p:spPr>
         <p:txBody>
-          <a:bodyPr numCol="1" spcCol="0" anchor="t">
+          <a:bodyPr numCol="1" spcCol="0" lIns="90000" rIns="90000" tIns="45000" bIns="45000" anchor="t">
             <a:noAutofit/>
           </a:bodyPr>
           <a:p>
@@ -22163,9 +23154,9 @@
             </a:r>
             <a:endParaRPr b="0" lang="en-US" sz="2000" spc="-1" strike="noStrike">
               <a:solidFill>
-                <a:schemeClr val="accent1"/>
-              </a:solidFill>
-              <a:latin typeface="Cambria"/>
+                <a:srgbClr val="000000"/>
+              </a:solidFill>
+              <a:latin typeface="Arial"/>
             </a:endParaRPr>
           </a:p>
           <a:p>
@@ -22196,9 +23187,9 @@
             </a:r>
             <a:endParaRPr b="0" lang="en-US" sz="2000" spc="-1" strike="noStrike">
               <a:solidFill>
-                <a:schemeClr val="accent1"/>
-              </a:solidFill>
-              <a:latin typeface="Cambria"/>
+                <a:srgbClr val="000000"/>
+              </a:solidFill>
+              <a:latin typeface="Arial"/>
             </a:endParaRPr>
           </a:p>
           <a:p>
@@ -22238,9 +23229,9 @@
             </a:r>
             <a:endParaRPr b="0" lang="en-US" sz="1800" spc="-1" strike="noStrike">
               <a:solidFill>
-                <a:schemeClr val="accent1"/>
-              </a:solidFill>
-              <a:latin typeface="Cambria"/>
+                <a:srgbClr val="000000"/>
+              </a:solidFill>
+              <a:latin typeface="Arial"/>
             </a:endParaRPr>
           </a:p>
           <a:p>
@@ -22310,9 +23301,9 @@
             </a:r>
             <a:endParaRPr b="0" lang="en-US" sz="1800" spc="-1" strike="noStrike">
               <a:solidFill>
-                <a:schemeClr val="accent1"/>
-              </a:solidFill>
-              <a:latin typeface="Cambria"/>
+                <a:srgbClr val="000000"/>
+              </a:solidFill>
+              <a:latin typeface="Arial"/>
             </a:endParaRPr>
           </a:p>
           <a:p>
@@ -22362,9 +23353,9 @@
             </a:r>
             <a:endParaRPr b="0" lang="en-US" sz="1800" spc="-1" strike="noStrike">
               <a:solidFill>
-                <a:schemeClr val="accent1"/>
-              </a:solidFill>
-              <a:latin typeface="Cambria"/>
+                <a:srgbClr val="000000"/>
+              </a:solidFill>
+              <a:latin typeface="Arial"/>
             </a:endParaRPr>
           </a:p>
           <a:p>
@@ -22434,9 +23425,9 @@
             </a:r>
             <a:endParaRPr b="0" lang="en-US" sz="1800" spc="-1" strike="noStrike">
               <a:solidFill>
-                <a:schemeClr val="accent1"/>
-              </a:solidFill>
-              <a:latin typeface="Cambria"/>
+                <a:srgbClr val="000000"/>
+              </a:solidFill>
+              <a:latin typeface="Arial"/>
             </a:endParaRPr>
           </a:p>
         </p:txBody>
@@ -22480,7 +23471,7 @@
         <p:spPr>
           <a:xfrm>
             <a:off x="215640" y="555480"/>
-            <a:ext cx="8712000" cy="4519800"/>
+            <a:ext cx="8711640" cy="4519440"/>
           </a:xfrm>
           <a:prstGeom prst="horizontalScroll">
             <a:avLst>
@@ -22492,10 +23483,7 @@
           </a:solidFill>
           <a:ln>
             <a:solidFill>
-              <a:srgbClr val="00529b">
-                <a:shade val="95000"/>
-                <a:satMod val="105000"/>
-              </a:srgbClr>
+              <a:srgbClr val="005097"/>
             </a:solidFill>
             <a:round/>
           </a:ln>
@@ -22545,6 +23533,9 @@
               <a:t>public void factor() throws SyntaxException {</a:t>
             </a:r>
             <a:endParaRPr b="0" lang="en-US" sz="1800" spc="-1" strike="noStrike">
+              <a:solidFill>
+                <a:srgbClr val="000000"/>
+              </a:solidFill>
               <a:latin typeface="Arial"/>
             </a:endParaRPr>
           </a:p>
@@ -22575,6 +23566,9 @@
               <a:t>if ( token.isType(INT_LIT) ) { consume(); }</a:t>
             </a:r>
             <a:endParaRPr b="0" lang="en-US" sz="1800" spc="-1" strike="noStrike">
+              <a:solidFill>
+                <a:srgbClr val="000000"/>
+              </a:solidFill>
               <a:latin typeface="Arial"/>
             </a:endParaRPr>
           </a:p>
@@ -22605,6 +23599,9 @@
               <a:t>else if ( token.isType(LPAREN) )</a:t>
             </a:r>
             <a:endParaRPr b="0" lang="en-US" sz="1800" spc="-1" strike="noStrike">
+              <a:solidFill>
+                <a:srgbClr val="000000"/>
+              </a:solidFill>
               <a:latin typeface="Arial"/>
             </a:endParaRPr>
           </a:p>
@@ -22635,6 +23632,9 @@
               <a:t>{ consume(); expr(); process(RPAREN); }</a:t>
             </a:r>
             <a:endParaRPr b="0" lang="en-US" sz="1800" spc="-1" strike="noStrike">
+              <a:solidFill>
+                <a:srgbClr val="000000"/>
+              </a:solidFill>
               <a:latin typeface="Arial"/>
             </a:endParaRPr>
           </a:p>
@@ -22645,6 +23645,9 @@
               </a:lnSpc>
             </a:pPr>
             <a:endParaRPr b="0" lang="en-US" sz="1800" spc="-1" strike="noStrike">
+              <a:solidFill>
+                <a:srgbClr val="000000"/>
+              </a:solidFill>
               <a:latin typeface="Arial"/>
             </a:endParaRPr>
           </a:p>
@@ -22675,6 +23678,9 @@
               <a:t>else throw new SyntaxException(…);</a:t>
             </a:r>
             <a:endParaRPr b="0" lang="en-US" sz="1800" spc="-1" strike="noStrike">
+              <a:solidFill>
+                <a:srgbClr val="000000"/>
+              </a:solidFill>
               <a:latin typeface="Arial"/>
             </a:endParaRPr>
           </a:p>
@@ -22695,6 +23701,9 @@
               <a:t>}</a:t>
             </a:r>
             <a:endParaRPr b="0" lang="en-US" sz="1800" spc="-1" strike="noStrike">
+              <a:solidFill>
+                <a:srgbClr val="000000"/>
+              </a:solidFill>
               <a:latin typeface="Arial"/>
             </a:endParaRPr>
           </a:p>
@@ -22713,7 +23722,7 @@
         <p:spPr>
           <a:xfrm>
             <a:off x="327960" y="524520"/>
-            <a:ext cx="8290080" cy="836640"/>
+            <a:ext cx="8289720" cy="836280"/>
           </a:xfrm>
           <a:prstGeom prst="rect">
             <a:avLst/>
@@ -22724,7 +23733,7 @@
           </a:ln>
         </p:spPr>
         <p:txBody>
-          <a:bodyPr numCol="1" spcCol="0" anchor="t">
+          <a:bodyPr numCol="1" spcCol="0" lIns="90000" rIns="90000" tIns="45000" bIns="45000" anchor="t">
             <a:noAutofit/>
           </a:bodyPr>
           <a:p>
@@ -22758,13 +23767,23 @@
                 <a:latin typeface="Consolas"/>
                 <a:ea typeface="MS PGothic"/>
               </a:rPr>
-              <a:t> factor ::= INT_LIT | ( expr )</a:t>
+              <a:t> factor ::= INT_LIT | </a:t>
+            </a:r>
+            <a:r>
+              <a:rPr b="0" lang="en-US" sz="2800" spc="-1" strike="noStrike">
+                <a:solidFill>
+                  <a:schemeClr val="accent1"/>
+                </a:solidFill>
+                <a:latin typeface="Consolas"/>
+                <a:ea typeface="MS PGothic"/>
+              </a:rPr>
+              <a:t>( expr )</a:t>
             </a:r>
             <a:endParaRPr b="0" lang="en-US" sz="2800" spc="-1" strike="noStrike">
               <a:solidFill>
                 <a:srgbClr val="000000"/>
               </a:solidFill>
-              <a:latin typeface="Rockwell"/>
+              <a:latin typeface="Arial"/>
             </a:endParaRPr>
           </a:p>
         </p:txBody>
@@ -22812,7 +23831,7 @@
         <p:spPr>
           <a:xfrm>
             <a:off x="327960" y="524520"/>
-            <a:ext cx="8815680" cy="836640"/>
+            <a:ext cx="8815320" cy="836280"/>
           </a:xfrm>
           <a:prstGeom prst="rect">
             <a:avLst/>
@@ -22823,7 +23842,7 @@
           </a:ln>
         </p:spPr>
         <p:txBody>
-          <a:bodyPr numCol="1" spcCol="0" anchor="t">
+          <a:bodyPr numCol="1" spcCol="0" lIns="90000" rIns="90000" tIns="45000" bIns="45000" anchor="t">
             <a:noAutofit/>
           </a:bodyPr>
           <a:p>
@@ -22832,6 +23851,9 @@
                 <a:spcPct val="100000"/>
               </a:lnSpc>
               <a:buNone/>
+              <a:tabLst>
+                <a:tab algn="l" pos="0"/>
+              </a:tabLst>
             </a:pPr>
             <a:r>
               <a:rPr b="0" lang="en-US" sz="3600" spc="-1" strike="noStrike">
@@ -22841,13 +23863,23 @@
                 <a:latin typeface="Arial"/>
                 <a:ea typeface="MS PGothic"/>
               </a:rPr>
-              <a:t>Why Not Parse with Regular Expressions?</a:t>
+              <a:t>Why Not Parse with </a:t>
+            </a:r>
+            <a:r>
+              <a:rPr b="0" lang="en-US" sz="3600" spc="-1" strike="noStrike">
+                <a:solidFill>
+                  <a:schemeClr val="accent1"/>
+                </a:solidFill>
+                <a:latin typeface="Arial"/>
+                <a:ea typeface="MS PGothic"/>
+              </a:rPr>
+              <a:t>Regular Expressions?</a:t>
             </a:r>
             <a:endParaRPr b="0" lang="en-US" sz="3600" spc="-1" strike="noStrike">
               <a:solidFill>
                 <a:srgbClr val="000000"/>
               </a:solidFill>
-              <a:latin typeface="Rockwell"/>
+              <a:latin typeface="Arial"/>
             </a:endParaRPr>
           </a:p>
         </p:txBody>
@@ -22865,7 +23897,7 @@
         <p:spPr>
           <a:xfrm>
             <a:off x="327960" y="1361520"/>
-            <a:ext cx="4998240" cy="3530160"/>
+            <a:ext cx="4997880" cy="3529800"/>
           </a:xfrm>
           <a:prstGeom prst="rect">
             <a:avLst/>
@@ -22876,7 +23908,7 @@
           </a:ln>
         </p:spPr>
         <p:txBody>
-          <a:bodyPr numCol="1" spcCol="0" anchor="t">
+          <a:bodyPr numCol="1" spcCol="0" lIns="90000" rIns="90000" tIns="45000" bIns="45000" anchor="t">
             <a:noAutofit/>
           </a:bodyPr>
           <a:p>
@@ -22916,9 +23948,9 @@
             </a:r>
             <a:endParaRPr b="0" lang="en-US" sz="2000" spc="-1" strike="noStrike">
               <a:solidFill>
-                <a:schemeClr val="accent1"/>
-              </a:solidFill>
-              <a:latin typeface="Cambria"/>
+                <a:srgbClr val="000000"/>
+              </a:solidFill>
+              <a:latin typeface="Arial"/>
             </a:endParaRPr>
           </a:p>
           <a:p>
@@ -22979,9 +24011,9 @@
             </a:r>
             <a:endParaRPr b="0" lang="en-US" sz="2000" spc="-1" strike="noStrike">
               <a:solidFill>
-                <a:schemeClr val="accent1"/>
-              </a:solidFill>
-              <a:latin typeface="Cambria"/>
+                <a:srgbClr val="000000"/>
+              </a:solidFill>
+              <a:latin typeface="Arial"/>
             </a:endParaRPr>
           </a:p>
           <a:p>
@@ -22999,9 +24031,9 @@
             </a:pPr>
             <a:endParaRPr b="0" lang="en-US" sz="2000" spc="-1" strike="noStrike">
               <a:solidFill>
-                <a:schemeClr val="accent1"/>
-              </a:solidFill>
-              <a:latin typeface="Cambria"/>
+                <a:srgbClr val="000000"/>
+              </a:solidFill>
+              <a:latin typeface="Arial"/>
             </a:endParaRPr>
           </a:p>
           <a:p>
@@ -23040,9 +24072,9 @@
             </a:r>
             <a:endParaRPr b="0" lang="en-US" sz="2000" spc="-1" strike="noStrike">
               <a:solidFill>
-                <a:schemeClr val="accent1"/>
-              </a:solidFill>
-              <a:latin typeface="Cambria"/>
+                <a:srgbClr val="000000"/>
+              </a:solidFill>
+              <a:latin typeface="Arial"/>
             </a:endParaRPr>
           </a:p>
           <a:p>
@@ -23075,9 +24107,9 @@
             </a:r>
             <a:endParaRPr b="0" lang="en-US" sz="2000" spc="-1" strike="noStrike">
               <a:solidFill>
-                <a:schemeClr val="accent1"/>
-              </a:solidFill>
-              <a:latin typeface="Cambria"/>
+                <a:srgbClr val="000000"/>
+              </a:solidFill>
+              <a:latin typeface="Arial"/>
             </a:endParaRPr>
           </a:p>
           <a:p>
@@ -23110,9 +24142,9 @@
             </a:r>
             <a:endParaRPr b="0" lang="en-US" sz="2000" spc="-1" strike="noStrike">
               <a:solidFill>
-                <a:schemeClr val="accent1"/>
-              </a:solidFill>
-              <a:latin typeface="Cambria"/>
+                <a:srgbClr val="000000"/>
+              </a:solidFill>
+              <a:latin typeface="Arial"/>
             </a:endParaRPr>
           </a:p>
           <a:p>
@@ -23145,9 +24177,9 @@
             </a:r>
             <a:endParaRPr b="0" lang="en-US" sz="2000" spc="-1" strike="noStrike">
               <a:solidFill>
-                <a:schemeClr val="accent1"/>
-              </a:solidFill>
-              <a:latin typeface="Cambria"/>
+                <a:srgbClr val="000000"/>
+              </a:solidFill>
+              <a:latin typeface="Arial"/>
             </a:endParaRPr>
           </a:p>
           <a:p>
@@ -23200,9 +24232,9 @@
             </a:r>
             <a:endParaRPr b="0" lang="en-US" sz="1800" spc="-1" strike="noStrike">
               <a:solidFill>
-                <a:schemeClr val="accent1"/>
-              </a:solidFill>
-              <a:latin typeface="Cambria"/>
+                <a:srgbClr val="000000"/>
+              </a:solidFill>
+              <a:latin typeface="Arial"/>
             </a:endParaRPr>
           </a:p>
           <a:p>
@@ -23255,9 +24287,9 @@
             </a:r>
             <a:endParaRPr b="0" lang="en-US" sz="1800" spc="-1" strike="noStrike">
               <a:solidFill>
-                <a:schemeClr val="accent1"/>
-              </a:solidFill>
-              <a:latin typeface="Cambria"/>
+                <a:srgbClr val="000000"/>
+              </a:solidFill>
+              <a:latin typeface="Arial"/>
             </a:endParaRPr>
           </a:p>
         </p:txBody>
@@ -23271,7 +24303,7 @@
         <p:spPr>
           <a:xfrm>
             <a:off x="5158800" y="1195200"/>
-            <a:ext cx="3656880" cy="3125880"/>
+            <a:ext cx="3656520" cy="3125520"/>
           </a:xfrm>
           <a:prstGeom prst="cloudCallout">
             <a:avLst>
@@ -23342,6 +24374,9 @@
               <a:t>The language of expressions cannot be specified </a:t>
             </a:r>
             <a:endParaRPr b="0" lang="en-US" sz="1800" spc="-1" strike="noStrike">
+              <a:solidFill>
+                <a:srgbClr val="000000"/>
+              </a:solidFill>
               <a:latin typeface="Arial"/>
             </a:endParaRPr>
           </a:p>
@@ -23362,6 +24397,9 @@
               <a:t>with regular expressions</a:t>
             </a:r>
             <a:endParaRPr b="0" lang="en-US" sz="1800" spc="-1" strike="noStrike">
+              <a:solidFill>
+                <a:srgbClr val="000000"/>
+              </a:solidFill>
               <a:latin typeface="Arial"/>
             </a:endParaRPr>
           </a:p>
@@ -23406,7 +24444,7 @@
         <p:spPr>
           <a:xfrm>
             <a:off x="215640" y="555480"/>
-            <a:ext cx="8712000" cy="4519800"/>
+            <a:ext cx="8711640" cy="4519440"/>
           </a:xfrm>
           <a:prstGeom prst="horizontalScroll">
             <a:avLst>
@@ -23418,10 +24456,7 @@
           </a:solidFill>
           <a:ln>
             <a:solidFill>
-              <a:srgbClr val="00529b">
-                <a:shade val="95000"/>
-                <a:satMod val="105000"/>
-              </a:srgbClr>
+              <a:srgbClr val="005097"/>
             </a:solidFill>
             <a:round/>
           </a:ln>
@@ -23471,6 +24506,9 @@
               <a:t>public void term() throws SyntaxException {</a:t>
             </a:r>
             <a:endParaRPr b="0" lang="en-US" sz="1800" spc="-1" strike="noStrike">
+              <a:solidFill>
+                <a:srgbClr val="000000"/>
+              </a:solidFill>
               <a:latin typeface="Arial"/>
             </a:endParaRPr>
           </a:p>
@@ -23501,6 +24539,9 @@
               <a:t>factor();</a:t>
             </a:r>
             <a:endParaRPr b="0" lang="en-US" sz="1800" spc="-1" strike="noStrike">
+              <a:solidFill>
+                <a:srgbClr val="000000"/>
+              </a:solidFill>
               <a:latin typeface="Arial"/>
             </a:endParaRPr>
           </a:p>
@@ -23531,6 +24572,9 @@
               <a:t>while ( token.isType(TIMES) || token.isType(DIV) ) {</a:t>
             </a:r>
             <a:endParaRPr b="0" lang="en-US" sz="1800" spc="-1" strike="noStrike">
+              <a:solidFill>
+                <a:srgbClr val="000000"/>
+              </a:solidFill>
               <a:latin typeface="Arial"/>
             </a:endParaRPr>
           </a:p>
@@ -23561,6 +24605,9 @@
               <a:t>consume();</a:t>
             </a:r>
             <a:endParaRPr b="0" lang="en-US" sz="1800" spc="-1" strike="noStrike">
+              <a:solidFill>
+                <a:srgbClr val="000000"/>
+              </a:solidFill>
               <a:latin typeface="Arial"/>
             </a:endParaRPr>
           </a:p>
@@ -23591,6 +24638,9 @@
               <a:t>factor();</a:t>
             </a:r>
             <a:endParaRPr b="0" lang="en-US" sz="1800" spc="-1" strike="noStrike">
+              <a:solidFill>
+                <a:srgbClr val="000000"/>
+              </a:solidFill>
               <a:latin typeface="Arial"/>
             </a:endParaRPr>
           </a:p>
@@ -23621,6 +24671,9 @@
               <a:t>}</a:t>
             </a:r>
             <a:endParaRPr b="0" lang="en-US" sz="1800" spc="-1" strike="noStrike">
+              <a:solidFill>
+                <a:srgbClr val="000000"/>
+              </a:solidFill>
               <a:latin typeface="Arial"/>
             </a:endParaRPr>
           </a:p>
@@ -23641,6 +24694,9 @@
               <a:t>}</a:t>
             </a:r>
             <a:endParaRPr b="0" lang="en-US" sz="1800" spc="-1" strike="noStrike">
+              <a:solidFill>
+                <a:srgbClr val="000000"/>
+              </a:solidFill>
               <a:latin typeface="Arial"/>
             </a:endParaRPr>
           </a:p>
@@ -23659,7 +24715,7 @@
         <p:spPr>
           <a:xfrm>
             <a:off x="327960" y="524520"/>
-            <a:ext cx="8290080" cy="836640"/>
+            <a:ext cx="8289720" cy="836280"/>
           </a:xfrm>
           <a:prstGeom prst="rect">
             <a:avLst/>
@@ -23670,7 +24726,7 @@
           </a:ln>
         </p:spPr>
         <p:txBody>
-          <a:bodyPr numCol="1" spcCol="0" anchor="t">
+          <a:bodyPr numCol="1" spcCol="0" lIns="90000" rIns="90000" tIns="45000" bIns="45000" anchor="t">
             <a:noAutofit/>
           </a:bodyPr>
           <a:p>
@@ -23694,13 +24750,23 @@
                 <a:latin typeface="Consolas"/>
                 <a:ea typeface="MS PGothic"/>
               </a:rPr>
-              <a:t>// term ::= factor ( ( * | / )  factor ) *</a:t>
+              <a:t>// term ::= factor ( ( * </a:t>
+            </a:r>
+            <a:r>
+              <a:rPr b="0" lang="en-US" sz="2600" spc="-1" strike="noStrike">
+                <a:solidFill>
+                  <a:schemeClr val="accent1"/>
+                </a:solidFill>
+                <a:latin typeface="Consolas"/>
+                <a:ea typeface="MS PGothic"/>
+              </a:rPr>
+              <a:t>| / )  factor ) *</a:t>
             </a:r>
             <a:endParaRPr b="0" lang="en-US" sz="2600" spc="-1" strike="noStrike">
               <a:solidFill>
                 <a:srgbClr val="000000"/>
               </a:solidFill>
-              <a:latin typeface="Rockwell"/>
+              <a:latin typeface="Arial"/>
             </a:endParaRPr>
           </a:p>
         </p:txBody>
@@ -23744,7 +24810,7 @@
         <p:spPr>
           <a:xfrm>
             <a:off x="735840" y="0"/>
-            <a:ext cx="8124120" cy="5065560"/>
+            <a:ext cx="8123760" cy="5065200"/>
           </a:xfrm>
           <a:prstGeom prst="snip1Rect">
             <a:avLst>
@@ -23806,6 +24872,9 @@
               <a:t>// expr ::= term ( ( + | - )  term ) *</a:t>
             </a:r>
             <a:endParaRPr b="0" lang="en-US" sz="1800" spc="-1" strike="noStrike">
+              <a:solidFill>
+                <a:srgbClr val="000000"/>
+              </a:solidFill>
               <a:latin typeface="Arial"/>
             </a:endParaRPr>
           </a:p>
@@ -23826,6 +24895,9 @@
               <a:t>public void expr() {</a:t>
             </a:r>
             <a:endParaRPr b="0" lang="en-US" sz="1800" spc="-1" strike="noStrike">
+              <a:solidFill>
+                <a:srgbClr val="000000"/>
+              </a:solidFill>
               <a:latin typeface="Arial"/>
             </a:endParaRPr>
           </a:p>
@@ -23856,6 +24928,9 @@
               <a:t>try {</a:t>
             </a:r>
             <a:endParaRPr b="0" lang="en-US" sz="1800" spc="-1" strike="noStrike">
+              <a:solidFill>
+                <a:srgbClr val="000000"/>
+              </a:solidFill>
               <a:latin typeface="Arial"/>
             </a:endParaRPr>
           </a:p>
@@ -23886,6 +24961,9 @@
               <a:t>term();</a:t>
             </a:r>
             <a:endParaRPr b="0" lang="en-US" sz="1800" spc="-1" strike="noStrike">
+              <a:solidFill>
+                <a:srgbClr val="000000"/>
+              </a:solidFill>
               <a:latin typeface="Arial"/>
             </a:endParaRPr>
           </a:p>
@@ -23916,6 +24994,9 @@
               <a:t>while ( token.isType(PLUS) || token.isType(MINUS) ) {</a:t>
             </a:r>
             <a:endParaRPr b="0" lang="en-US" sz="1800" spc="-1" strike="noStrike">
+              <a:solidFill>
+                <a:srgbClr val="000000"/>
+              </a:solidFill>
               <a:latin typeface="Arial"/>
             </a:endParaRPr>
           </a:p>
@@ -23946,6 +25027,9 @@
               <a:t>consume();</a:t>
             </a:r>
             <a:endParaRPr b="0" lang="en-US" sz="1800" spc="-1" strike="noStrike">
+              <a:solidFill>
+                <a:srgbClr val="000000"/>
+              </a:solidFill>
               <a:latin typeface="Arial"/>
             </a:endParaRPr>
           </a:p>
@@ -23976,6 +25060,9 @@
               <a:t>term();</a:t>
             </a:r>
             <a:endParaRPr b="0" lang="en-US" sz="1800" spc="-1" strike="noStrike">
+              <a:solidFill>
+                <a:srgbClr val="000000"/>
+              </a:solidFill>
               <a:latin typeface="Arial"/>
             </a:endParaRPr>
           </a:p>
@@ -24006,6 +25093,9 @@
               <a:t>}</a:t>
             </a:r>
             <a:endParaRPr b="0" lang="en-US" sz="1800" spc="-1" strike="noStrike">
+              <a:solidFill>
+                <a:srgbClr val="000000"/>
+              </a:solidFill>
               <a:latin typeface="Arial"/>
             </a:endParaRPr>
           </a:p>
@@ -24036,6 +25126,9 @@
               <a:t>}</a:t>
             </a:r>
             <a:endParaRPr b="0" lang="en-US" sz="1800" spc="-1" strike="noStrike">
+              <a:solidFill>
+                <a:srgbClr val="000000"/>
+              </a:solidFill>
               <a:latin typeface="Arial"/>
             </a:endParaRPr>
           </a:p>
@@ -24066,6 +25159,9 @@
               <a:t>catch ( SyntaxException se ) {</a:t>
             </a:r>
             <a:endParaRPr b="0" lang="en-US" sz="1800" spc="-1" strike="noStrike">
+              <a:solidFill>
+                <a:srgbClr val="000000"/>
+              </a:solidFill>
               <a:latin typeface="Arial"/>
             </a:endParaRPr>
           </a:p>
@@ -24096,6 +25192,9 @@
               <a:t>while ( token not EOF ) {</a:t>
             </a:r>
             <a:endParaRPr b="0" lang="en-US" sz="1800" spc="-1" strike="noStrike">
+              <a:solidFill>
+                <a:srgbClr val="000000"/>
+              </a:solidFill>
               <a:latin typeface="Arial"/>
             </a:endParaRPr>
           </a:p>
@@ -24126,6 +25225,9 @@
               <a:t>if ( token in FIRST(expr) ) { expr(); return; }</a:t>
             </a:r>
             <a:endParaRPr b="0" lang="en-US" sz="1800" spc="-1" strike="noStrike">
+              <a:solidFill>
+                <a:srgbClr val="000000"/>
+              </a:solidFill>
               <a:latin typeface="Arial"/>
             </a:endParaRPr>
           </a:p>
@@ -24156,6 +25258,9 @@
               <a:t>else if ( token in FOLLOW(expr) ) return;</a:t>
             </a:r>
             <a:endParaRPr b="0" lang="en-US" sz="1800" spc="-1" strike="noStrike">
+              <a:solidFill>
+                <a:srgbClr val="000000"/>
+              </a:solidFill>
               <a:latin typeface="Arial"/>
             </a:endParaRPr>
           </a:p>
@@ -24186,6 +25291,9 @@
               <a:t>else token = scanner.getNext();</a:t>
             </a:r>
             <a:endParaRPr b="0" lang="en-US" sz="1800" spc="-1" strike="noStrike">
+              <a:solidFill>
+                <a:srgbClr val="000000"/>
+              </a:solidFill>
               <a:latin typeface="Arial"/>
             </a:endParaRPr>
           </a:p>
@@ -24216,6 +25324,9 @@
               <a:t>}</a:t>
             </a:r>
             <a:endParaRPr b="0" lang="en-US" sz="1800" spc="-1" strike="noStrike">
+              <a:solidFill>
+                <a:srgbClr val="000000"/>
+              </a:solidFill>
               <a:latin typeface="Arial"/>
             </a:endParaRPr>
           </a:p>
@@ -24246,6 +25357,9 @@
               <a:t>}</a:t>
             </a:r>
             <a:endParaRPr b="0" lang="en-US" sz="1800" spc="-1" strike="noStrike">
+              <a:solidFill>
+                <a:srgbClr val="000000"/>
+              </a:solidFill>
               <a:latin typeface="Arial"/>
             </a:endParaRPr>
           </a:p>
@@ -24266,6 +25380,9 @@
               <a:t>}</a:t>
             </a:r>
             <a:endParaRPr b="0" lang="en-US" sz="1800" spc="-1" strike="noStrike">
+              <a:solidFill>
+                <a:srgbClr val="000000"/>
+              </a:solidFill>
               <a:latin typeface="Arial"/>
             </a:endParaRPr>
           </a:p>
@@ -24314,7 +25431,7 @@
         <p:spPr>
           <a:xfrm>
             <a:off x="327960" y="524520"/>
-            <a:ext cx="8815680" cy="836640"/>
+            <a:ext cx="8815320" cy="836280"/>
           </a:xfrm>
           <a:prstGeom prst="rect">
             <a:avLst/>
@@ -24325,7 +25442,7 @@
           </a:ln>
         </p:spPr>
         <p:txBody>
-          <a:bodyPr numCol="1" spcCol="0" anchor="t">
+          <a:bodyPr numCol="1" spcCol="0" lIns="90000" rIns="90000" tIns="45000" bIns="45000" anchor="t">
             <a:noAutofit/>
           </a:bodyPr>
           <a:p>
@@ -24334,6 +25451,9 @@
                 <a:spcPct val="100000"/>
               </a:lnSpc>
               <a:buNone/>
+              <a:tabLst>
+                <a:tab algn="l" pos="0"/>
+              </a:tabLst>
             </a:pPr>
             <a:r>
               <a:rPr b="0" lang="en-US" sz="3600" spc="-1" strike="noStrike">
@@ -24343,13 +25463,23 @@
                 <a:latin typeface="Arial"/>
                 <a:ea typeface="MS PGothic"/>
               </a:rPr>
-              <a:t>Why Not Parse with Regular Expressions?</a:t>
+              <a:t>Why Not Parse with </a:t>
+            </a:r>
+            <a:r>
+              <a:rPr b="0" lang="en-US" sz="3600" spc="-1" strike="noStrike">
+                <a:solidFill>
+                  <a:schemeClr val="accent1"/>
+                </a:solidFill>
+                <a:latin typeface="Arial"/>
+                <a:ea typeface="MS PGothic"/>
+              </a:rPr>
+              <a:t>Regular Expressions?</a:t>
             </a:r>
             <a:endParaRPr b="0" lang="en-US" sz="3600" spc="-1" strike="noStrike">
               <a:solidFill>
                 <a:srgbClr val="000000"/>
               </a:solidFill>
-              <a:latin typeface="Rockwell"/>
+              <a:latin typeface="Arial"/>
             </a:endParaRPr>
           </a:p>
         </p:txBody>
@@ -24367,7 +25497,7 @@
         <p:spPr>
           <a:xfrm>
             <a:off x="327960" y="1361520"/>
-            <a:ext cx="4998240" cy="3530160"/>
+            <a:ext cx="4997880" cy="3529800"/>
           </a:xfrm>
           <a:prstGeom prst="rect">
             <a:avLst/>
@@ -24378,7 +25508,7 @@
           </a:ln>
         </p:spPr>
         <p:txBody>
-          <a:bodyPr numCol="1" spcCol="0" anchor="t">
+          <a:bodyPr numCol="1" spcCol="0" lIns="90000" rIns="90000" tIns="45000" bIns="45000" anchor="t">
             <a:noAutofit/>
           </a:bodyPr>
           <a:p>
@@ -24418,9 +25548,9 @@
             </a:r>
             <a:endParaRPr b="0" lang="en-US" sz="2000" spc="-1" strike="noStrike">
               <a:solidFill>
-                <a:schemeClr val="accent1"/>
-              </a:solidFill>
-              <a:latin typeface="Cambria"/>
+                <a:srgbClr val="000000"/>
+              </a:solidFill>
+              <a:latin typeface="Arial"/>
             </a:endParaRPr>
           </a:p>
           <a:p>
@@ -24481,9 +25611,9 @@
             </a:r>
             <a:endParaRPr b="0" lang="en-US" sz="2000" spc="-1" strike="noStrike">
               <a:solidFill>
-                <a:schemeClr val="accent1"/>
-              </a:solidFill>
-              <a:latin typeface="Cambria"/>
+                <a:srgbClr val="000000"/>
+              </a:solidFill>
+              <a:latin typeface="Arial"/>
             </a:endParaRPr>
           </a:p>
           <a:p>
@@ -24501,9 +25631,9 @@
             </a:pPr>
             <a:endParaRPr b="0" lang="en-US" sz="2000" spc="-1" strike="noStrike">
               <a:solidFill>
-                <a:schemeClr val="accent1"/>
-              </a:solidFill>
-              <a:latin typeface="Cambria"/>
+                <a:srgbClr val="000000"/>
+              </a:solidFill>
+              <a:latin typeface="Arial"/>
             </a:endParaRPr>
           </a:p>
           <a:p>
@@ -24542,9 +25672,9 @@
             </a:r>
             <a:endParaRPr b="0" lang="en-US" sz="2000" spc="-1" strike="noStrike">
               <a:solidFill>
-                <a:schemeClr val="accent1"/>
-              </a:solidFill>
-              <a:latin typeface="Cambria"/>
+                <a:srgbClr val="000000"/>
+              </a:solidFill>
+              <a:latin typeface="Arial"/>
             </a:endParaRPr>
           </a:p>
           <a:p>
@@ -24577,9 +25707,9 @@
             </a:r>
             <a:endParaRPr b="0" lang="en-US" sz="2000" spc="-1" strike="noStrike">
               <a:solidFill>
-                <a:schemeClr val="accent1"/>
-              </a:solidFill>
-              <a:latin typeface="Cambria"/>
+                <a:srgbClr val="000000"/>
+              </a:solidFill>
+              <a:latin typeface="Arial"/>
             </a:endParaRPr>
           </a:p>
           <a:p>
@@ -24612,9 +25742,9 @@
             </a:r>
             <a:endParaRPr b="0" lang="en-US" sz="2000" spc="-1" strike="noStrike">
               <a:solidFill>
-                <a:schemeClr val="accent1"/>
-              </a:solidFill>
-              <a:latin typeface="Cambria"/>
+                <a:srgbClr val="000000"/>
+              </a:solidFill>
+              <a:latin typeface="Arial"/>
             </a:endParaRPr>
           </a:p>
           <a:p>
@@ -24647,9 +25777,9 @@
             </a:r>
             <a:endParaRPr b="0" lang="en-US" sz="2000" spc="-1" strike="noStrike">
               <a:solidFill>
-                <a:schemeClr val="accent1"/>
-              </a:solidFill>
-              <a:latin typeface="Cambria"/>
+                <a:srgbClr val="000000"/>
+              </a:solidFill>
+              <a:latin typeface="Arial"/>
             </a:endParaRPr>
           </a:p>
           <a:p>
@@ -24702,9 +25832,9 @@
             </a:r>
             <a:endParaRPr b="0" lang="en-US" sz="1800" spc="-1" strike="noStrike">
               <a:solidFill>
-                <a:schemeClr val="accent1"/>
-              </a:solidFill>
-              <a:latin typeface="Cambria"/>
+                <a:srgbClr val="000000"/>
+              </a:solidFill>
+              <a:latin typeface="Arial"/>
             </a:endParaRPr>
           </a:p>
           <a:p>
@@ -24757,9 +25887,9 @@
             </a:r>
             <a:endParaRPr b="0" lang="en-US" sz="1800" spc="-1" strike="noStrike">
               <a:solidFill>
-                <a:schemeClr val="accent1"/>
-              </a:solidFill>
-              <a:latin typeface="Cambria"/>
+                <a:srgbClr val="000000"/>
+              </a:solidFill>
+              <a:latin typeface="Arial"/>
             </a:endParaRPr>
           </a:p>
         </p:txBody>
@@ -24773,7 +25903,7 @@
         <p:spPr>
           <a:xfrm>
             <a:off x="6693840" y="2122200"/>
-            <a:ext cx="914040" cy="487800"/>
+            <a:ext cx="913680" cy="487440"/>
           </a:xfrm>
           <a:prstGeom prst="ellipse">
             <a:avLst/>
@@ -24836,6 +25966,9 @@
               <a:t>+</a:t>
             </a:r>
             <a:endParaRPr b="0" lang="en-US" sz="2400" spc="-1" strike="noStrike">
+              <a:solidFill>
+                <a:srgbClr val="000000"/>
+              </a:solidFill>
               <a:latin typeface="Arial"/>
             </a:endParaRPr>
           </a:p>
@@ -24850,7 +25983,7 @@
         <p:spPr>
           <a:xfrm>
             <a:off x="7454520" y="2960280"/>
-            <a:ext cx="914040" cy="487800"/>
+            <a:ext cx="913680" cy="487440"/>
           </a:xfrm>
           <a:prstGeom prst="ellipse">
             <a:avLst/>
@@ -24913,6 +26046,9 @@
               <a:t>+</a:t>
             </a:r>
             <a:endParaRPr b="0" lang="en-US" sz="2400" spc="-1" strike="noStrike">
+              <a:solidFill>
+                <a:srgbClr val="000000"/>
+              </a:solidFill>
               <a:latin typeface="Arial"/>
             </a:endParaRPr>
           </a:p>
@@ -24927,7 +26063,7 @@
         <p:spPr>
           <a:xfrm>
             <a:off x="5933160" y="2960280"/>
-            <a:ext cx="914040" cy="487800"/>
+            <a:ext cx="913680" cy="487440"/>
           </a:xfrm>
           <a:prstGeom prst="ellipse">
             <a:avLst/>
@@ -24990,6 +26126,9 @@
               <a:t>+</a:t>
             </a:r>
             <a:endParaRPr b="0" lang="en-US" sz="2400" spc="-1" strike="noStrike">
+              <a:solidFill>
+                <a:srgbClr val="000000"/>
+              </a:solidFill>
               <a:latin typeface="Arial"/>
             </a:endParaRPr>
           </a:p>
@@ -25006,7 +26145,7 @@
             <p:spPr>
               <a:xfrm>
                 <a:off x="5846760" y="4103280"/>
-                <a:ext cx="480240" cy="495720"/>
+                <a:ext cx="479880" cy="495360"/>
               </a:xfrm>
               <a:prstGeom prst="rect">
                 <a:avLst/>
@@ -25039,7 +26178,7 @@
             <p:spPr>
               <a:xfrm>
                 <a:off x="7368120" y="4103280"/>
-                <a:ext cx="480240" cy="495720"/>
+                <a:ext cx="479880" cy="495360"/>
               </a:xfrm>
               <a:prstGeom prst="rect">
                 <a:avLst/>
@@ -25072,7 +26211,7 @@
             <p:spPr>
               <a:xfrm>
                 <a:off x="6607440" y="4103280"/>
-                <a:ext cx="480240" cy="495720"/>
+                <a:ext cx="479880" cy="495360"/>
               </a:xfrm>
               <a:prstGeom prst="rect">
                 <a:avLst/>
@@ -25105,7 +26244,7 @@
             <p:spPr>
               <a:xfrm>
                 <a:off x="8128800" y="4103280"/>
-                <a:ext cx="480240" cy="495720"/>
+                <a:ext cx="479880" cy="495360"/>
               </a:xfrm>
               <a:prstGeom prst="rect">
                 <a:avLst/>
@@ -25138,20 +26277,16 @@
         </p:nvCxnSpPr>
         <p:spPr>
           <a:xfrm flipH="1">
-            <a:off x="6390360" y="2538720"/>
-            <a:ext cx="437400" cy="421920"/>
+            <a:off x="6390000" y="2538360"/>
+            <a:ext cx="437760" cy="422280"/>
           </a:xfrm>
           <a:prstGeom prst="straightConnector1">
             <a:avLst/>
           </a:prstGeom>
-          <a:ln>
+          <a:ln w="0">
             <a:solidFill>
-              <a:srgbClr val="000000">
-                <a:lumMod val="75000"/>
-                <a:lumOff val="25000"/>
-              </a:srgbClr>
+              <a:srgbClr val="404040"/>
             </a:solidFill>
-            <a:round/>
           </a:ln>
         </p:spPr>
       </p:cxnSp>
@@ -25166,20 +26301,16 @@
         </p:nvCxnSpPr>
         <p:spPr>
           <a:xfrm>
-            <a:off x="7474320" y="2538720"/>
-            <a:ext cx="437760" cy="421920"/>
+            <a:off x="7473960" y="2538360"/>
+            <a:ext cx="437760" cy="422280"/>
           </a:xfrm>
           <a:prstGeom prst="straightConnector1">
             <a:avLst/>
           </a:prstGeom>
-          <a:ln>
+          <a:ln w="0">
             <a:solidFill>
-              <a:srgbClr val="000000">
-                <a:lumMod val="75000"/>
-                <a:lumOff val="25000"/>
-              </a:srgbClr>
+              <a:srgbClr val="404040"/>
             </a:solidFill>
-            <a:round/>
           </a:ln>
         </p:spPr>
       </p:cxnSp>
@@ -25194,20 +26325,16 @@
         </p:nvCxnSpPr>
         <p:spPr>
           <a:xfrm flipH="1">
-            <a:off x="6086880" y="3448080"/>
-            <a:ext cx="303840" cy="655560"/>
+            <a:off x="6086520" y="3447720"/>
+            <a:ext cx="303840" cy="655920"/>
           </a:xfrm>
           <a:prstGeom prst="straightConnector1">
             <a:avLst/>
           </a:prstGeom>
-          <a:ln>
+          <a:ln w="0">
             <a:solidFill>
-              <a:srgbClr val="000000">
-                <a:lumMod val="75000"/>
-                <a:lumOff val="25000"/>
-              </a:srgbClr>
+              <a:srgbClr val="404040"/>
             </a:solidFill>
-            <a:round/>
           </a:ln>
         </p:spPr>
       </p:cxnSp>
@@ -25222,20 +26349,16 @@
         </p:nvCxnSpPr>
         <p:spPr>
           <a:xfrm>
-            <a:off x="6390360" y="3448080"/>
-            <a:ext cx="457560" cy="655560"/>
+            <a:off x="6390000" y="3447720"/>
+            <a:ext cx="457560" cy="655920"/>
           </a:xfrm>
           <a:prstGeom prst="straightConnector1">
             <a:avLst/>
           </a:prstGeom>
-          <a:ln>
+          <a:ln w="0">
             <a:solidFill>
-              <a:srgbClr val="000000">
-                <a:lumMod val="75000"/>
-                <a:lumOff val="25000"/>
-              </a:srgbClr>
+              <a:srgbClr val="404040"/>
             </a:solidFill>
-            <a:round/>
           </a:ln>
         </p:spPr>
       </p:cxnSp>
@@ -25248,19 +26371,15 @@
         <p:spPr>
           <a:xfrm flipH="1">
             <a:off x="7608240" y="3448080"/>
-            <a:ext cx="303840" cy="655560"/>
+            <a:ext cx="304200" cy="655920"/>
           </a:xfrm>
           <a:prstGeom prst="straightConnector1">
             <a:avLst/>
           </a:prstGeom>
-          <a:ln>
+          <a:ln w="0">
             <a:solidFill>
-              <a:srgbClr val="000000">
-                <a:lumMod val="75000"/>
-                <a:lumOff val="25000"/>
-              </a:srgbClr>
+              <a:srgbClr val="404040"/>
             </a:solidFill>
-            <a:round/>
           </a:ln>
         </p:spPr>
       </p:cxnSp>
@@ -25273,19 +26392,15 @@
         <p:spPr>
           <a:xfrm>
             <a:off x="7911720" y="3448080"/>
-            <a:ext cx="457560" cy="655560"/>
+            <a:ext cx="457920" cy="655920"/>
           </a:xfrm>
           <a:prstGeom prst="straightConnector1">
             <a:avLst/>
           </a:prstGeom>
-          <a:ln>
+          <a:ln w="0">
             <a:solidFill>
-              <a:srgbClr val="000000">
-                <a:lumMod val="75000"/>
-                <a:lumOff val="25000"/>
-              </a:srgbClr>
+              <a:srgbClr val="404040"/>
             </a:solidFill>
-            <a:round/>
           </a:ln>
         </p:spPr>
       </p:cxnSp>
@@ -25298,7 +26413,7 @@
         <p:spPr>
           <a:xfrm>
             <a:off x="6679440" y="1374840"/>
-            <a:ext cx="942840" cy="455400"/>
+            <a:ext cx="942480" cy="455400"/>
           </a:xfrm>
           <a:prstGeom prst="rect">
             <a:avLst/>
@@ -25335,6 +26450,9 @@
               <a:t>AST</a:t>
             </a:r>
             <a:endParaRPr b="0" lang="en-US" sz="2400" spc="-1" strike="noStrike">
+              <a:solidFill>
+                <a:srgbClr val="000000"/>
+              </a:solidFill>
               <a:latin typeface="Arial"/>
             </a:endParaRPr>
           </a:p>
@@ -25349,7 +26467,7 @@
         <p:spPr>
           <a:xfrm>
             <a:off x="3916800" y="1594080"/>
-            <a:ext cx="2009160" cy="821160"/>
+            <a:ext cx="2008800" cy="821160"/>
           </a:xfrm>
           <a:prstGeom prst="rect">
             <a:avLst/>
@@ -25359,10 +26477,7 @@
           </a:solidFill>
           <a:ln w="0">
             <a:solidFill>
-              <a:srgbClr val="000000">
-                <a:lumMod val="75000"/>
-                <a:lumOff val="25000"/>
-              </a:srgbClr>
+              <a:srgbClr val="404040"/>
             </a:solidFill>
           </a:ln>
         </p:spPr>
@@ -25406,6 +26521,9 @@
               <a:t>OPERATOR</a:t>
             </a:r>
             <a:endParaRPr b="0" lang="en-US" sz="2400" spc="-1" strike="noStrike">
+              <a:solidFill>
+                <a:srgbClr val="000000"/>
+              </a:solidFill>
               <a:latin typeface="Arial"/>
             </a:endParaRPr>
           </a:p>
@@ -25420,7 +26538,7 @@
         <p:spPr>
           <a:xfrm>
             <a:off x="3344760" y="3033000"/>
-            <a:ext cx="2009160" cy="821160"/>
+            <a:ext cx="2008800" cy="821160"/>
           </a:xfrm>
           <a:prstGeom prst="rect">
             <a:avLst/>
@@ -25430,10 +26548,7 @@
           </a:solidFill>
           <a:ln w="0">
             <a:solidFill>
-              <a:srgbClr val="000000">
-                <a:lumMod val="75000"/>
-                <a:lumOff val="25000"/>
-              </a:srgbClr>
+              <a:srgbClr val="404040"/>
             </a:solidFill>
           </a:ln>
         </p:spPr>
@@ -25474,6 +26589,9 @@
               <a:t>IDENTIFIER</a:t>
             </a:r>
             <a:endParaRPr b="0" lang="en-US" sz="2400" spc="-1" strike="noStrike">
+              <a:solidFill>
+                <a:srgbClr val="000000"/>
+              </a:solidFill>
               <a:latin typeface="Arial"/>
             </a:endParaRPr>
           </a:p>
@@ -25488,19 +26606,15 @@
         <p:spPr>
           <a:xfrm>
             <a:off x="6019560" y="2043000"/>
-            <a:ext cx="599760" cy="216720"/>
+            <a:ext cx="600120" cy="217080"/>
           </a:xfrm>
           <a:prstGeom prst="straightConnector1">
             <a:avLst/>
           </a:prstGeom>
-          <a:ln>
+          <a:ln w="0">
             <a:solidFill>
-              <a:srgbClr val="000c3e">
-                <a:lumMod val="50000"/>
-                <a:lumOff val="50000"/>
-              </a:srgbClr>
+              <a:srgbClr val="1f4aff"/>
             </a:solidFill>
-            <a:round/>
             <a:tailEnd len="med" type="arrow" w="med"/>
           </a:ln>
         </p:spPr>
@@ -25514,19 +26628,15 @@
         <p:spPr>
           <a:xfrm>
             <a:off x="5995440" y="2316600"/>
-            <a:ext cx="1459440" cy="703800"/>
+            <a:ext cx="1459800" cy="704160"/>
           </a:xfrm>
           <a:prstGeom prst="straightConnector1">
             <a:avLst/>
           </a:prstGeom>
-          <a:ln>
+          <a:ln w="0">
             <a:solidFill>
-              <a:srgbClr val="000c3e">
-                <a:lumMod val="50000"/>
-                <a:lumOff val="50000"/>
-              </a:srgbClr>
+              <a:srgbClr val="1f4aff"/>
             </a:solidFill>
-            <a:round/>
             <a:tailEnd len="med" type="arrow" w="med"/>
           </a:ln>
         </p:spPr>
@@ -25540,19 +26650,15 @@
         <p:spPr>
           <a:xfrm>
             <a:off x="5572440" y="2499480"/>
-            <a:ext cx="447480" cy="400680"/>
+            <a:ext cx="447840" cy="401040"/>
           </a:xfrm>
           <a:prstGeom prst="straightConnector1">
             <a:avLst/>
           </a:prstGeom>
-          <a:ln>
+          <a:ln w="0">
             <a:solidFill>
-              <a:srgbClr val="000c3e">
-                <a:lumMod val="50000"/>
-                <a:lumOff val="50000"/>
-              </a:srgbClr>
+              <a:srgbClr val="1f4aff"/>
             </a:solidFill>
-            <a:round/>
             <a:tailEnd len="med" type="arrow" w="med"/>
           </a:ln>
         </p:spPr>
@@ -25566,16 +26672,15 @@
         <p:spPr>
           <a:xfrm>
             <a:off x="4764240" y="3977280"/>
-            <a:ext cx="947880" cy="374400"/>
+            <a:ext cx="948240" cy="374760"/>
           </a:xfrm>
           <a:prstGeom prst="straightConnector1">
             <a:avLst/>
           </a:prstGeom>
-          <a:ln>
+          <a:ln w="0">
             <a:solidFill>
               <a:srgbClr val="e17f35"/>
             </a:solidFill>
-            <a:round/>
             <a:tailEnd len="med" type="arrow" w="med"/>
           </a:ln>
         </p:spPr>
@@ -25589,16 +26694,15 @@
         <p:spPr>
           <a:xfrm>
             <a:off x="5417280" y="3344400"/>
-            <a:ext cx="2648520" cy="733320"/>
+            <a:ext cx="2648880" cy="733680"/>
           </a:xfrm>
           <a:prstGeom prst="straightConnector1">
             <a:avLst/>
           </a:prstGeom>
-          <a:ln>
+          <a:ln w="0">
             <a:solidFill>
               <a:srgbClr val="e17f35"/>
             </a:solidFill>
-            <a:round/>
             <a:tailEnd len="med" type="arrow" w="med"/>
           </a:ln>
         </p:spPr>
@@ -25612,16 +26716,15 @@
         <p:spPr>
           <a:xfrm>
             <a:off x="5448960" y="3506760"/>
-            <a:ext cx="1846440" cy="570960"/>
+            <a:ext cx="1846800" cy="571320"/>
           </a:xfrm>
           <a:prstGeom prst="straightConnector1">
             <a:avLst/>
           </a:prstGeom>
-          <a:ln>
+          <a:ln w="0">
             <a:solidFill>
               <a:srgbClr val="e17f35"/>
             </a:solidFill>
-            <a:round/>
             <a:tailEnd len="med" type="arrow" w="med"/>
           </a:ln>
         </p:spPr>
@@ -25635,16 +26738,15 @@
         <p:spPr>
           <a:xfrm>
             <a:off x="5408640" y="3745080"/>
-            <a:ext cx="1115280" cy="343800"/>
+            <a:ext cx="1115640" cy="344160"/>
           </a:xfrm>
           <a:prstGeom prst="straightConnector1">
             <a:avLst/>
           </a:prstGeom>
-          <a:ln>
+          <a:ln w="0">
             <a:solidFill>
               <a:srgbClr val="e17f35"/>
             </a:solidFill>
-            <a:round/>
             <a:tailEnd len="med" type="arrow" w="med"/>
           </a:ln>
         </p:spPr>
@@ -25692,7 +26794,7 @@
         <p:spPr>
           <a:xfrm>
             <a:off x="327960" y="524520"/>
-            <a:ext cx="8290080" cy="836640"/>
+            <a:ext cx="8289720" cy="836280"/>
           </a:xfrm>
           <a:prstGeom prst="rect">
             <a:avLst/>
@@ -25703,7 +26805,7 @@
           </a:ln>
         </p:spPr>
         <p:txBody>
-          <a:bodyPr numCol="1" spcCol="0" anchor="t">
+          <a:bodyPr numCol="1" spcCol="0" lIns="90000" rIns="90000" tIns="45000" bIns="45000" anchor="t">
             <a:noAutofit/>
           </a:bodyPr>
           <a:p>
@@ -25712,6 +26814,9 @@
                 <a:spcPct val="100000"/>
               </a:lnSpc>
               <a:buNone/>
+              <a:tabLst>
+                <a:tab algn="l" pos="0"/>
+              </a:tabLst>
             </a:pPr>
             <a:r>
               <a:rPr b="0" lang="en-US" sz="3600" spc="-1" strike="noStrike">
@@ -25721,13 +26826,23 @@
                 <a:latin typeface="Arial"/>
                 <a:ea typeface="MS PGothic"/>
               </a:rPr>
-              <a:t>Grammars and Parsing</a:t>
+              <a:t>Grammars and </a:t>
+            </a:r>
+            <a:r>
+              <a:rPr b="0" lang="en-US" sz="3600" spc="-1" strike="noStrike">
+                <a:solidFill>
+                  <a:schemeClr val="accent1"/>
+                </a:solidFill>
+                <a:latin typeface="Arial"/>
+                <a:ea typeface="MS PGothic"/>
+              </a:rPr>
+              <a:t>Parsing</a:t>
             </a:r>
             <a:endParaRPr b="0" lang="en-US" sz="3600" spc="-1" strike="noStrike">
               <a:solidFill>
                 <a:srgbClr val="000000"/>
               </a:solidFill>
-              <a:latin typeface="Rockwell"/>
+              <a:latin typeface="Arial"/>
             </a:endParaRPr>
           </a:p>
         </p:txBody>
@@ -25745,7 +26860,7 @@
         <p:spPr>
           <a:xfrm>
             <a:off x="327960" y="1361520"/>
-            <a:ext cx="8488080" cy="3530160"/>
+            <a:ext cx="8487720" cy="3529800"/>
           </a:xfrm>
           <a:prstGeom prst="rect">
             <a:avLst/>
@@ -25756,7 +26871,7 @@
           </a:ln>
         </p:spPr>
         <p:txBody>
-          <a:bodyPr numCol="1" spcCol="0" anchor="t">
+          <a:bodyPr numCol="1" spcCol="0" lIns="90000" rIns="90000" tIns="45000" bIns="45000" anchor="t">
             <a:noAutofit/>
           </a:bodyPr>
           <a:p>
@@ -25826,9 +26941,9 @@
             </a:r>
             <a:endParaRPr b="0" lang="en-US" sz="2000" spc="-1" strike="noStrike">
               <a:solidFill>
-                <a:schemeClr val="accent1"/>
-              </a:solidFill>
-              <a:latin typeface="Cambria"/>
+                <a:srgbClr val="000000"/>
+              </a:solidFill>
+              <a:latin typeface="Arial"/>
             </a:endParaRPr>
           </a:p>
           <a:p>
@@ -25888,9 +27003,9 @@
             </a:r>
             <a:endParaRPr b="0" lang="en-US" sz="2000" spc="-1" strike="noStrike">
               <a:solidFill>
-                <a:schemeClr val="accent1"/>
-              </a:solidFill>
-              <a:latin typeface="Cambria"/>
+                <a:srgbClr val="000000"/>
+              </a:solidFill>
+              <a:latin typeface="Arial"/>
             </a:endParaRPr>
           </a:p>
           <a:p>
@@ -25931,9 +27046,9 @@
             </a:r>
             <a:endParaRPr b="0" lang="en-US" sz="2000" spc="-1" strike="noStrike">
               <a:solidFill>
-                <a:schemeClr val="accent1"/>
-              </a:solidFill>
-              <a:latin typeface="Cambria"/>
+                <a:srgbClr val="000000"/>
+              </a:solidFill>
+              <a:latin typeface="Arial"/>
             </a:endParaRPr>
           </a:p>
           <a:p>
@@ -25973,9 +27088,9 @@
             </a:r>
             <a:endParaRPr b="0" lang="en-US" sz="1800" spc="-1" strike="noStrike">
               <a:solidFill>
-                <a:schemeClr val="accent1"/>
-              </a:solidFill>
-              <a:latin typeface="Cambria"/>
+                <a:srgbClr val="000000"/>
+              </a:solidFill>
+              <a:latin typeface="Arial"/>
             </a:endParaRPr>
           </a:p>
           <a:p>
@@ -26015,9 +27130,9 @@
             </a:r>
             <a:endParaRPr b="0" lang="en-US" sz="1800" spc="-1" strike="noStrike">
               <a:solidFill>
-                <a:schemeClr val="accent1"/>
-              </a:solidFill>
-              <a:latin typeface="Cambria"/>
+                <a:srgbClr val="000000"/>
+              </a:solidFill>
+              <a:latin typeface="Arial"/>
             </a:endParaRPr>
           </a:p>
           <a:p>
@@ -26077,9 +27192,9 @@
             </a:r>
             <a:endParaRPr b="0" lang="en-US" sz="1800" spc="-1" strike="noStrike">
               <a:solidFill>
-                <a:schemeClr val="accent1"/>
-              </a:solidFill>
-              <a:latin typeface="Cambria"/>
+                <a:srgbClr val="000000"/>
+              </a:solidFill>
+              <a:latin typeface="Arial"/>
             </a:endParaRPr>
           </a:p>
         </p:txBody>
@@ -26127,7 +27242,7 @@
         <p:spPr>
           <a:xfrm>
             <a:off x="327960" y="524520"/>
-            <a:ext cx="8290080" cy="836640"/>
+            <a:ext cx="8289720" cy="836280"/>
           </a:xfrm>
           <a:prstGeom prst="rect">
             <a:avLst/>
@@ -26138,7 +27253,7 @@
           </a:ln>
         </p:spPr>
         <p:txBody>
-          <a:bodyPr numCol="1" spcCol="0" anchor="t">
+          <a:bodyPr numCol="1" spcCol="0" lIns="90000" rIns="90000" tIns="45000" bIns="45000" anchor="t">
             <a:noAutofit/>
           </a:bodyPr>
           <a:p>
@@ -26147,6 +27262,9 @@
                 <a:spcPct val="100000"/>
               </a:lnSpc>
               <a:buNone/>
+              <a:tabLst>
+                <a:tab algn="l" pos="0"/>
+              </a:tabLst>
             </a:pPr>
             <a:r>
               <a:rPr b="0" lang="en-US" sz="3600" spc="-1" strike="noStrike">
@@ -26156,13 +27274,23 @@
                 <a:latin typeface="Arial"/>
                 <a:ea typeface="MS PGothic"/>
               </a:rPr>
-              <a:t>Example:  Parsing a Grammar</a:t>
+              <a:t>Example:  Parsing a </a:t>
+            </a:r>
+            <a:r>
+              <a:rPr b="0" lang="en-US" sz="3600" spc="-1" strike="noStrike">
+                <a:solidFill>
+                  <a:schemeClr val="accent1"/>
+                </a:solidFill>
+                <a:latin typeface="Arial"/>
+                <a:ea typeface="MS PGothic"/>
+              </a:rPr>
+              <a:t>Grammar</a:t>
             </a:r>
             <a:endParaRPr b="0" lang="en-US" sz="3600" spc="-1" strike="noStrike">
               <a:solidFill>
                 <a:srgbClr val="000000"/>
               </a:solidFill>
-              <a:latin typeface="Rockwell"/>
+              <a:latin typeface="Arial"/>
             </a:endParaRPr>
           </a:p>
         </p:txBody>
@@ -26180,7 +27308,7 @@
         <p:spPr>
           <a:xfrm>
             <a:off x="327960" y="1361520"/>
-            <a:ext cx="8488080" cy="836640"/>
+            <a:ext cx="8487720" cy="836280"/>
           </a:xfrm>
           <a:prstGeom prst="rect">
             <a:avLst/>
@@ -26191,7 +27319,7 @@
           </a:ln>
         </p:spPr>
         <p:txBody>
-          <a:bodyPr numCol="1" spcCol="0" anchor="t">
+          <a:bodyPr numCol="1" spcCol="0" lIns="90000" rIns="90000" tIns="45000" bIns="45000" anchor="t">
             <a:noAutofit/>
           </a:bodyPr>
           <a:p>
@@ -26219,9 +27347,9 @@
             </a:r>
             <a:endParaRPr b="0" lang="en-US" sz="2000" spc="-1" strike="noStrike">
               <a:solidFill>
-                <a:schemeClr val="accent1"/>
-              </a:solidFill>
-              <a:latin typeface="Cambria"/>
+                <a:srgbClr val="000000"/>
+              </a:solidFill>
+              <a:latin typeface="Arial"/>
             </a:endParaRPr>
           </a:p>
         </p:txBody>
@@ -26235,7 +27363,7 @@
         <p:spPr>
           <a:xfrm>
             <a:off x="663120" y="1916280"/>
-            <a:ext cx="7619760" cy="2322720"/>
+            <a:ext cx="7619400" cy="2322360"/>
           </a:xfrm>
           <a:prstGeom prst="horizontalScroll">
             <a:avLst>
@@ -26249,10 +27377,7 @@
           </a:solidFill>
           <a:ln>
             <a:solidFill>
-              <a:srgbClr val="e17f35">
-                <a:lumMod val="60000"/>
-                <a:lumOff val="40000"/>
-              </a:srgbClr>
+              <a:srgbClr val="edb286"/>
             </a:solidFill>
             <a:round/>
           </a:ln>
@@ -26362,6 +27487,9 @@
               <a:t>)  term )* </a:t>
             </a:r>
             <a:endParaRPr b="0" lang="en-US" sz="1800" spc="-1" strike="noStrike">
+              <a:solidFill>
+                <a:srgbClr val="000000"/>
+              </a:solidFill>
               <a:latin typeface="Arial"/>
             </a:endParaRPr>
           </a:p>
@@ -26422,6 +27550,9 @@
               <a:t> )  factor )*</a:t>
             </a:r>
             <a:endParaRPr b="0" lang="en-US" sz="1800" spc="-1" strike="noStrike">
+              <a:solidFill>
+                <a:srgbClr val="000000"/>
+              </a:solidFill>
               <a:latin typeface="Arial"/>
             </a:endParaRPr>
           </a:p>
@@ -26512,6 +27643,9 @@
               <a:t>)</a:t>
             </a:r>
             <a:endParaRPr b="0" lang="en-US" sz="1800" spc="-1" strike="noStrike">
+              <a:solidFill>
+                <a:srgbClr val="000000"/>
+              </a:solidFill>
               <a:latin typeface="Arial"/>
             </a:endParaRPr>
           </a:p>
@@ -26526,7 +27660,7 @@
         <p:spPr>
           <a:xfrm>
             <a:off x="327960" y="4430520"/>
-            <a:ext cx="8488080" cy="461520"/>
+            <a:ext cx="8487720" cy="461160"/>
           </a:xfrm>
           <a:prstGeom prst="rect">
             <a:avLst/>
@@ -26543,7 +27677,7 @@
           <a:fontRef idx="minor"/>
         </p:style>
         <p:txBody>
-          <a:bodyPr numCol="1" spcCol="0" anchor="t">
+          <a:bodyPr numCol="1" spcCol="0" lIns="90000" rIns="90000" tIns="45000" bIns="45000" anchor="t">
             <a:noAutofit/>
           </a:bodyPr>
           <a:p>
@@ -26569,6 +27703,9 @@
               <a:t>In the following, we use existing classes Scanner and Token.</a:t>
             </a:r>
             <a:endParaRPr b="0" lang="en-US" sz="2000" spc="-1" strike="noStrike">
+              <a:solidFill>
+                <a:srgbClr val="000000"/>
+              </a:solidFill>
               <a:latin typeface="Arial"/>
             </a:endParaRPr>
           </a:p>
@@ -26617,7 +27754,7 @@
         <p:spPr>
           <a:xfrm>
             <a:off x="327960" y="524520"/>
-            <a:ext cx="8290080" cy="836640"/>
+            <a:ext cx="8289720" cy="836280"/>
           </a:xfrm>
           <a:prstGeom prst="rect">
             <a:avLst/>
@@ -26628,7 +27765,7 @@
           </a:ln>
         </p:spPr>
         <p:txBody>
-          <a:bodyPr numCol="1" spcCol="0" anchor="t">
+          <a:bodyPr numCol="1" spcCol="0" lIns="90000" rIns="90000" tIns="45000" bIns="45000" anchor="t">
             <a:noAutofit/>
           </a:bodyPr>
           <a:p>
@@ -26637,6 +27774,9 @@
                 <a:spcPct val="100000"/>
               </a:lnSpc>
               <a:buNone/>
+              <a:tabLst>
+                <a:tab algn="l" pos="0"/>
+              </a:tabLst>
             </a:pPr>
             <a:r>
               <a:rPr b="0" lang="en-US" sz="3600" spc="-1" strike="noStrike">
@@ -26652,7 +27792,7 @@
               <a:solidFill>
                 <a:srgbClr val="000000"/>
               </a:solidFill>
-              <a:latin typeface="Rockwell"/>
+              <a:latin typeface="Arial"/>
             </a:endParaRPr>
           </a:p>
         </p:txBody>
@@ -26666,7 +27806,7 @@
         <p:spPr>
           <a:xfrm>
             <a:off x="525960" y="936360"/>
-            <a:ext cx="7991280" cy="4016880"/>
+            <a:ext cx="7990920" cy="4016520"/>
           </a:xfrm>
           <a:prstGeom prst="horizontalScroll">
             <a:avLst>
@@ -26678,10 +27818,7 @@
           </a:solidFill>
           <a:ln>
             <a:solidFill>
-              <a:srgbClr val="00529b">
-                <a:shade val="95000"/>
-                <a:satMod val="105000"/>
-              </a:srgbClr>
+              <a:srgbClr val="005097"/>
             </a:solidFill>
             <a:round/>
           </a:ln>
@@ -26731,6 +27868,9 @@
               <a:t>class SimpleParser {</a:t>
             </a:r>
             <a:endParaRPr b="0" lang="en-US" sz="1800" spc="-1" strike="noStrike">
+              <a:solidFill>
+                <a:srgbClr val="000000"/>
+              </a:solidFill>
               <a:latin typeface="Arial"/>
             </a:endParaRPr>
           </a:p>
@@ -26761,6 +27901,9 @@
               <a:t>Scanner scanner;  // token producer</a:t>
             </a:r>
             <a:endParaRPr b="0" lang="en-US" sz="1800" spc="-1" strike="noStrike">
+              <a:solidFill>
+                <a:srgbClr val="000000"/>
+              </a:solidFill>
               <a:latin typeface="Arial"/>
             </a:endParaRPr>
           </a:p>
@@ -26791,6 +27934,9 @@
               <a:t>Token token;      // the next token</a:t>
             </a:r>
             <a:endParaRPr b="0" lang="en-US" sz="1800" spc="-1" strike="noStrike">
+              <a:solidFill>
+                <a:srgbClr val="000000"/>
+              </a:solidFill>
               <a:latin typeface="Arial"/>
             </a:endParaRPr>
           </a:p>
@@ -26801,6 +27947,9 @@
               </a:lnSpc>
             </a:pPr>
             <a:endParaRPr b="0" lang="en-US" sz="1800" spc="-1" strike="noStrike">
+              <a:solidFill>
+                <a:srgbClr val="000000"/>
+              </a:solidFill>
               <a:latin typeface="Arial"/>
             </a:endParaRPr>
           </a:p>
@@ -26831,6 +27980,9 @@
               <a:t>SimpleParser(Scanner scanner) {</a:t>
             </a:r>
             <a:endParaRPr b="0" lang="en-US" sz="1800" spc="-1" strike="noStrike">
+              <a:solidFill>
+                <a:srgbClr val="000000"/>
+              </a:solidFill>
               <a:latin typeface="Arial"/>
             </a:endParaRPr>
           </a:p>
@@ -26861,6 +28013,9 @@
               <a:t>this.scanner = scanner;</a:t>
             </a:r>
             <a:endParaRPr b="0" lang="en-US" sz="1800" spc="-1" strike="noStrike">
+              <a:solidFill>
+                <a:srgbClr val="000000"/>
+              </a:solidFill>
               <a:latin typeface="Arial"/>
             </a:endParaRPr>
           </a:p>
@@ -26891,6 +28046,9 @@
               <a:t>token = scanner.nextToken();</a:t>
             </a:r>
             <a:endParaRPr b="0" lang="en-US" sz="1800" spc="-1" strike="noStrike">
+              <a:solidFill>
+                <a:srgbClr val="000000"/>
+              </a:solidFill>
               <a:latin typeface="Arial"/>
             </a:endParaRPr>
           </a:p>
@@ -26921,6 +28079,9 @@
               <a:t>}</a:t>
             </a:r>
             <a:endParaRPr b="0" lang="en-US" sz="1800" spc="-1" strike="noStrike">
+              <a:solidFill>
+                <a:srgbClr val="000000"/>
+              </a:solidFill>
               <a:latin typeface="Arial"/>
             </a:endParaRPr>
           </a:p>
@@ -26969,7 +28130,7 @@
         <p:spPr>
           <a:xfrm>
             <a:off x="327960" y="524520"/>
-            <a:ext cx="8290080" cy="836640"/>
+            <a:ext cx="8289720" cy="836280"/>
           </a:xfrm>
           <a:prstGeom prst="rect">
             <a:avLst/>
@@ -26980,7 +28141,7 @@
           </a:ln>
         </p:spPr>
         <p:txBody>
-          <a:bodyPr numCol="1" spcCol="0" anchor="t">
+          <a:bodyPr numCol="1" spcCol="0" lIns="90000" rIns="90000" tIns="45000" bIns="45000" anchor="t">
             <a:noAutofit/>
           </a:bodyPr>
           <a:p>
@@ -26989,6 +28150,9 @@
                 <a:spcPct val="100000"/>
               </a:lnSpc>
               <a:buNone/>
+              <a:tabLst>
+                <a:tab algn="l" pos="0"/>
+              </a:tabLst>
             </a:pPr>
             <a:r>
               <a:rPr b="0" lang="en-US" sz="3600" spc="-1" strike="noStrike">
@@ -27004,7 +28168,7 @@
               <a:solidFill>
                 <a:srgbClr val="000000"/>
               </a:solidFill>
-              <a:latin typeface="Rockwell"/>
+              <a:latin typeface="Arial"/>
             </a:endParaRPr>
           </a:p>
         </p:txBody>
@@ -27018,7 +28182,7 @@
         <p:spPr>
           <a:xfrm>
             <a:off x="525960" y="555480"/>
-            <a:ext cx="7991280" cy="4519800"/>
+            <a:ext cx="7990920" cy="4519440"/>
           </a:xfrm>
           <a:prstGeom prst="horizontalScroll">
             <a:avLst>
@@ -27030,10 +28194,7 @@
           </a:solidFill>
           <a:ln>
             <a:solidFill>
-              <a:srgbClr val="00529b">
-                <a:shade val="95000"/>
-                <a:satMod val="105000"/>
-              </a:srgbClr>
+              <a:srgbClr val="005097"/>
             </a:solidFill>
             <a:round/>
           </a:ln>
@@ -27093,6 +28254,9 @@
               <a:t>// … continued</a:t>
             </a:r>
             <a:endParaRPr b="0" lang="en-US" sz="1800" spc="-1" strike="noStrike">
+              <a:solidFill>
+                <a:srgbClr val="000000"/>
+              </a:solidFill>
               <a:latin typeface="Arial"/>
             </a:endParaRPr>
           </a:p>
@@ -27103,6 +28267,9 @@
               </a:lnSpc>
             </a:pPr>
             <a:endParaRPr b="0" lang="en-US" sz="1800" spc="-1" strike="noStrike">
+              <a:solidFill>
+                <a:srgbClr val="000000"/>
+              </a:solidFill>
               <a:latin typeface="Arial"/>
             </a:endParaRPr>
           </a:p>
@@ -27133,6 +28300,9 @@
               <a:t>Token consume() {</a:t>
             </a:r>
             <a:endParaRPr b="0" lang="en-US" sz="1800" spc="-1" strike="noStrike">
+              <a:solidFill>
+                <a:srgbClr val="000000"/>
+              </a:solidFill>
               <a:latin typeface="Arial"/>
             </a:endParaRPr>
           </a:p>
@@ -27163,6 +28333,9 @@
               <a:t>token temp = token;</a:t>
             </a:r>
             <a:endParaRPr b="0" lang="en-US" sz="1800" spc="-1" strike="noStrike">
+              <a:solidFill>
+                <a:srgbClr val="000000"/>
+              </a:solidFill>
               <a:latin typeface="Arial"/>
             </a:endParaRPr>
           </a:p>
@@ -27193,6 +28366,9 @@
               <a:t>token = scanner.getNext();</a:t>
             </a:r>
             <a:endParaRPr b="0" lang="en-US" sz="1800" spc="-1" strike="noStrike">
+              <a:solidFill>
+                <a:srgbClr val="000000"/>
+              </a:solidFill>
               <a:latin typeface="Arial"/>
             </a:endParaRPr>
           </a:p>
@@ -27223,6 +28399,9 @@
               <a:t>return temp;</a:t>
             </a:r>
             <a:endParaRPr b="0" lang="en-US" sz="1800" spc="-1" strike="noStrike">
+              <a:solidFill>
+                <a:srgbClr val="000000"/>
+              </a:solidFill>
               <a:latin typeface="Arial"/>
             </a:endParaRPr>
           </a:p>
@@ -27253,6 +28432,9 @@
               <a:t>}</a:t>
             </a:r>
             <a:endParaRPr b="0" lang="en-US" sz="1800" spc="-1" strike="noStrike">
+              <a:solidFill>
+                <a:srgbClr val="000000"/>
+              </a:solidFill>
               <a:latin typeface="Arial"/>
             </a:endParaRPr>
           </a:p>
@@ -27283,6 +28465,9 @@
               <a:t>void process(Type type) {</a:t>
             </a:r>
             <a:endParaRPr b="0" lang="en-US" sz="1800" spc="-1" strike="noStrike">
+              <a:solidFill>
+                <a:srgbClr val="000000"/>
+              </a:solidFill>
               <a:latin typeface="Arial"/>
             </a:endParaRPr>
           </a:p>
@@ -27313,6 +28498,9 @@
               <a:t>if ( token.isType(type) ) {</a:t>
             </a:r>
             <a:endParaRPr b="0" lang="en-US" sz="1800" spc="-1" strike="noStrike">
+              <a:solidFill>
+                <a:srgbClr val="000000"/>
+              </a:solidFill>
               <a:latin typeface="Arial"/>
             </a:endParaRPr>
           </a:p>
@@ -27343,6 +28531,9 @@
               <a:t>consume();</a:t>
             </a:r>
             <a:endParaRPr b="0" lang="en-US" sz="1800" spc="-1" strike="noStrike">
+              <a:solidFill>
+                <a:srgbClr val="000000"/>
+              </a:solidFill>
               <a:latin typeface="Arial"/>
             </a:endParaRPr>
           </a:p>
@@ -27373,6 +28564,9 @@
               <a:t>} else { // handle error }</a:t>
             </a:r>
             <a:endParaRPr b="0" lang="en-US" sz="1800" spc="-1" strike="noStrike">
+              <a:solidFill>
+                <a:srgbClr val="000000"/>
+              </a:solidFill>
               <a:latin typeface="Arial"/>
             </a:endParaRPr>
           </a:p>
@@ -27403,6 +28597,9 @@
               <a:t>}</a:t>
             </a:r>
             <a:endParaRPr b="0" lang="en-US" sz="1800" spc="-1" strike="noStrike">
+              <a:solidFill>
+                <a:srgbClr val="000000"/>
+              </a:solidFill>
               <a:latin typeface="Arial"/>
             </a:endParaRPr>
           </a:p>
@@ -27447,7 +28644,7 @@
         <p:spPr>
           <a:xfrm>
             <a:off x="215640" y="555480"/>
-            <a:ext cx="8742960" cy="4786920"/>
+            <a:ext cx="8742600" cy="4786560"/>
           </a:xfrm>
           <a:prstGeom prst="horizontalScroll">
             <a:avLst>
@@ -27459,10 +28656,7 @@
           </a:solidFill>
           <a:ln>
             <a:solidFill>
-              <a:srgbClr val="00529b">
-                <a:shade val="95000"/>
-                <a:satMod val="105000"/>
-              </a:srgbClr>
+              <a:srgbClr val="005097"/>
             </a:solidFill>
             <a:round/>
           </a:ln>
@@ -27522,6 +28716,9 @@
               <a:t>// … continued</a:t>
             </a:r>
             <a:endParaRPr b="0" lang="en-US" sz="1800" spc="-1" strike="noStrike">
+              <a:solidFill>
+                <a:srgbClr val="000000"/>
+              </a:solidFill>
               <a:latin typeface="Arial"/>
             </a:endParaRPr>
           </a:p>
@@ -27552,6 +28749,9 @@
               <a:t>public void expr() {</a:t>
             </a:r>
             <a:endParaRPr b="0" lang="en-US" sz="1800" spc="-1" strike="noStrike">
+              <a:solidFill>
+                <a:srgbClr val="000000"/>
+              </a:solidFill>
               <a:latin typeface="Arial"/>
             </a:endParaRPr>
           </a:p>
@@ -27582,6 +28782,9 @@
               <a:t>term();</a:t>
             </a:r>
             <a:endParaRPr b="0" lang="en-US" sz="1800" spc="-1" strike="noStrike">
+              <a:solidFill>
+                <a:srgbClr val="000000"/>
+              </a:solidFill>
               <a:latin typeface="Arial"/>
             </a:endParaRPr>
           </a:p>
@@ -27612,6 +28815,9 @@
               <a:t>while ( token.isType(PLUS) || token.isType(MINUS) ) {</a:t>
             </a:r>
             <a:endParaRPr b="0" lang="en-US" sz="1800" spc="-1" strike="noStrike">
+              <a:solidFill>
+                <a:srgbClr val="000000"/>
+              </a:solidFill>
               <a:latin typeface="Arial"/>
             </a:endParaRPr>
           </a:p>
@@ -27642,6 +28848,9 @@
               <a:t>if ( token.isType(PLUS) ) { </a:t>
             </a:r>
             <a:endParaRPr b="0" lang="en-US" sz="1800" spc="-1" strike="noStrike">
+              <a:solidFill>
+                <a:srgbClr val="000000"/>
+              </a:solidFill>
               <a:latin typeface="Arial"/>
             </a:endParaRPr>
           </a:p>
@@ -27672,6 +28881,9 @@
               <a:t>process(PLUS);</a:t>
             </a:r>
             <a:endParaRPr b="0" lang="en-US" sz="1800" spc="-1" strike="noStrike">
+              <a:solidFill>
+                <a:srgbClr val="000000"/>
+              </a:solidFill>
               <a:latin typeface="Arial"/>
             </a:endParaRPr>
           </a:p>
@@ -27702,6 +28914,9 @@
               <a:t>}</a:t>
             </a:r>
             <a:endParaRPr b="0" lang="en-US" sz="1800" spc="-1" strike="noStrike">
+              <a:solidFill>
+                <a:srgbClr val="000000"/>
+              </a:solidFill>
               <a:latin typeface="Arial"/>
             </a:endParaRPr>
           </a:p>
@@ -27732,6 +28947,9 @@
               <a:t>else if ( token.isType(MINUS) ) {</a:t>
             </a:r>
             <a:endParaRPr b="0" lang="en-US" sz="1800" spc="-1" strike="noStrike">
+              <a:solidFill>
+                <a:srgbClr val="000000"/>
+              </a:solidFill>
               <a:latin typeface="Arial"/>
             </a:endParaRPr>
           </a:p>
@@ -27762,6 +28980,9 @@
               <a:t>process(MINUS);</a:t>
             </a:r>
             <a:endParaRPr b="0" lang="en-US" sz="1800" spc="-1" strike="noStrike">
+              <a:solidFill>
+                <a:srgbClr val="000000"/>
+              </a:solidFill>
               <a:latin typeface="Arial"/>
             </a:endParaRPr>
           </a:p>
@@ -27792,6 +29013,9 @@
               <a:t>}</a:t>
             </a:r>
             <a:endParaRPr b="0" lang="en-US" sz="1800" spc="-1" strike="noStrike">
+              <a:solidFill>
+                <a:srgbClr val="000000"/>
+              </a:solidFill>
               <a:latin typeface="Arial"/>
             </a:endParaRPr>
           </a:p>
@@ -27822,6 +29046,9 @@
               <a:t>term();</a:t>
             </a:r>
             <a:endParaRPr b="0" lang="en-US" sz="1800" spc="-1" strike="noStrike">
+              <a:solidFill>
+                <a:srgbClr val="000000"/>
+              </a:solidFill>
               <a:latin typeface="Arial"/>
             </a:endParaRPr>
           </a:p>
@@ -27852,6 +29079,9 @@
               <a:t>}</a:t>
             </a:r>
             <a:endParaRPr b="0" lang="en-US" sz="1800" spc="-1" strike="noStrike">
+              <a:solidFill>
+                <a:srgbClr val="000000"/>
+              </a:solidFill>
               <a:latin typeface="Arial"/>
             </a:endParaRPr>
           </a:p>
@@ -27882,6 +29112,9 @@
               <a:t>}</a:t>
             </a:r>
             <a:endParaRPr b="0" lang="en-US" sz="1800" spc="-1" strike="noStrike">
+              <a:solidFill>
+                <a:srgbClr val="000000"/>
+              </a:solidFill>
               <a:latin typeface="Arial"/>
             </a:endParaRPr>
           </a:p>
@@ -27900,7 +29133,7 @@
         <p:spPr>
           <a:xfrm>
             <a:off x="327960" y="524520"/>
-            <a:ext cx="8290080" cy="836640"/>
+            <a:ext cx="8289720" cy="836280"/>
           </a:xfrm>
           <a:prstGeom prst="rect">
             <a:avLst/>
@@ -27911,7 +29144,7 @@
           </a:ln>
         </p:spPr>
         <p:txBody>
-          <a:bodyPr numCol="1" spcCol="0" anchor="t">
+          <a:bodyPr numCol="1" spcCol="0" lIns="90000" rIns="90000" tIns="45000" bIns="45000" anchor="t">
             <a:noAutofit/>
           </a:bodyPr>
           <a:p>
@@ -27920,6 +29153,9 @@
                 <a:spcPct val="100000"/>
               </a:lnSpc>
               <a:buNone/>
+              <a:tabLst>
+                <a:tab algn="l" pos="0"/>
+              </a:tabLst>
             </a:pPr>
             <a:r>
               <a:rPr b="0" lang="en-US" sz="3600" spc="-1" strike="noStrike">
@@ -27935,7 +29171,7 @@
               <a:solidFill>
                 <a:srgbClr val="000000"/>
               </a:solidFill>
-              <a:latin typeface="Rockwell"/>
+              <a:latin typeface="Arial"/>
             </a:endParaRPr>
           </a:p>
         </p:txBody>
@@ -27953,7 +29189,7 @@
         <p:spPr>
           <a:xfrm>
             <a:off x="1150560" y="4742280"/>
-            <a:ext cx="5732640" cy="517680"/>
+            <a:ext cx="5732280" cy="517320"/>
           </a:xfrm>
           <a:prstGeom prst="rect">
             <a:avLst/>
@@ -27964,7 +29200,7 @@
           </a:ln>
         </p:spPr>
         <p:txBody>
-          <a:bodyPr numCol="1" spcCol="0" anchor="t">
+          <a:bodyPr numCol="1" spcCol="0" lIns="90000" rIns="90000" tIns="45000" bIns="45000" anchor="t">
             <a:noAutofit/>
           </a:bodyPr>
           <a:p>
@@ -28062,9 +29298,9 @@
             </a:r>
             <a:endParaRPr b="0" lang="en-US" sz="2000" spc="-1" strike="noStrike">
               <a:solidFill>
-                <a:schemeClr val="accent1"/>
-              </a:solidFill>
-              <a:latin typeface="Cambria"/>
+                <a:srgbClr val="000000"/>
+              </a:solidFill>
+              <a:latin typeface="Arial"/>
             </a:endParaRPr>
           </a:p>
         </p:txBody>
